--- a/source/lessons/lsn32-33-34/Lsn32-33-34.pptx
+++ b/source/lessons/lsn32-33-34/Lsn32-33-34.pptx
@@ -7,10 +7,10 @@
     <p:sldMasterId id="2147483667" r:id="rId3"/>
   </p:sldMasterIdLst>
   <p:notesMasterIdLst>
-    <p:notesMasterId r:id="rId46"/>
+    <p:notesMasterId r:id="rId52"/>
   </p:notesMasterIdLst>
   <p:handoutMasterIdLst>
-    <p:handoutMasterId r:id="rId47"/>
+    <p:handoutMasterId r:id="rId53"/>
   </p:handoutMasterIdLst>
   <p:sldIdLst>
     <p:sldId id="352" r:id="rId4"/>
@@ -44,17 +44,23 @@
     <p:sldId id="379" r:id="rId32"/>
     <p:sldId id="390" r:id="rId33"/>
     <p:sldId id="381" r:id="rId34"/>
-    <p:sldId id="382" r:id="rId35"/>
-    <p:sldId id="383" r:id="rId36"/>
-    <p:sldId id="384" r:id="rId37"/>
-    <p:sldId id="385" r:id="rId38"/>
-    <p:sldId id="386" r:id="rId39"/>
-    <p:sldId id="376" r:id="rId40"/>
-    <p:sldId id="395" r:id="rId41"/>
-    <p:sldId id="392" r:id="rId42"/>
-    <p:sldId id="393" r:id="rId43"/>
-    <p:sldId id="394" r:id="rId44"/>
-    <p:sldId id="353" r:id="rId45"/>
+    <p:sldId id="399" r:id="rId35"/>
+    <p:sldId id="382" r:id="rId36"/>
+    <p:sldId id="383" r:id="rId37"/>
+    <p:sldId id="384" r:id="rId38"/>
+    <p:sldId id="385" r:id="rId39"/>
+    <p:sldId id="386" r:id="rId40"/>
+    <p:sldId id="396" r:id="rId41"/>
+    <p:sldId id="400" r:id="rId42"/>
+    <p:sldId id="376" r:id="rId43"/>
+    <p:sldId id="395" r:id="rId44"/>
+    <p:sldId id="392" r:id="rId45"/>
+    <p:sldId id="397" r:id="rId46"/>
+    <p:sldId id="398" r:id="rId47"/>
+    <p:sldId id="393" r:id="rId48"/>
+    <p:sldId id="401" r:id="rId49"/>
+    <p:sldId id="394" r:id="rId50"/>
+    <p:sldId id="353" r:id="rId51"/>
   </p:sldIdLst>
   <p:sldSz cx="9144000" cy="6858000" type="screen4x3"/>
   <p:notesSz cx="7010400" cy="9296400"/>
@@ -1415,7 +1421,7 @@
           <a:p>
             <a:fld id="{834513E8-165F-4932-9E2D-FD497CB9A4FD}" type="datetimeFigureOut">
               <a:rPr lang="en-US" smtClean="0"/>
-              <a:t>10/15/2018</a:t>
+              <a:t>10/23/2018</a:t>
             </a:fld>
             <a:endParaRPr lang="en-US"/>
           </a:p>
@@ -1510,7 +1516,7 @@
           <a:p>
             <a:fld id="{834513E8-165F-4932-9E2D-FD497CB9A4FD}" type="datetimeFigureOut">
               <a:rPr lang="en-US" smtClean="0"/>
-              <a:t>10/15/2018</a:t>
+              <a:t>10/23/2018</a:t>
             </a:fld>
             <a:endParaRPr lang="en-US"/>
           </a:p>
@@ -1787,7 +1793,7 @@
           <a:p>
             <a:fld id="{834513E8-165F-4932-9E2D-FD497CB9A4FD}" type="datetimeFigureOut">
               <a:rPr lang="en-US" smtClean="0"/>
-              <a:t>10/15/2018</a:t>
+              <a:t>10/23/2018</a:t>
             </a:fld>
             <a:endParaRPr lang="en-US"/>
           </a:p>
@@ -2040,7 +2046,7 @@
           <a:p>
             <a:fld id="{834513E8-165F-4932-9E2D-FD497CB9A4FD}" type="datetimeFigureOut">
               <a:rPr lang="en-US" smtClean="0"/>
-              <a:t>10/15/2018</a:t>
+              <a:t>10/23/2018</a:t>
             </a:fld>
             <a:endParaRPr lang="en-US"/>
           </a:p>
@@ -2210,7 +2216,7 @@
           <a:p>
             <a:fld id="{834513E8-165F-4932-9E2D-FD497CB9A4FD}" type="datetimeFigureOut">
               <a:rPr lang="en-US" smtClean="0"/>
-              <a:t>10/15/2018</a:t>
+              <a:t>10/23/2018</a:t>
             </a:fld>
             <a:endParaRPr lang="en-US"/>
           </a:p>
@@ -2390,7 +2396,7 @@
           <a:p>
             <a:fld id="{834513E8-165F-4932-9E2D-FD497CB9A4FD}" type="datetimeFigureOut">
               <a:rPr lang="en-US" smtClean="0"/>
-              <a:t>10/15/2018</a:t>
+              <a:t>10/23/2018</a:t>
             </a:fld>
             <a:endParaRPr lang="en-US"/>
           </a:p>
@@ -3196,7 +3202,7 @@
           <a:p>
             <a:fld id="{834513E8-165F-4932-9E2D-FD497CB9A4FD}" type="datetimeFigureOut">
               <a:rPr lang="en-US" smtClean="0"/>
-              <a:t>10/15/2018</a:t>
+              <a:t>10/23/2018</a:t>
             </a:fld>
             <a:endParaRPr lang="en-US"/>
           </a:p>
@@ -3396,7 +3402,7 @@
           <a:p>
             <a:fld id="{834513E8-165F-4932-9E2D-FD497CB9A4FD}" type="datetimeFigureOut">
               <a:rPr lang="en-US" smtClean="0"/>
-              <a:t>10/15/2018</a:t>
+              <a:t>10/23/2018</a:t>
             </a:fld>
             <a:endParaRPr lang="en-US"/>
           </a:p>
@@ -3566,7 +3572,7 @@
           <a:p>
             <a:fld id="{834513E8-165F-4932-9E2D-FD497CB9A4FD}" type="datetimeFigureOut">
               <a:rPr lang="en-US" smtClean="0"/>
-              <a:t>10/15/2018</a:t>
+              <a:t>10/23/2018</a:t>
             </a:fld>
             <a:endParaRPr lang="en-US"/>
           </a:p>
@@ -3812,7 +3818,7 @@
           <a:p>
             <a:fld id="{834513E8-165F-4932-9E2D-FD497CB9A4FD}" type="datetimeFigureOut">
               <a:rPr lang="en-US" smtClean="0"/>
-              <a:t>10/15/2018</a:t>
+              <a:t>10/23/2018</a:t>
             </a:fld>
             <a:endParaRPr lang="en-US"/>
           </a:p>
@@ -4044,7 +4050,7 @@
           <a:p>
             <a:fld id="{834513E8-165F-4932-9E2D-FD497CB9A4FD}" type="datetimeFigureOut">
               <a:rPr lang="en-US" smtClean="0"/>
-              <a:t>10/15/2018</a:t>
+              <a:t>10/23/2018</a:t>
             </a:fld>
             <a:endParaRPr lang="en-US"/>
           </a:p>
@@ -4411,7 +4417,7 @@
           <a:p>
             <a:fld id="{834513E8-165F-4932-9E2D-FD497CB9A4FD}" type="datetimeFigureOut">
               <a:rPr lang="en-US" smtClean="0"/>
-              <a:t>10/15/2018</a:t>
+              <a:t>10/23/2018</a:t>
             </a:fld>
             <a:endParaRPr lang="en-US"/>
           </a:p>
@@ -6228,7 +6234,7 @@
           <a:p>
             <a:fld id="{834513E8-165F-4932-9E2D-FD497CB9A4FD}" type="datetimeFigureOut">
               <a:rPr lang="en-US" smtClean="0"/>
-              <a:t>10/15/2018</a:t>
+              <a:t>10/23/2018</a:t>
             </a:fld>
             <a:endParaRPr lang="en-US"/>
           </a:p>
@@ -6863,14 +6869,7 @@
                 <a:effectLst/>
                 <a:latin typeface="Trebuchet MS" panose="020B0603020202020204" pitchFamily="34" charset="0"/>
               </a:rPr>
-              <a:t>Lesson </a:t>
-            </a:r>
-            <a:r>
-              <a:rPr lang="en-US" kern="0" smtClean="0">
-                <a:effectLst/>
-                <a:latin typeface="Trebuchet MS" panose="020B0603020202020204" pitchFamily="34" charset="0"/>
-              </a:rPr>
-              <a:t>32+33+34</a:t>
+              <a:t>Lesson 32+33+34</a:t>
             </a:r>
             <a:endParaRPr lang="en-US" kern="0" dirty="0">
               <a:effectLst/>
@@ -9581,6 +9580,114 @@
             <a:endParaRPr lang="en-US" smtClean="0">
               <a:solidFill>
                 <a:srgbClr val="000000"/>
+              </a:solidFill>
+            </a:endParaRPr>
+          </a:p>
+        </p:txBody>
+      </p:sp>
+      <p:sp>
+        <p:nvSpPr>
+          <p:cNvPr id="3" name="TextBox 2"/>
+          <p:cNvSpPr txBox="1"/>
+          <p:nvPr/>
+        </p:nvSpPr>
+        <p:spPr>
+          <a:xfrm>
+            <a:off x="65340" y="3548316"/>
+            <a:ext cx="1415772" cy="1015663"/>
+          </a:xfrm>
+          <a:prstGeom prst="rect">
+            <a:avLst/>
+          </a:prstGeom>
+          <a:noFill/>
+        </p:spPr>
+        <p:txBody>
+          <a:bodyPr wrap="none" rtlCol="0">
+            <a:spAutoFit/>
+          </a:bodyPr>
+          <a:lstStyle/>
+          <a:p>
+            <a:r>
+              <a:rPr lang="en-US" dirty="0" smtClean="0">
+                <a:solidFill>
+                  <a:srgbClr val="7030A0"/>
+                </a:solidFill>
+              </a:rPr>
+              <a:t>1010</a:t>
+            </a:r>
+            <a:r>
+              <a:rPr lang="en-US" dirty="0" smtClean="0">
+                <a:solidFill>
+                  <a:schemeClr val="accent1">
+                    <a:lumMod val="75000"/>
+                  </a:schemeClr>
+                </a:solidFill>
+              </a:rPr>
+              <a:t>1010</a:t>
+            </a:r>
+          </a:p>
+          <a:p>
+            <a:r>
+              <a:rPr lang="en-US" dirty="0" smtClean="0">
+                <a:solidFill>
+                  <a:srgbClr val="7030A0"/>
+                </a:solidFill>
+              </a:rPr>
+              <a:t>     A</a:t>
+            </a:r>
+            <a:r>
+              <a:rPr lang="en-US" dirty="0" smtClean="0">
+                <a:solidFill>
+                  <a:schemeClr val="accent1">
+                    <a:lumMod val="75000"/>
+                  </a:schemeClr>
+                </a:solidFill>
+              </a:rPr>
+              <a:t>A</a:t>
+            </a:r>
+            <a:endParaRPr lang="en-US" dirty="0">
+              <a:solidFill>
+                <a:schemeClr val="accent1">
+                  <a:lumMod val="75000"/>
+                </a:schemeClr>
+              </a:solidFill>
+            </a:endParaRPr>
+          </a:p>
+        </p:txBody>
+      </p:sp>
+      <p:sp>
+        <p:nvSpPr>
+          <p:cNvPr id="5" name="TextBox 4"/>
+          <p:cNvSpPr txBox="1"/>
+          <p:nvPr/>
+        </p:nvSpPr>
+        <p:spPr>
+          <a:xfrm>
+            <a:off x="5693819" y="4597840"/>
+            <a:ext cx="2704587" cy="461665"/>
+          </a:xfrm>
+          <a:prstGeom prst="rect">
+            <a:avLst/>
+          </a:prstGeom>
+          <a:noFill/>
+        </p:spPr>
+        <p:txBody>
+          <a:bodyPr wrap="none" rtlCol="0">
+            <a:spAutoFit/>
+          </a:bodyPr>
+          <a:lstStyle/>
+          <a:p>
+            <a:r>
+              <a:rPr lang="en-US" dirty="0" smtClean="0">
+                <a:solidFill>
+                  <a:srgbClr val="FF0000"/>
+                </a:solidFill>
+              </a:rPr>
+              <a:t>Read on down clock</a:t>
+            </a:r>
+            <a:endParaRPr lang="en-US" dirty="0">
+              <a:solidFill>
+                <a:srgbClr val="FF0000"/>
               </a:solidFill>
             </a:endParaRPr>
           </a:p>
@@ -10225,6 +10332,114 @@
           </a:p>
         </p:txBody>
       </p:sp>
+      <p:sp>
+        <p:nvSpPr>
+          <p:cNvPr id="24" name="TextBox 23"/>
+          <p:cNvSpPr txBox="1"/>
+          <p:nvPr/>
+        </p:nvSpPr>
+        <p:spPr>
+          <a:xfrm>
+            <a:off x="5693819" y="4597840"/>
+            <a:ext cx="2327881" cy="461665"/>
+          </a:xfrm>
+          <a:prstGeom prst="rect">
+            <a:avLst/>
+          </a:prstGeom>
+          <a:noFill/>
+        </p:spPr>
+        <p:txBody>
+          <a:bodyPr wrap="none" rtlCol="0">
+            <a:spAutoFit/>
+          </a:bodyPr>
+          <a:lstStyle/>
+          <a:p>
+            <a:r>
+              <a:rPr lang="en-US" dirty="0" smtClean="0">
+                <a:solidFill>
+                  <a:srgbClr val="FF0000"/>
+                </a:solidFill>
+              </a:rPr>
+              <a:t>Read on up clock</a:t>
+            </a:r>
+            <a:endParaRPr lang="en-US" dirty="0">
+              <a:solidFill>
+                <a:srgbClr val="FF0000"/>
+              </a:solidFill>
+            </a:endParaRPr>
+          </a:p>
+        </p:txBody>
+      </p:sp>
+      <p:sp>
+        <p:nvSpPr>
+          <p:cNvPr id="25" name="TextBox 24"/>
+          <p:cNvSpPr txBox="1"/>
+          <p:nvPr/>
+        </p:nvSpPr>
+        <p:spPr>
+          <a:xfrm>
+            <a:off x="65340" y="3548316"/>
+            <a:ext cx="1415772" cy="1015663"/>
+          </a:xfrm>
+          <a:prstGeom prst="rect">
+            <a:avLst/>
+          </a:prstGeom>
+          <a:noFill/>
+        </p:spPr>
+        <p:txBody>
+          <a:bodyPr wrap="none" rtlCol="0">
+            <a:spAutoFit/>
+          </a:bodyPr>
+          <a:lstStyle/>
+          <a:p>
+            <a:r>
+              <a:rPr lang="en-US" dirty="0" smtClean="0">
+                <a:solidFill>
+                  <a:srgbClr val="7030A0"/>
+                </a:solidFill>
+              </a:rPr>
+              <a:t>1010</a:t>
+            </a:r>
+            <a:r>
+              <a:rPr lang="en-US" dirty="0" smtClean="0">
+                <a:solidFill>
+                  <a:schemeClr val="accent1">
+                    <a:lumMod val="75000"/>
+                  </a:schemeClr>
+                </a:solidFill>
+              </a:rPr>
+              <a:t>1010</a:t>
+            </a:r>
+          </a:p>
+          <a:p>
+            <a:r>
+              <a:rPr lang="en-US" dirty="0" smtClean="0">
+                <a:solidFill>
+                  <a:srgbClr val="7030A0"/>
+                </a:solidFill>
+              </a:rPr>
+              <a:t>     A</a:t>
+            </a:r>
+            <a:r>
+              <a:rPr lang="en-US" dirty="0" smtClean="0">
+                <a:solidFill>
+                  <a:schemeClr val="accent1">
+                    <a:lumMod val="75000"/>
+                  </a:schemeClr>
+                </a:solidFill>
+              </a:rPr>
+              <a:t>A</a:t>
+            </a:r>
+            <a:endParaRPr lang="en-US" dirty="0">
+              <a:solidFill>
+                <a:schemeClr val="accent1">
+                  <a:lumMod val="75000"/>
+                </a:schemeClr>
+              </a:solidFill>
+            </a:endParaRPr>
+          </a:p>
+        </p:txBody>
+      </p:sp>
     </p:spTree>
     <p:extLst>
       <p:ext uri="{BB962C8B-B14F-4D97-AF65-F5344CB8AC3E}">
@@ -10859,6 +11074,76 @@
             <a:endParaRPr lang="en-US" smtClean="0">
               <a:solidFill>
                 <a:srgbClr val="000000"/>
+              </a:solidFill>
+            </a:endParaRPr>
+          </a:p>
+        </p:txBody>
+      </p:sp>
+      <p:sp>
+        <p:nvSpPr>
+          <p:cNvPr id="17" name="TextBox 16"/>
+          <p:cNvSpPr txBox="1"/>
+          <p:nvPr/>
+        </p:nvSpPr>
+        <p:spPr>
+          <a:xfrm>
+            <a:off x="65340" y="3548316"/>
+            <a:ext cx="1415772" cy="1015663"/>
+          </a:xfrm>
+          <a:prstGeom prst="rect">
+            <a:avLst/>
+          </a:prstGeom>
+          <a:noFill/>
+        </p:spPr>
+        <p:txBody>
+          <a:bodyPr wrap="none" rtlCol="0">
+            <a:spAutoFit/>
+          </a:bodyPr>
+          <a:lstStyle/>
+          <a:p>
+            <a:r>
+              <a:rPr lang="en-US" dirty="0" smtClean="0">
+                <a:solidFill>
+                  <a:srgbClr val="7030A0"/>
+                </a:solidFill>
+              </a:rPr>
+              <a:t>1010</a:t>
+            </a:r>
+            <a:r>
+              <a:rPr lang="en-US" dirty="0" smtClean="0">
+                <a:solidFill>
+                  <a:schemeClr val="accent1">
+                    <a:lumMod val="75000"/>
+                  </a:schemeClr>
+                </a:solidFill>
+              </a:rPr>
+              <a:t>1010</a:t>
+            </a:r>
+          </a:p>
+          <a:p>
+            <a:r>
+              <a:rPr lang="en-US" dirty="0" smtClean="0">
+                <a:solidFill>
+                  <a:srgbClr val="7030A0"/>
+                </a:solidFill>
+              </a:rPr>
+              <a:t>     A</a:t>
+            </a:r>
+            <a:r>
+              <a:rPr lang="en-US" dirty="0" smtClean="0">
+                <a:solidFill>
+                  <a:schemeClr val="accent1">
+                    <a:lumMod val="75000"/>
+                  </a:schemeClr>
+                </a:solidFill>
+              </a:rPr>
+              <a:t>A</a:t>
+            </a:r>
+            <a:endParaRPr lang="en-US" dirty="0">
+              <a:solidFill>
+                <a:schemeClr val="accent1">
+                  <a:lumMod val="75000"/>
+                </a:schemeClr>
               </a:solidFill>
             </a:endParaRPr>
           </a:p>
@@ -12163,6 +12448,107 @@
           </a:p>
         </p:txBody>
       </p:sp>
+      <p:sp>
+        <p:nvSpPr>
+          <p:cNvPr id="15" name="TextBox 14"/>
+          <p:cNvSpPr txBox="1"/>
+          <p:nvPr/>
+        </p:nvSpPr>
+        <p:spPr>
+          <a:xfrm>
+            <a:off x="65340" y="3548316"/>
+            <a:ext cx="1392945" cy="1015663"/>
+          </a:xfrm>
+          <a:prstGeom prst="rect">
+            <a:avLst/>
+          </a:prstGeom>
+          <a:noFill/>
+        </p:spPr>
+        <p:txBody>
+          <a:bodyPr wrap="none" rtlCol="0">
+            <a:spAutoFit/>
+          </a:bodyPr>
+          <a:lstStyle/>
+          <a:p>
+            <a:r>
+              <a:rPr lang="en-US" dirty="0" smtClean="0">
+                <a:solidFill>
+                  <a:srgbClr val="7030A0"/>
+                </a:solidFill>
+              </a:rPr>
+              <a:t>0101</a:t>
+            </a:r>
+            <a:r>
+              <a:rPr lang="en-US" dirty="0" smtClean="0">
+                <a:solidFill>
+                  <a:schemeClr val="accent1">
+                    <a:lumMod val="75000"/>
+                  </a:schemeClr>
+                </a:solidFill>
+              </a:rPr>
+              <a:t>1101</a:t>
+            </a:r>
+          </a:p>
+          <a:p>
+            <a:r>
+              <a:rPr lang="en-US" dirty="0" smtClean="0">
+                <a:solidFill>
+                  <a:srgbClr val="7030A0"/>
+                </a:solidFill>
+              </a:rPr>
+              <a:t>     5</a:t>
+            </a:r>
+            <a:r>
+              <a:rPr lang="en-US" dirty="0">
+                <a:solidFill>
+                  <a:schemeClr val="accent1">
+                    <a:lumMod val="75000"/>
+                  </a:schemeClr>
+                </a:solidFill>
+              </a:rPr>
+              <a:t>D</a:t>
+            </a:r>
+          </a:p>
+        </p:txBody>
+      </p:sp>
+      <p:sp>
+        <p:nvSpPr>
+          <p:cNvPr id="16" name="TextBox 15"/>
+          <p:cNvSpPr txBox="1"/>
+          <p:nvPr/>
+        </p:nvSpPr>
+        <p:spPr>
+          <a:xfrm>
+            <a:off x="5693819" y="4597840"/>
+            <a:ext cx="2704587" cy="461665"/>
+          </a:xfrm>
+          <a:prstGeom prst="rect">
+            <a:avLst/>
+          </a:prstGeom>
+          <a:noFill/>
+        </p:spPr>
+        <p:txBody>
+          <a:bodyPr wrap="none" rtlCol="0">
+            <a:spAutoFit/>
+          </a:bodyPr>
+          <a:lstStyle/>
+          <a:p>
+            <a:r>
+              <a:rPr lang="en-US" dirty="0" smtClean="0">
+                <a:solidFill>
+                  <a:srgbClr val="FF0000"/>
+                </a:solidFill>
+              </a:rPr>
+              <a:t>Read on down clock</a:t>
+            </a:r>
+            <a:endParaRPr lang="en-US" dirty="0">
+              <a:solidFill>
+                <a:srgbClr val="FF0000"/>
+              </a:solidFill>
+            </a:endParaRPr>
+          </a:p>
+        </p:txBody>
+      </p:sp>
     </p:spTree>
     <p:extLst>
       <p:ext uri="{BB962C8B-B14F-4D97-AF65-F5344CB8AC3E}">
@@ -17213,16 +17599,16 @@
       </p:sp>
       <p:grpSp>
         <p:nvGrpSpPr>
-          <p:cNvPr id="4" name="Group 3"/>
+          <p:cNvPr id="24" name="Group 23"/>
           <p:cNvGrpSpPr/>
           <p:nvPr/>
         </p:nvGrpSpPr>
         <p:grpSpPr>
           <a:xfrm>
-            <a:off x="1390901" y="2639791"/>
-            <a:ext cx="6195802" cy="768744"/>
-            <a:chOff x="1406667" y="1843633"/>
-            <a:chExt cx="6195802" cy="768744"/>
+            <a:off x="2557549" y="2608260"/>
+            <a:ext cx="3732822" cy="768744"/>
+            <a:chOff x="1390901" y="2639791"/>
+            <a:chExt cx="3732822" cy="768744"/>
           </a:xfrm>
         </p:grpSpPr>
         <p:sp>
@@ -17233,8 +17619,8 @@
           </p:nvSpPr>
           <p:spPr bwMode="auto">
             <a:xfrm>
-              <a:off x="1406667" y="1843633"/>
-              <a:ext cx="598810" cy="768744"/>
+              <a:off x="1390901" y="2639791"/>
+              <a:ext cx="555047" cy="768744"/>
             </a:xfrm>
             <a:prstGeom prst="rect">
               <a:avLst/>
@@ -17298,8 +17684,8 @@
           </p:nvSpPr>
           <p:spPr bwMode="auto">
             <a:xfrm>
-              <a:off x="2627216" y="1843633"/>
-              <a:ext cx="598810" cy="768744"/>
+              <a:off x="2522249" y="2639791"/>
+              <a:ext cx="555047" cy="768744"/>
             </a:xfrm>
             <a:prstGeom prst="rect">
               <a:avLst/>
@@ -17363,8 +17749,8 @@
           </p:nvCxnSpPr>
           <p:spPr bwMode="auto">
             <a:xfrm>
-              <a:off x="2005477" y="1948830"/>
-              <a:ext cx="621739" cy="0"/>
+              <a:off x="1945948" y="2744988"/>
+              <a:ext cx="576301" cy="0"/>
             </a:xfrm>
             <a:prstGeom prst="line">
               <a:avLst/>
@@ -17390,8 +17776,8 @@
           </p:nvCxnSpPr>
           <p:spPr bwMode="auto">
             <a:xfrm>
-              <a:off x="1999409" y="2028401"/>
-              <a:ext cx="621739" cy="0"/>
+              <a:off x="1940324" y="2824559"/>
+              <a:ext cx="576301" cy="0"/>
             </a:xfrm>
             <a:prstGeom prst="line">
               <a:avLst/>
@@ -17417,8 +17803,8 @@
           </p:nvCxnSpPr>
           <p:spPr bwMode="auto">
             <a:xfrm>
-              <a:off x="2005476" y="2101230"/>
-              <a:ext cx="621739" cy="0"/>
+              <a:off x="1945947" y="2897388"/>
+              <a:ext cx="576301" cy="0"/>
             </a:xfrm>
             <a:prstGeom prst="line">
               <a:avLst/>
@@ -17444,8 +17830,8 @@
           </p:nvCxnSpPr>
           <p:spPr bwMode="auto">
             <a:xfrm>
-              <a:off x="1999408" y="2190242"/>
-              <a:ext cx="621739" cy="0"/>
+              <a:off x="1940323" y="2986400"/>
+              <a:ext cx="576301" cy="0"/>
             </a:xfrm>
             <a:prstGeom prst="line">
               <a:avLst/>
@@ -17471,8 +17857,8 @@
           </p:nvCxnSpPr>
           <p:spPr bwMode="auto">
             <a:xfrm>
-              <a:off x="2005476" y="2279254"/>
-              <a:ext cx="621739" cy="0"/>
+              <a:off x="1945947" y="3075412"/>
+              <a:ext cx="576301" cy="0"/>
             </a:xfrm>
             <a:prstGeom prst="line">
               <a:avLst/>
@@ -17498,8 +17884,8 @@
           </p:nvCxnSpPr>
           <p:spPr bwMode="auto">
             <a:xfrm>
-              <a:off x="1999408" y="2358825"/>
-              <a:ext cx="621739" cy="0"/>
+              <a:off x="1940323" y="3154983"/>
+              <a:ext cx="576301" cy="0"/>
             </a:xfrm>
             <a:prstGeom prst="line">
               <a:avLst/>
@@ -17525,8 +17911,8 @@
           </p:nvCxnSpPr>
           <p:spPr bwMode="auto">
             <a:xfrm>
-              <a:off x="2005475" y="2431654"/>
-              <a:ext cx="621739" cy="0"/>
+              <a:off x="1945946" y="3227812"/>
+              <a:ext cx="576301" cy="0"/>
             </a:xfrm>
             <a:prstGeom prst="line">
               <a:avLst/>
@@ -17552,8 +17938,8 @@
           </p:nvCxnSpPr>
           <p:spPr bwMode="auto">
             <a:xfrm>
-              <a:off x="1999407" y="2520666"/>
-              <a:ext cx="621739" cy="0"/>
+              <a:off x="1940322" y="3316824"/>
+              <a:ext cx="576301" cy="0"/>
             </a:xfrm>
             <a:prstGeom prst="line">
               <a:avLst/>
@@ -17579,8 +17965,8 @@
           </p:nvSpPr>
           <p:spPr bwMode="auto">
             <a:xfrm>
-              <a:off x="3614444" y="1843633"/>
-              <a:ext cx="598810" cy="768744"/>
+              <a:off x="3437328" y="2639791"/>
+              <a:ext cx="555047" cy="768744"/>
             </a:xfrm>
             <a:prstGeom prst="rect">
               <a:avLst/>
@@ -17644,8 +18030,8 @@
           </p:nvSpPr>
           <p:spPr bwMode="auto">
             <a:xfrm>
-              <a:off x="4834993" y="1843633"/>
-              <a:ext cx="598810" cy="768744"/>
+              <a:off x="4568676" y="2639791"/>
+              <a:ext cx="555047" cy="768744"/>
             </a:xfrm>
             <a:prstGeom prst="rect">
               <a:avLst/>
@@ -17709,8 +18095,8 @@
           </p:nvCxnSpPr>
           <p:spPr bwMode="auto">
             <a:xfrm>
-              <a:off x="4207185" y="2190242"/>
-              <a:ext cx="621739" cy="0"/>
+              <a:off x="3986750" y="2986400"/>
+              <a:ext cx="576301" cy="0"/>
             </a:xfrm>
             <a:prstGeom prst="line">
               <a:avLst/>
@@ -17724,244 +18110,6 @@
               <a:round/>
               <a:headEnd type="none" w="med" len="med"/>
               <a:tailEnd type="none" w="med" len="med"/>
-            </a:ln>
-            <a:effectLst/>
-          </p:spPr>
-        </p:cxnSp>
-        <p:sp>
-          <p:nvSpPr>
-            <p:cNvPr id="18" name="Rectangle 17"/>
-            <p:cNvSpPr/>
-            <p:nvPr/>
-          </p:nvSpPr>
-          <p:spPr bwMode="auto">
-            <a:xfrm>
-              <a:off x="5783110" y="1843633"/>
-              <a:ext cx="598810" cy="768744"/>
-            </a:xfrm>
-            <a:prstGeom prst="rect">
-              <a:avLst/>
-            </a:prstGeom>
-            <a:noFill/>
-            <a:ln w="9525" cap="flat" cmpd="sng" algn="ctr">
-              <a:solidFill>
-                <a:schemeClr val="accent2"/>
-              </a:solidFill>
-              <a:prstDash val="solid"/>
-              <a:round/>
-              <a:headEnd type="none" w="med" len="med"/>
-              <a:tailEnd type="none" w="med" len="med"/>
-            </a:ln>
-            <a:effectLst/>
-          </p:spPr>
-          <p:txBody>
-            <a:bodyPr vert="horz" wrap="square" lIns="91440" tIns="45720" rIns="91440" bIns="45720" numCol="1" rtlCol="0" anchor="t" anchorCtr="0" compatLnSpc="1">
-              <a:prstTxWarp prst="textNoShape">
-                <a:avLst/>
-              </a:prstTxWarp>
-              <a:spAutoFit/>
-            </a:bodyPr>
-            <a:lstStyle/>
-            <a:p>
-              <a:pPr marL="0" marR="0" indent="0" algn="l" defTabSz="914400" rtl="0" eaLnBrk="1" fontAlgn="base" latinLnBrk="0" hangingPunct="1">
-                <a:lnSpc>
-                  <a:spcPct val="100000"/>
-                </a:lnSpc>
-                <a:spcBef>
-                  <a:spcPct val="50000"/>
-                </a:spcBef>
-                <a:spcAft>
-                  <a:spcPct val="0"/>
-                </a:spcAft>
-                <a:buClrTx/>
-                <a:buSzTx/>
-                <a:buFontTx/>
-                <a:buNone/>
-                <a:tabLst/>
-              </a:pPr>
-              <a:endParaRPr kumimoji="0" lang="en-US" sz="2400" b="0" i="0" u="none" strike="noStrike" cap="none" normalizeH="0" baseline="0" smtClean="0">
-                <a:ln>
-                  <a:noFill/>
-                </a:ln>
-                <a:solidFill>
-                  <a:schemeClr val="tx1"/>
-                </a:solidFill>
-                <a:effectLst/>
-                <a:latin typeface="Times New Roman" pitchFamily="18" charset="0"/>
-                <a:sym typeface="Wingdings" pitchFamily="2" charset="2"/>
-              </a:endParaRPr>
-            </a:p>
-          </p:txBody>
-        </p:sp>
-        <p:sp>
-          <p:nvSpPr>
-            <p:cNvPr id="19" name="Rectangle 18"/>
-            <p:cNvSpPr/>
-            <p:nvPr/>
-          </p:nvSpPr>
-          <p:spPr bwMode="auto">
-            <a:xfrm>
-              <a:off x="7003659" y="1843633"/>
-              <a:ext cx="598810" cy="768744"/>
-            </a:xfrm>
-            <a:prstGeom prst="rect">
-              <a:avLst/>
-            </a:prstGeom>
-            <a:noFill/>
-            <a:ln w="9525" cap="flat" cmpd="sng" algn="ctr">
-              <a:solidFill>
-                <a:schemeClr val="accent2"/>
-              </a:solidFill>
-              <a:prstDash val="solid"/>
-              <a:round/>
-              <a:headEnd type="none" w="med" len="med"/>
-              <a:tailEnd type="none" w="med" len="med"/>
-            </a:ln>
-            <a:effectLst/>
-          </p:spPr>
-          <p:txBody>
-            <a:bodyPr vert="horz" wrap="square" lIns="91440" tIns="45720" rIns="91440" bIns="45720" numCol="1" rtlCol="0" anchor="t" anchorCtr="0" compatLnSpc="1">
-              <a:prstTxWarp prst="textNoShape">
-                <a:avLst/>
-              </a:prstTxWarp>
-              <a:spAutoFit/>
-            </a:bodyPr>
-            <a:lstStyle/>
-            <a:p>
-              <a:pPr marL="0" marR="0" indent="0" algn="l" defTabSz="914400" rtl="0" eaLnBrk="1" fontAlgn="base" latinLnBrk="0" hangingPunct="1">
-                <a:lnSpc>
-                  <a:spcPct val="100000"/>
-                </a:lnSpc>
-                <a:spcBef>
-                  <a:spcPct val="50000"/>
-                </a:spcBef>
-                <a:spcAft>
-                  <a:spcPct val="0"/>
-                </a:spcAft>
-                <a:buClrTx/>
-                <a:buSzTx/>
-                <a:buFontTx/>
-                <a:buNone/>
-                <a:tabLst/>
-              </a:pPr>
-              <a:endParaRPr kumimoji="0" lang="en-US" sz="2400" b="0" i="0" u="none" strike="noStrike" cap="none" normalizeH="0" baseline="0" smtClean="0">
-                <a:ln>
-                  <a:noFill/>
-                </a:ln>
-                <a:solidFill>
-                  <a:schemeClr val="tx1"/>
-                </a:solidFill>
-                <a:effectLst/>
-                <a:latin typeface="Times New Roman" pitchFamily="18" charset="0"/>
-                <a:sym typeface="Wingdings" pitchFamily="2" charset="2"/>
-              </a:endParaRPr>
-            </a:p>
-          </p:txBody>
-        </p:sp>
-        <p:cxnSp>
-          <p:nvCxnSpPr>
-            <p:cNvPr id="20" name="Straight Connector 19"/>
-            <p:cNvCxnSpPr/>
-            <p:nvPr/>
-          </p:nvCxnSpPr>
-          <p:spPr bwMode="auto">
-            <a:xfrm>
-              <a:off x="6381920" y="1948830"/>
-              <a:ext cx="621739" cy="0"/>
-            </a:xfrm>
-            <a:prstGeom prst="line">
-              <a:avLst/>
-            </a:prstGeom>
-            <a:noFill/>
-            <a:ln w="6350" cap="flat" cmpd="sng" algn="ctr">
-              <a:solidFill>
-                <a:schemeClr val="accent2"/>
-              </a:solidFill>
-              <a:prstDash val="solid"/>
-              <a:round/>
-              <a:headEnd type="none" w="med" len="med"/>
-              <a:tailEnd type="triangle" w="med" len="med"/>
-            </a:ln>
-            <a:effectLst/>
-          </p:spPr>
-        </p:cxnSp>
-        <p:cxnSp>
-          <p:nvCxnSpPr>
-            <p:cNvPr id="21" name="Straight Connector 20"/>
-            <p:cNvCxnSpPr/>
-            <p:nvPr/>
-          </p:nvCxnSpPr>
-          <p:spPr bwMode="auto">
-            <a:xfrm>
-              <a:off x="6381919" y="2101230"/>
-              <a:ext cx="621739" cy="0"/>
-            </a:xfrm>
-            <a:prstGeom prst="line">
-              <a:avLst/>
-            </a:prstGeom>
-            <a:noFill/>
-            <a:ln w="6350" cap="flat" cmpd="sng" algn="ctr">
-              <a:solidFill>
-                <a:schemeClr val="accent2"/>
-              </a:solidFill>
-              <a:prstDash val="solid"/>
-              <a:round/>
-              <a:headEnd type="none" w="med" len="med"/>
-              <a:tailEnd type="triangle" w="med" len="med"/>
-            </a:ln>
-            <a:effectLst/>
-          </p:spPr>
-        </p:cxnSp>
-        <p:cxnSp>
-          <p:nvCxnSpPr>
-            <p:cNvPr id="22" name="Straight Connector 21"/>
-            <p:cNvCxnSpPr/>
-            <p:nvPr/>
-          </p:nvCxnSpPr>
-          <p:spPr bwMode="auto">
-            <a:xfrm>
-              <a:off x="6381919" y="2279254"/>
-              <a:ext cx="621739" cy="0"/>
-            </a:xfrm>
-            <a:prstGeom prst="line">
-              <a:avLst/>
-            </a:prstGeom>
-            <a:noFill/>
-            <a:ln w="6350" cap="flat" cmpd="sng" algn="ctr">
-              <a:solidFill>
-                <a:schemeClr val="accent2"/>
-              </a:solidFill>
-              <a:prstDash val="solid"/>
-              <a:round/>
-              <a:headEnd type="triangle" w="med" len="med"/>
-              <a:tailEnd type="none" w="med" len="med"/>
-            </a:ln>
-            <a:effectLst/>
-          </p:spPr>
-        </p:cxnSp>
-        <p:cxnSp>
-          <p:nvCxnSpPr>
-            <p:cNvPr id="23" name="Straight Connector 22"/>
-            <p:cNvCxnSpPr/>
-            <p:nvPr/>
-          </p:nvCxnSpPr>
-          <p:spPr bwMode="auto">
-            <a:xfrm>
-              <a:off x="6381918" y="2431654"/>
-              <a:ext cx="621739" cy="0"/>
-            </a:xfrm>
-            <a:prstGeom prst="line">
-              <a:avLst/>
-            </a:prstGeom>
-            <a:noFill/>
-            <a:ln w="6350" cap="flat" cmpd="sng" algn="ctr">
-              <a:solidFill>
-                <a:schemeClr val="accent2"/>
-              </a:solidFill>
-              <a:prstDash val="solid"/>
-              <a:round/>
-              <a:headEnd type="none" w="med" len="med"/>
-              <a:tailEnd type="triangle" w="med" len="med"/>
             </a:ln>
             <a:effectLst/>
           </p:spPr>
@@ -18557,6 +18705,174 @@
           <a:chExt cx="0" cy="0"/>
         </a:xfrm>
       </p:grpSpPr>
+      <p:pic>
+        <p:nvPicPr>
+          <p:cNvPr id="4" name="Picture 3"/>
+          <p:cNvPicPr>
+            <a:picLocks noChangeAspect="1"/>
+          </p:cNvPicPr>
+          <p:nvPr/>
+        </p:nvPicPr>
+        <p:blipFill>
+          <a:blip r:embed="rId2"/>
+          <a:stretch>
+            <a:fillRect/>
+          </a:stretch>
+        </p:blipFill>
+        <p:spPr>
+          <a:xfrm>
+            <a:off x="1695779" y="1499629"/>
+            <a:ext cx="6115050" cy="2095500"/>
+          </a:xfrm>
+          <a:prstGeom prst="rect">
+            <a:avLst/>
+          </a:prstGeom>
+        </p:spPr>
+      </p:pic>
+      <p:sp>
+        <p:nvSpPr>
+          <p:cNvPr id="2" name="Subtitle 1"/>
+          <p:cNvSpPr>
+            <a:spLocks noGrp="1"/>
+          </p:cNvSpPr>
+          <p:nvPr>
+            <p:ph type="subTitle" idx="1"/>
+          </p:nvPr>
+        </p:nvSpPr>
+        <p:spPr>
+          <a:xfrm>
+            <a:off x="365760" y="3532067"/>
+            <a:ext cx="8412480" cy="2868733"/>
+          </a:xfrm>
+        </p:spPr>
+        <p:txBody>
+          <a:bodyPr>
+            <a:normAutofit fontScale="92500" lnSpcReduction="20000"/>
+          </a:bodyPr>
+          <a:lstStyle/>
+          <a:p>
+            <a:r>
+              <a:rPr lang="en-US" dirty="0" smtClean="0"/>
+              <a:t>Example of 5O1 (not common at all)</a:t>
+            </a:r>
+          </a:p>
+          <a:p>
+            <a:pPr lvl="1"/>
+            <a:r>
+              <a:rPr lang="en-US" dirty="0" smtClean="0"/>
+              <a:t>5 bits</a:t>
+            </a:r>
+          </a:p>
+          <a:p>
+            <a:pPr lvl="1"/>
+            <a:r>
+              <a:rPr lang="en-US" dirty="0" smtClean="0"/>
+              <a:t>Odd parity (odd #1’s: 0   or   even #1’s:1)</a:t>
+            </a:r>
+          </a:p>
+          <a:p>
+            <a:pPr lvl="1"/>
+            <a:r>
+              <a:rPr lang="en-US" dirty="0" smtClean="0"/>
+              <a:t>1 stop bit</a:t>
+            </a:r>
+          </a:p>
+          <a:p>
+            <a:pPr lvl="1"/>
+            <a:r>
+              <a:rPr lang="en-US" dirty="0" smtClean="0"/>
+              <a:t>Data bit closes to START is the </a:t>
+            </a:r>
+            <a:r>
+              <a:rPr lang="en-US" dirty="0" err="1" smtClean="0"/>
+              <a:t>LSb</a:t>
+            </a:r>
+            <a:endParaRPr lang="en-US" dirty="0" smtClean="0"/>
+          </a:p>
+          <a:p>
+            <a:r>
+              <a:rPr lang="en-US" dirty="0" smtClean="0"/>
+              <a:t>Most common is 8N1</a:t>
+            </a:r>
+          </a:p>
+          <a:p>
+            <a:pPr lvl="1"/>
+            <a:r>
+              <a:rPr lang="en-US" dirty="0" smtClean="0"/>
+              <a:t>8 bits</a:t>
+            </a:r>
+          </a:p>
+          <a:p>
+            <a:pPr lvl="1"/>
+            <a:r>
+              <a:rPr lang="en-US" dirty="0" smtClean="0"/>
+              <a:t>N: no parity bit</a:t>
+            </a:r>
+          </a:p>
+          <a:p>
+            <a:pPr lvl="1"/>
+            <a:r>
+              <a:rPr lang="en-US" dirty="0" smtClean="0"/>
+              <a:t>1 stop bit</a:t>
+            </a:r>
+            <a:endParaRPr lang="en-US" dirty="0"/>
+          </a:p>
+        </p:txBody>
+      </p:sp>
+      <p:sp>
+        <p:nvSpPr>
+          <p:cNvPr id="3" name="Title 2"/>
+          <p:cNvSpPr>
+            <a:spLocks noGrp="1"/>
+          </p:cNvSpPr>
+          <p:nvPr>
+            <p:ph type="title"/>
+          </p:nvPr>
+        </p:nvSpPr>
+        <p:spPr/>
+        <p:txBody>
+          <a:bodyPr/>
+          <a:lstStyle/>
+          <a:p>
+            <a:r>
+              <a:rPr lang="en-US" dirty="0" smtClean="0"/>
+              <a:t>UART Serial Protocol</a:t>
+            </a:r>
+            <a:endParaRPr lang="en-US" dirty="0"/>
+          </a:p>
+        </p:txBody>
+      </p:sp>
+    </p:spTree>
+    <p:extLst>
+      <p:ext uri="{BB962C8B-B14F-4D97-AF65-F5344CB8AC3E}">
+        <p14:creationId xmlns:p14="http://schemas.microsoft.com/office/powerpoint/2010/main" val="4235591081"/>
+      </p:ext>
+    </p:extLst>
+  </p:cSld>
+  <p:clrMapOvr>
+    <a:masterClrMapping/>
+  </p:clrMapOvr>
+  <p:transition spd="med"/>
+</p:sld>
+</file>
+
+<file path=ppt/slides/slide33.xml><?xml version="1.0" encoding="utf-8"?>
+<p:sld xmlns:a="http://schemas.openxmlformats.org/drawingml/2006/main" xmlns:r="http://schemas.openxmlformats.org/officeDocument/2006/relationships" xmlns:p="http://schemas.openxmlformats.org/presentationml/2006/main">
+  <p:cSld>
+    <p:spTree>
+      <p:nvGrpSpPr>
+        <p:cNvPr id="1" name=""/>
+        <p:cNvGrpSpPr/>
+        <p:nvPr/>
+      </p:nvGrpSpPr>
+      <p:grpSpPr>
+        <a:xfrm>
+          <a:off x="0" y="0"/>
+          <a:ext cx="0" cy="0"/>
+          <a:chOff x="0" y="0"/>
+          <a:chExt cx="0" cy="0"/>
+        </a:xfrm>
+      </p:grpSpPr>
       <p:sp>
         <p:nvSpPr>
           <p:cNvPr id="2" name="Subtitle 1"/>
@@ -18653,7 +18969,7 @@
 </p:sld>
 </file>
 
-<file path=ppt/slides/slide33.xml><?xml version="1.0" encoding="utf-8"?>
+<file path=ppt/slides/slide34.xml><?xml version="1.0" encoding="utf-8"?>
 <p:sld xmlns:a="http://schemas.openxmlformats.org/drawingml/2006/main" xmlns:r="http://schemas.openxmlformats.org/officeDocument/2006/relationships" xmlns:p="http://schemas.openxmlformats.org/presentationml/2006/main">
   <p:cSld>
     <p:spTree>
@@ -18859,91 +19175,396 @@
           </a:p>
         </p:txBody>
       </p:sp>
+      <p:sp>
+        <p:nvSpPr>
+          <p:cNvPr id="2" name="Rectangle 1"/>
+          <p:cNvSpPr/>
+          <p:nvPr/>
+        </p:nvSpPr>
+        <p:spPr bwMode="auto">
+          <a:xfrm>
+            <a:off x="5242034" y="1576552"/>
+            <a:ext cx="1079938" cy="307427"/>
+          </a:xfrm>
+          <a:prstGeom prst="rect">
+            <a:avLst/>
+          </a:prstGeom>
+          <a:noFill/>
+          <a:ln w="12700" cap="flat" cmpd="sng" algn="ctr">
+            <a:solidFill>
+              <a:srgbClr val="FF0000"/>
+            </a:solidFill>
+            <a:prstDash val="solid"/>
+            <a:round/>
+            <a:headEnd type="none" w="med" len="med"/>
+            <a:tailEnd type="none" w="med" len="med"/>
+          </a:ln>
+          <a:effectLst/>
+        </p:spPr>
+        <p:txBody>
+          <a:bodyPr vert="horz" wrap="square" lIns="91440" tIns="45720" rIns="91440" bIns="45720" numCol="1" rtlCol="0" anchor="t" anchorCtr="0" compatLnSpc="1">
+            <a:prstTxWarp prst="textNoShape">
+              <a:avLst/>
+            </a:prstTxWarp>
+          </a:bodyPr>
+          <a:lstStyle/>
+          <a:p>
+            <a:pPr marL="0" marR="0" indent="0" algn="ctr" defTabSz="914400" rtl="0" eaLnBrk="0" fontAlgn="base" latinLnBrk="0" hangingPunct="0">
+              <a:lnSpc>
+                <a:spcPct val="100000"/>
+              </a:lnSpc>
+              <a:spcBef>
+                <a:spcPct val="0"/>
+              </a:spcBef>
+              <a:spcAft>
+                <a:spcPct val="0"/>
+              </a:spcAft>
+              <a:buClrTx/>
+              <a:buSzTx/>
+              <a:buFontTx/>
+              <a:buNone/>
+              <a:tabLst/>
+            </a:pPr>
+            <a:endParaRPr kumimoji="0" lang="en-US" sz="1600" b="0" i="0" u="none" strike="noStrike" cap="none" normalizeH="0" baseline="0" smtClean="0">
+              <a:ln>
+                <a:noFill/>
+              </a:ln>
+              <a:solidFill>
+                <a:schemeClr val="tx1"/>
+              </a:solidFill>
+              <a:effectLst/>
+              <a:latin typeface="Arial" charset="0"/>
+            </a:endParaRPr>
+          </a:p>
+        </p:txBody>
+      </p:sp>
+      <p:sp>
+        <p:nvSpPr>
+          <p:cNvPr id="7" name="Rectangular Callout 6"/>
+          <p:cNvSpPr/>
+          <p:nvPr/>
+        </p:nvSpPr>
+        <p:spPr bwMode="auto">
+          <a:xfrm>
+            <a:off x="7252137" y="1640599"/>
+            <a:ext cx="1773621" cy="621754"/>
+          </a:xfrm>
+          <a:prstGeom prst="wedgeRectCallout">
+            <a:avLst>
+              <a:gd name="adj1" fmla="val -100833"/>
+              <a:gd name="adj2" fmla="val -41459"/>
+            </a:avLst>
+          </a:prstGeom>
+          <a:solidFill>
+            <a:srgbClr val="FFFF00"/>
+          </a:solidFill>
+          <a:ln w="12700" cap="flat" cmpd="sng" algn="ctr">
+            <a:solidFill>
+              <a:schemeClr val="tx1"/>
+            </a:solidFill>
+            <a:prstDash val="solid"/>
+            <a:round/>
+            <a:headEnd type="none" w="med" len="med"/>
+            <a:tailEnd type="none" w="med" len="med"/>
+          </a:ln>
+          <a:effectLst/>
+        </p:spPr>
+        <p:txBody>
+          <a:bodyPr vert="horz" wrap="square" lIns="91440" tIns="45720" rIns="91440" bIns="45720" numCol="1" rtlCol="0" anchor="t" anchorCtr="0" compatLnSpc="1">
+            <a:prstTxWarp prst="textNoShape">
+              <a:avLst/>
+            </a:prstTxWarp>
+          </a:bodyPr>
+          <a:lstStyle/>
+          <a:p>
+            <a:pPr marL="0" marR="0" indent="0" algn="ctr" defTabSz="914400" rtl="0" eaLnBrk="0" fontAlgn="base" latinLnBrk="0" hangingPunct="0">
+              <a:lnSpc>
+                <a:spcPct val="100000"/>
+              </a:lnSpc>
+              <a:spcBef>
+                <a:spcPct val="0"/>
+              </a:spcBef>
+              <a:spcAft>
+                <a:spcPct val="0"/>
+              </a:spcAft>
+              <a:buClrTx/>
+              <a:buSzTx/>
+              <a:buFontTx/>
+              <a:buNone/>
+              <a:tabLst/>
+            </a:pPr>
+            <a:r>
+              <a:rPr kumimoji="0" lang="en-US" sz="1600" b="0" i="0" u="none" strike="noStrike" cap="none" normalizeH="0" baseline="0" dirty="0" smtClean="0">
+                <a:ln>
+                  <a:noFill/>
+                </a:ln>
+                <a:solidFill>
+                  <a:schemeClr val="tx1"/>
+                </a:solidFill>
+                <a:effectLst/>
+                <a:latin typeface="Arial" charset="0"/>
+              </a:rPr>
+              <a:t>Common </a:t>
+            </a:r>
+            <a:r>
+              <a:rPr kumimoji="0" lang="en-US" sz="1600" b="0" i="0" u="none" strike="noStrike" cap="none" normalizeH="0" baseline="0" dirty="0" smtClean="0">
+                <a:ln>
+                  <a:noFill/>
+                </a:ln>
+                <a:solidFill>
+                  <a:schemeClr val="tx1"/>
+                </a:solidFill>
+                <a:effectLst/>
+                <a:latin typeface="Arial" charset="0"/>
+              </a:rPr>
+              <a:t>when using the SMCLK</a:t>
+            </a:r>
+            <a:endParaRPr kumimoji="0" lang="en-US" sz="1600" b="0" i="0" u="none" strike="noStrike" cap="none" normalizeH="0" baseline="0" dirty="0" smtClean="0">
+              <a:ln>
+                <a:noFill/>
+              </a:ln>
+              <a:solidFill>
+                <a:schemeClr val="tx1"/>
+              </a:solidFill>
+              <a:effectLst/>
+              <a:latin typeface="Arial" charset="0"/>
+            </a:endParaRPr>
+          </a:p>
+        </p:txBody>
+      </p:sp>
+      <p:sp>
+        <p:nvSpPr>
+          <p:cNvPr id="8" name="Rectangle 7"/>
+          <p:cNvSpPr/>
+          <p:nvPr/>
+        </p:nvSpPr>
+        <p:spPr bwMode="auto">
+          <a:xfrm>
+            <a:off x="1828800" y="2010103"/>
+            <a:ext cx="638503" cy="252250"/>
+          </a:xfrm>
+          <a:prstGeom prst="rect">
+            <a:avLst/>
+          </a:prstGeom>
+          <a:noFill/>
+          <a:ln w="12700" cap="flat" cmpd="sng" algn="ctr">
+            <a:solidFill>
+              <a:srgbClr val="FF0000"/>
+            </a:solidFill>
+            <a:prstDash val="solid"/>
+            <a:round/>
+            <a:headEnd type="none" w="med" len="med"/>
+            <a:tailEnd type="none" w="med" len="med"/>
+          </a:ln>
+          <a:effectLst/>
+        </p:spPr>
+        <p:txBody>
+          <a:bodyPr vert="horz" wrap="square" lIns="91440" tIns="45720" rIns="91440" bIns="45720" numCol="1" rtlCol="0" anchor="t" anchorCtr="0" compatLnSpc="1">
+            <a:prstTxWarp prst="textNoShape">
+              <a:avLst/>
+            </a:prstTxWarp>
+          </a:bodyPr>
+          <a:lstStyle/>
+          <a:p>
+            <a:pPr marL="0" marR="0" indent="0" algn="ctr" defTabSz="914400" rtl="0" eaLnBrk="0" fontAlgn="base" latinLnBrk="0" hangingPunct="0">
+              <a:lnSpc>
+                <a:spcPct val="100000"/>
+              </a:lnSpc>
+              <a:spcBef>
+                <a:spcPct val="0"/>
+              </a:spcBef>
+              <a:spcAft>
+                <a:spcPct val="0"/>
+              </a:spcAft>
+              <a:buClrTx/>
+              <a:buSzTx/>
+              <a:buFontTx/>
+              <a:buNone/>
+              <a:tabLst/>
+            </a:pPr>
+            <a:endParaRPr kumimoji="0" lang="en-US" sz="1600" b="0" i="0" u="none" strike="noStrike" cap="none" normalizeH="0" baseline="0" smtClean="0">
+              <a:ln>
+                <a:noFill/>
+              </a:ln>
+              <a:solidFill>
+                <a:schemeClr val="tx1"/>
+              </a:solidFill>
+              <a:effectLst/>
+              <a:latin typeface="Arial" charset="0"/>
+            </a:endParaRPr>
+          </a:p>
+        </p:txBody>
+      </p:sp>
+      <p:sp>
+        <p:nvSpPr>
+          <p:cNvPr id="9" name="Rectangle 8"/>
+          <p:cNvSpPr/>
+          <p:nvPr/>
+        </p:nvSpPr>
+        <p:spPr bwMode="auto">
+          <a:xfrm>
+            <a:off x="2593510" y="2010103"/>
+            <a:ext cx="638503" cy="252250"/>
+          </a:xfrm>
+          <a:prstGeom prst="rect">
+            <a:avLst/>
+          </a:prstGeom>
+          <a:noFill/>
+          <a:ln w="12700" cap="flat" cmpd="sng" algn="ctr">
+            <a:solidFill>
+              <a:srgbClr val="FF0000"/>
+            </a:solidFill>
+            <a:prstDash val="solid"/>
+            <a:round/>
+            <a:headEnd type="none" w="med" len="med"/>
+            <a:tailEnd type="none" w="med" len="med"/>
+          </a:ln>
+          <a:effectLst/>
+        </p:spPr>
+        <p:txBody>
+          <a:bodyPr vert="horz" wrap="square" lIns="91440" tIns="45720" rIns="91440" bIns="45720" numCol="1" rtlCol="0" anchor="t" anchorCtr="0" compatLnSpc="1">
+            <a:prstTxWarp prst="textNoShape">
+              <a:avLst/>
+            </a:prstTxWarp>
+          </a:bodyPr>
+          <a:lstStyle/>
+          <a:p>
+            <a:pPr marL="0" marR="0" indent="0" algn="ctr" defTabSz="914400" rtl="0" eaLnBrk="0" fontAlgn="base" latinLnBrk="0" hangingPunct="0">
+              <a:lnSpc>
+                <a:spcPct val="100000"/>
+              </a:lnSpc>
+              <a:spcBef>
+                <a:spcPct val="0"/>
+              </a:spcBef>
+              <a:spcAft>
+                <a:spcPct val="0"/>
+              </a:spcAft>
+              <a:buClrTx/>
+              <a:buSzTx/>
+              <a:buFontTx/>
+              <a:buNone/>
+              <a:tabLst/>
+            </a:pPr>
+            <a:endParaRPr kumimoji="0" lang="en-US" sz="1600" b="0" i="0" u="none" strike="noStrike" cap="none" normalizeH="0" baseline="0" smtClean="0">
+              <a:ln>
+                <a:noFill/>
+              </a:ln>
+              <a:solidFill>
+                <a:schemeClr val="tx1"/>
+              </a:solidFill>
+              <a:effectLst/>
+              <a:latin typeface="Arial" charset="0"/>
+            </a:endParaRPr>
+          </a:p>
+        </p:txBody>
+      </p:sp>
+      <p:sp>
+        <p:nvSpPr>
+          <p:cNvPr id="10" name="Rectangle 9"/>
+          <p:cNvSpPr/>
+          <p:nvPr/>
+        </p:nvSpPr>
+        <p:spPr bwMode="auto">
+          <a:xfrm>
+            <a:off x="3322583" y="2010103"/>
+            <a:ext cx="638503" cy="252250"/>
+          </a:xfrm>
+          <a:prstGeom prst="rect">
+            <a:avLst/>
+          </a:prstGeom>
+          <a:noFill/>
+          <a:ln w="12700" cap="flat" cmpd="sng" algn="ctr">
+            <a:solidFill>
+              <a:srgbClr val="FF0000"/>
+            </a:solidFill>
+            <a:prstDash val="solid"/>
+            <a:round/>
+            <a:headEnd type="none" w="med" len="med"/>
+            <a:tailEnd type="none" w="med" len="med"/>
+          </a:ln>
+          <a:effectLst/>
+        </p:spPr>
+        <p:txBody>
+          <a:bodyPr vert="horz" wrap="square" lIns="91440" tIns="45720" rIns="91440" bIns="45720" numCol="1" rtlCol="0" anchor="t" anchorCtr="0" compatLnSpc="1">
+            <a:prstTxWarp prst="textNoShape">
+              <a:avLst/>
+            </a:prstTxWarp>
+          </a:bodyPr>
+          <a:lstStyle/>
+          <a:p>
+            <a:pPr marL="0" marR="0" indent="0" algn="ctr" defTabSz="914400" rtl="0" eaLnBrk="0" fontAlgn="base" latinLnBrk="0" hangingPunct="0">
+              <a:lnSpc>
+                <a:spcPct val="100000"/>
+              </a:lnSpc>
+              <a:spcBef>
+                <a:spcPct val="0"/>
+              </a:spcBef>
+              <a:spcAft>
+                <a:spcPct val="0"/>
+              </a:spcAft>
+              <a:buClrTx/>
+              <a:buSzTx/>
+              <a:buFontTx/>
+              <a:buNone/>
+              <a:tabLst/>
+            </a:pPr>
+            <a:endParaRPr kumimoji="0" lang="en-US" sz="1600" b="0" i="0" u="none" strike="noStrike" cap="none" normalizeH="0" baseline="0" smtClean="0">
+              <a:ln>
+                <a:noFill/>
+              </a:ln>
+              <a:solidFill>
+                <a:schemeClr val="tx1"/>
+              </a:solidFill>
+              <a:effectLst/>
+              <a:latin typeface="Arial" charset="0"/>
+            </a:endParaRPr>
+          </a:p>
+        </p:txBody>
+      </p:sp>
+      <p:sp>
+        <p:nvSpPr>
+          <p:cNvPr id="11" name="TextBox 10"/>
+          <p:cNvSpPr txBox="1"/>
+          <p:nvPr/>
+        </p:nvSpPr>
+        <p:spPr>
+          <a:xfrm>
+            <a:off x="5479055" y="6166518"/>
+            <a:ext cx="3337773" cy="461665"/>
+          </a:xfrm>
+          <a:prstGeom prst="rect">
+            <a:avLst/>
+          </a:prstGeom>
+          <a:solidFill>
+            <a:schemeClr val="bg1"/>
+          </a:solidFill>
+        </p:spPr>
+        <p:txBody>
+          <a:bodyPr wrap="none" rtlCol="0">
+            <a:spAutoFit/>
+          </a:bodyPr>
+          <a:lstStyle/>
+          <a:p>
+            <a:r>
+              <a:rPr lang="en-US" dirty="0" smtClean="0">
+                <a:solidFill>
+                  <a:srgbClr val="FF0000"/>
+                </a:solidFill>
+              </a:rPr>
+              <a:t>  9600 8N1 very common</a:t>
+            </a:r>
+            <a:endParaRPr lang="en-US" dirty="0">
+              <a:solidFill>
+                <a:srgbClr val="FF0000"/>
+              </a:solidFill>
+            </a:endParaRPr>
+          </a:p>
+        </p:txBody>
+      </p:sp>
     </p:spTree>
     <p:extLst>
       <p:ext uri="{BB962C8B-B14F-4D97-AF65-F5344CB8AC3E}">
         <p14:creationId xmlns:p14="http://schemas.microsoft.com/office/powerpoint/2010/main" val="3340594233"/>
-      </p:ext>
-    </p:extLst>
-  </p:cSld>
-  <p:clrMapOvr>
-    <a:masterClrMapping/>
-  </p:clrMapOvr>
-  <p:transition spd="med"/>
-  <p:timing>
-    <p:tnLst>
-      <p:par>
-        <p:cTn id="1" dur="indefinite" restart="never" nodeType="tmRoot"/>
-      </p:par>
-    </p:tnLst>
-  </p:timing>
-</p:sld>
-</file>
-
-<file path=ppt/slides/slide34.xml><?xml version="1.0" encoding="utf-8"?>
-<p:sld xmlns:a="http://schemas.openxmlformats.org/drawingml/2006/main" xmlns:r="http://schemas.openxmlformats.org/officeDocument/2006/relationships" xmlns:p="http://schemas.openxmlformats.org/presentationml/2006/main">
-  <p:cSld>
-    <p:spTree>
-      <p:nvGrpSpPr>
-        <p:cNvPr id="1" name=""/>
-        <p:cNvGrpSpPr/>
-        <p:nvPr/>
-      </p:nvGrpSpPr>
-      <p:grpSpPr>
-        <a:xfrm>
-          <a:off x="0" y="0"/>
-          <a:ext cx="0" cy="0"/>
-          <a:chOff x="0" y="0"/>
-          <a:chExt cx="0" cy="0"/>
-        </a:xfrm>
-      </p:grpSpPr>
-      <p:sp>
-        <p:nvSpPr>
-          <p:cNvPr id="3" name="Title 2"/>
-          <p:cNvSpPr>
-            <a:spLocks noGrp="1"/>
-          </p:cNvSpPr>
-          <p:nvPr>
-            <p:ph type="title"/>
-          </p:nvPr>
-        </p:nvSpPr>
-        <p:spPr/>
-        <p:txBody>
-          <a:bodyPr/>
-          <a:lstStyle/>
-          <a:p>
-            <a:endParaRPr lang="en-US"/>
-          </a:p>
-        </p:txBody>
-      </p:sp>
-      <p:pic>
-        <p:nvPicPr>
-          <p:cNvPr id="4" name="Picture 3"/>
-          <p:cNvPicPr>
-            <a:picLocks noChangeAspect="1"/>
-          </p:cNvPicPr>
-          <p:nvPr/>
-        </p:nvPicPr>
-        <p:blipFill>
-          <a:blip r:embed="rId2"/>
-          <a:stretch>
-            <a:fillRect/>
-          </a:stretch>
-        </p:blipFill>
-        <p:spPr>
-          <a:xfrm>
-            <a:off x="378372" y="1449368"/>
-            <a:ext cx="6502783" cy="4963255"/>
-          </a:xfrm>
-          <a:prstGeom prst="rect">
-            <a:avLst/>
-          </a:prstGeom>
-        </p:spPr>
-      </p:pic>
-    </p:spTree>
-    <p:extLst>
-      <p:ext uri="{BB962C8B-B14F-4D97-AF65-F5344CB8AC3E}">
-        <p14:creationId xmlns:p14="http://schemas.microsoft.com/office/powerpoint/2010/main" val="3319197792"/>
       </p:ext>
     </p:extLst>
   </p:cSld>
@@ -18980,30 +19601,6 @@
       </p:grpSpPr>
       <p:sp>
         <p:nvSpPr>
-          <p:cNvPr id="2" name="Subtitle 1"/>
-          <p:cNvSpPr>
-            <a:spLocks noGrp="1"/>
-          </p:cNvSpPr>
-          <p:nvPr>
-            <p:ph type="subTitle" idx="1"/>
-          </p:nvPr>
-        </p:nvSpPr>
-        <p:spPr>
-          <a:xfrm>
-            <a:off x="357876" y="3907055"/>
-            <a:ext cx="8412480" cy="2438566"/>
-          </a:xfrm>
-        </p:spPr>
-        <p:txBody>
-          <a:bodyPr/>
-          <a:lstStyle/>
-          <a:p>
-            <a:endParaRPr lang="en-US" dirty="0"/>
-          </a:p>
-        </p:txBody>
-      </p:sp>
-      <p:sp>
-        <p:nvSpPr>
           <p:cNvPr id="3" name="Title 2"/>
           <p:cNvSpPr>
             <a:spLocks noGrp="1"/>
@@ -19019,7 +19616,7 @@
           <a:p>
             <a:r>
               <a:rPr lang="en-US" dirty="0" smtClean="0"/>
-              <a:t>UART</a:t>
+              <a:t>Serial CTL</a:t>
             </a:r>
             <a:endParaRPr lang="en-US" dirty="0"/>
           </a:p>
@@ -19041,18 +19638,81 @@
         </p:blipFill>
         <p:spPr>
           <a:xfrm>
-            <a:off x="454736" y="1516280"/>
-            <a:ext cx="8029575" cy="2390775"/>
+            <a:off x="378372" y="1449368"/>
+            <a:ext cx="6502783" cy="4963255"/>
           </a:xfrm>
           <a:prstGeom prst="rect">
             <a:avLst/>
           </a:prstGeom>
         </p:spPr>
       </p:pic>
+      <p:sp>
+        <p:nvSpPr>
+          <p:cNvPr id="2" name="Rectangle 1"/>
+          <p:cNvSpPr/>
+          <p:nvPr/>
+        </p:nvSpPr>
+        <p:spPr bwMode="auto">
+          <a:xfrm>
+            <a:off x="1797268" y="2758966"/>
+            <a:ext cx="843455" cy="197068"/>
+          </a:xfrm>
+          <a:prstGeom prst="rect">
+            <a:avLst/>
+          </a:prstGeom>
+          <a:noFill/>
+          <a:ln w="12700" cap="flat" cmpd="sng" algn="ctr">
+            <a:solidFill>
+              <a:srgbClr val="FF0000"/>
+            </a:solidFill>
+            <a:prstDash val="solid"/>
+            <a:round/>
+            <a:headEnd type="none" w="med" len="med"/>
+            <a:tailEnd type="none" w="med" len="med"/>
+          </a:ln>
+          <a:effectLst/>
+        </p:spPr>
+        <p:txBody>
+          <a:bodyPr vert="horz" wrap="square" lIns="91440" tIns="45720" rIns="91440" bIns="45720" numCol="1" rtlCol="0" anchor="t" anchorCtr="0" compatLnSpc="1">
+            <a:prstTxWarp prst="textNoShape">
+              <a:avLst/>
+            </a:prstTxWarp>
+          </a:bodyPr>
+          <a:lstStyle/>
+          <a:p>
+            <a:pPr marL="0" marR="0" indent="0" algn="ctr" defTabSz="914400" rtl="0" eaLnBrk="0" fontAlgn="base" latinLnBrk="0" hangingPunct="0">
+              <a:lnSpc>
+                <a:spcPct val="100000"/>
+              </a:lnSpc>
+              <a:spcBef>
+                <a:spcPct val="0"/>
+              </a:spcBef>
+              <a:spcAft>
+                <a:spcPct val="0"/>
+              </a:spcAft>
+              <a:buClrTx/>
+              <a:buSzTx/>
+              <a:buFontTx/>
+              <a:buNone/>
+              <a:tabLst/>
+            </a:pPr>
+            <a:endParaRPr kumimoji="0" lang="en-US" sz="1600" b="0" i="0" u="none" strike="noStrike" cap="none" normalizeH="0" baseline="0" smtClean="0">
+              <a:ln>
+                <a:noFill/>
+              </a:ln>
+              <a:solidFill>
+                <a:schemeClr val="tx1"/>
+              </a:solidFill>
+              <a:effectLst/>
+              <a:latin typeface="Arial" charset="0"/>
+            </a:endParaRPr>
+          </a:p>
+        </p:txBody>
+      </p:sp>
     </p:spTree>
     <p:extLst>
       <p:ext uri="{BB962C8B-B14F-4D97-AF65-F5344CB8AC3E}">
-        <p14:creationId xmlns:p14="http://schemas.microsoft.com/office/powerpoint/2010/main" val="3159041174"/>
+        <p14:creationId xmlns:p14="http://schemas.microsoft.com/office/powerpoint/2010/main" val="3319197792"/>
       </p:ext>
     </p:extLst>
   </p:cSld>
@@ -19097,12 +19757,21 @@
             <p:ph type="subTitle" idx="1"/>
           </p:nvPr>
         </p:nvSpPr>
-        <p:spPr/>
+        <p:spPr>
+          <a:xfrm>
+            <a:off x="357876" y="3907055"/>
+            <a:ext cx="8412480" cy="2438566"/>
+          </a:xfrm>
+        </p:spPr>
         <p:txBody>
           <a:bodyPr/>
           <a:lstStyle/>
           <a:p>
-            <a:endParaRPr lang="en-US"/>
+            <a:r>
+              <a:rPr lang="en-US" dirty="0" smtClean="0"/>
+              <a:t>These come from that big table above or p 424 Fam User Guide</a:t>
+            </a:r>
+            <a:endParaRPr lang="en-US" dirty="0"/>
           </a:p>
         </p:txBody>
       </p:sp>
@@ -19123,67 +19792,158 @@
           <a:p>
             <a:r>
               <a:rPr lang="en-US" dirty="0" smtClean="0"/>
-              <a:t>UART Setup</a:t>
+              <a:t>UART</a:t>
             </a:r>
             <a:endParaRPr lang="en-US" dirty="0"/>
           </a:p>
         </p:txBody>
       </p:sp>
+      <p:pic>
+        <p:nvPicPr>
+          <p:cNvPr id="4" name="Picture 3"/>
+          <p:cNvPicPr>
+            <a:picLocks noChangeAspect="1"/>
+          </p:cNvPicPr>
+          <p:nvPr/>
+        </p:nvPicPr>
+        <p:blipFill>
+          <a:blip r:embed="rId2"/>
+          <a:stretch>
+            <a:fillRect/>
+          </a:stretch>
+        </p:blipFill>
+        <p:spPr>
+          <a:xfrm>
+            <a:off x="454736" y="1516280"/>
+            <a:ext cx="8029575" cy="2390775"/>
+          </a:xfrm>
+          <a:prstGeom prst="rect">
+            <a:avLst/>
+          </a:prstGeom>
+        </p:spPr>
+      </p:pic>
       <p:sp>
         <p:nvSpPr>
-          <p:cNvPr id="4" name="Rectangle 3"/>
+          <p:cNvPr id="5" name="Rectangle 4"/>
           <p:cNvSpPr/>
           <p:nvPr/>
         </p:nvSpPr>
-        <p:spPr>
-          <a:xfrm rot="2344844">
-            <a:off x="2450265" y="3408586"/>
-            <a:ext cx="4243469" cy="923330"/>
+        <p:spPr bwMode="auto">
+          <a:xfrm>
+            <a:off x="357876" y="2948152"/>
+            <a:ext cx="843455" cy="197068"/>
           </a:xfrm>
           <a:prstGeom prst="rect">
             <a:avLst/>
           </a:prstGeom>
           <a:noFill/>
+          <a:ln w="12700" cap="flat" cmpd="sng" algn="ctr">
+            <a:solidFill>
+              <a:srgbClr val="FF0000"/>
+            </a:solidFill>
+            <a:prstDash val="solid"/>
+            <a:round/>
+            <a:headEnd type="none" w="med" len="med"/>
+            <a:tailEnd type="none" w="med" len="med"/>
+          </a:ln>
+          <a:effectLst/>
         </p:spPr>
         <p:txBody>
-          <a:bodyPr wrap="none" lIns="91440" tIns="45720" rIns="91440" bIns="45720">
-            <a:spAutoFit/>
+          <a:bodyPr vert="horz" wrap="square" lIns="91440" tIns="45720" rIns="91440" bIns="45720" numCol="1" rtlCol="0" anchor="t" anchorCtr="0" compatLnSpc="1">
+            <a:prstTxWarp prst="textNoShape">
+              <a:avLst/>
+            </a:prstTxWarp>
           </a:bodyPr>
           <a:lstStyle/>
           <a:p>
-            <a:pPr algn="ctr"/>
-            <a:r>
-              <a:rPr lang="en-US" sz="5400" b="1" cap="none" spc="0" dirty="0" smtClean="0">
-                <a:ln w="22225">
-                  <a:solidFill>
-                    <a:schemeClr val="accent2"/>
-                  </a:solidFill>
-                  <a:prstDash val="solid"/>
-                </a:ln>
-                <a:solidFill>
-                  <a:schemeClr val="accent2">
-                    <a:lumMod val="40000"/>
-                    <a:lumOff val="60000"/>
-                  </a:schemeClr>
-                </a:solidFill>
-                <a:effectLst/>
-              </a:rPr>
-              <a:t>Sample code?</a:t>
-            </a:r>
-            <a:endParaRPr lang="en-US" sz="5400" b="1" cap="none" spc="0" dirty="0">
-              <a:ln w="22225">
-                <a:solidFill>
-                  <a:schemeClr val="accent2"/>
-                </a:solidFill>
-                <a:prstDash val="solid"/>
+            <a:pPr marL="0" marR="0" indent="0" algn="ctr" defTabSz="914400" rtl="0" eaLnBrk="0" fontAlgn="base" latinLnBrk="0" hangingPunct="0">
+              <a:lnSpc>
+                <a:spcPct val="100000"/>
+              </a:lnSpc>
+              <a:spcBef>
+                <a:spcPct val="0"/>
+              </a:spcBef>
+              <a:spcAft>
+                <a:spcPct val="0"/>
+              </a:spcAft>
+              <a:buClrTx/>
+              <a:buSzTx/>
+              <a:buFontTx/>
+              <a:buNone/>
+              <a:tabLst/>
+            </a:pPr>
+            <a:endParaRPr kumimoji="0" lang="en-US" sz="1600" b="0" i="0" u="none" strike="noStrike" cap="none" normalizeH="0" baseline="0" smtClean="0">
+              <a:ln>
+                <a:noFill/>
               </a:ln>
               <a:solidFill>
-                <a:schemeClr val="accent2">
-                  <a:lumMod val="40000"/>
-                  <a:lumOff val="60000"/>
-                </a:schemeClr>
+                <a:schemeClr val="tx1"/>
               </a:solidFill>
               <a:effectLst/>
+              <a:latin typeface="Arial" charset="0"/>
+            </a:endParaRPr>
+          </a:p>
+        </p:txBody>
+      </p:sp>
+      <p:sp>
+        <p:nvSpPr>
+          <p:cNvPr id="6" name="Rectangle 5"/>
+          <p:cNvSpPr/>
+          <p:nvPr/>
+        </p:nvSpPr>
+        <p:spPr bwMode="auto">
+          <a:xfrm>
+            <a:off x="357875" y="3282806"/>
+            <a:ext cx="843455" cy="197068"/>
+          </a:xfrm>
+          <a:prstGeom prst="rect">
+            <a:avLst/>
+          </a:prstGeom>
+          <a:noFill/>
+          <a:ln w="12700" cap="flat" cmpd="sng" algn="ctr">
+            <a:solidFill>
+              <a:srgbClr val="FF0000"/>
+            </a:solidFill>
+            <a:prstDash val="solid"/>
+            <a:round/>
+            <a:headEnd type="none" w="med" len="med"/>
+            <a:tailEnd type="none" w="med" len="med"/>
+          </a:ln>
+          <a:effectLst/>
+        </p:spPr>
+        <p:txBody>
+          <a:bodyPr vert="horz" wrap="square" lIns="91440" tIns="45720" rIns="91440" bIns="45720" numCol="1" rtlCol="0" anchor="t" anchorCtr="0" compatLnSpc="1">
+            <a:prstTxWarp prst="textNoShape">
+              <a:avLst/>
+            </a:prstTxWarp>
+          </a:bodyPr>
+          <a:lstStyle/>
+          <a:p>
+            <a:pPr marL="0" marR="0" indent="0" algn="ctr" defTabSz="914400" rtl="0" eaLnBrk="0" fontAlgn="base" latinLnBrk="0" hangingPunct="0">
+              <a:lnSpc>
+                <a:spcPct val="100000"/>
+              </a:lnSpc>
+              <a:spcBef>
+                <a:spcPct val="0"/>
+              </a:spcBef>
+              <a:spcAft>
+                <a:spcPct val="0"/>
+              </a:spcAft>
+              <a:buClrTx/>
+              <a:buSzTx/>
+              <a:buFontTx/>
+              <a:buNone/>
+              <a:tabLst/>
+            </a:pPr>
+            <a:endParaRPr kumimoji="0" lang="en-US" sz="1600" b="0" i="0" u="none" strike="noStrike" cap="none" normalizeH="0" baseline="0" smtClean="0">
+              <a:ln>
+                <a:noFill/>
+              </a:ln>
+              <a:solidFill>
+                <a:schemeClr val="tx1"/>
+              </a:solidFill>
+              <a:effectLst/>
+              <a:latin typeface="Arial" charset="0"/>
             </a:endParaRPr>
           </a:p>
         </p:txBody>
@@ -19191,7 +19951,7 @@
     </p:spTree>
     <p:extLst>
       <p:ext uri="{BB962C8B-B14F-4D97-AF65-F5344CB8AC3E}">
-        <p14:creationId xmlns:p14="http://schemas.microsoft.com/office/powerpoint/2010/main" val="2724052741"/>
+        <p14:creationId xmlns:p14="http://schemas.microsoft.com/office/powerpoint/2010/main" val="3159041174"/>
       </p:ext>
     </p:extLst>
   </p:cSld>
@@ -19228,6 +19988,1604 @@
       </p:grpSpPr>
       <p:sp>
         <p:nvSpPr>
+          <p:cNvPr id="2" name="Subtitle 1"/>
+          <p:cNvSpPr>
+            <a:spLocks noGrp="1"/>
+          </p:cNvSpPr>
+          <p:nvPr>
+            <p:ph type="subTitle" idx="1"/>
+          </p:nvPr>
+        </p:nvSpPr>
+        <p:spPr/>
+        <p:txBody>
+          <a:bodyPr>
+            <a:normAutofit/>
+          </a:bodyPr>
+          <a:lstStyle/>
+          <a:p>
+            <a:r>
+              <a:rPr lang="en-US" dirty="0" smtClean="0"/>
+              <a:t>Steps:</a:t>
+            </a:r>
+          </a:p>
+          <a:p>
+            <a:pPr lvl="1"/>
+            <a:r>
+              <a:rPr lang="en-US" dirty="0" smtClean="0"/>
+              <a:t>Set P1SEL/P1SEL2 for P1.1 and P1.2 for the UCA0</a:t>
+            </a:r>
+          </a:p>
+          <a:p>
+            <a:pPr lvl="1"/>
+            <a:r>
+              <a:rPr lang="en-US" dirty="0" smtClean="0"/>
+              <a:t>Hold the USCI with </a:t>
+            </a:r>
+            <a:r>
+              <a:rPr lang="en-US" dirty="0">
+                <a:solidFill>
+                  <a:schemeClr val="accent2"/>
+                </a:solidFill>
+              </a:rPr>
+              <a:t>UCA0CTL1 = UCSWRST</a:t>
+            </a:r>
+            <a:r>
+              <a:rPr lang="en-US" dirty="0" smtClean="0">
+                <a:solidFill>
+                  <a:schemeClr val="accent2"/>
+                </a:solidFill>
+              </a:rPr>
+              <a:t>;</a:t>
+            </a:r>
+          </a:p>
+          <a:p>
+            <a:pPr lvl="1"/>
+            <a:r>
+              <a:rPr lang="en-US" dirty="0" smtClean="0"/>
+              <a:t>Set clock to SMCLK</a:t>
+            </a:r>
+          </a:p>
+          <a:p>
+            <a:pPr lvl="1"/>
+            <a:r>
+              <a:rPr lang="en-US" dirty="0" smtClean="0"/>
+              <a:t>Set UCA0CTL/1 correctly</a:t>
+            </a:r>
+          </a:p>
+          <a:p>
+            <a:pPr lvl="1"/>
+            <a:r>
+              <a:rPr lang="en-US" dirty="0" smtClean="0"/>
+              <a:t>Set UCA0MCTL correctly (p 424 Fam User Guide)</a:t>
+            </a:r>
+          </a:p>
+          <a:p>
+            <a:pPr lvl="1"/>
+            <a:r>
+              <a:rPr lang="en-US" dirty="0" smtClean="0"/>
+              <a:t>Take USCI out of reset with </a:t>
+            </a:r>
+            <a:r>
+              <a:rPr lang="en-US" dirty="0">
+                <a:solidFill>
+                  <a:schemeClr val="accent2"/>
+                </a:solidFill>
+              </a:rPr>
+              <a:t>UCA0CTL1 </a:t>
+            </a:r>
+            <a:r>
+              <a:rPr lang="en-US" dirty="0" smtClean="0">
+                <a:solidFill>
+                  <a:schemeClr val="accent2"/>
+                </a:solidFill>
+              </a:rPr>
+              <a:t>&amp;= ~UCSWRST;</a:t>
+            </a:r>
+          </a:p>
+          <a:p>
+            <a:r>
+              <a:rPr lang="en-US" dirty="0" smtClean="0"/>
+              <a:t>Example: 9600 8N1</a:t>
+            </a:r>
+          </a:p>
+          <a:p>
+            <a:pPr lvl="1"/>
+            <a:r>
+              <a:rPr lang="en-US" dirty="0">
+                <a:solidFill>
+                  <a:schemeClr val="accent2"/>
+                </a:solidFill>
+              </a:rPr>
+              <a:t>UCA0CTL1 |= UCSSEL_2;  </a:t>
+            </a:r>
+            <a:r>
+              <a:rPr lang="en-US" dirty="0">
+                <a:solidFill>
+                  <a:srgbClr val="00B050"/>
+                </a:solidFill>
+              </a:rPr>
+              <a:t>// select BRCLK = </a:t>
+            </a:r>
+            <a:r>
+              <a:rPr lang="en-US" dirty="0" smtClean="0">
+                <a:solidFill>
+                  <a:srgbClr val="00B050"/>
+                </a:solidFill>
+              </a:rPr>
+              <a:t>SMCLK</a:t>
+            </a:r>
+          </a:p>
+          <a:p>
+            <a:pPr lvl="1"/>
+            <a:r>
+              <a:rPr lang="en-US" dirty="0">
+                <a:solidFill>
+                  <a:schemeClr val="accent2"/>
+                </a:solidFill>
+              </a:rPr>
+              <a:t>UCA0CTL0 = 0;   </a:t>
+            </a:r>
+            <a:r>
+              <a:rPr lang="en-US" dirty="0" smtClean="0">
+                <a:solidFill>
+                  <a:schemeClr val="accent2"/>
+                </a:solidFill>
+              </a:rPr>
+              <a:t>              </a:t>
+            </a:r>
+            <a:r>
+              <a:rPr lang="en-US" dirty="0" smtClean="0">
+                <a:solidFill>
+                  <a:srgbClr val="00B050"/>
+                </a:solidFill>
+              </a:rPr>
+              <a:t>// 8N1</a:t>
+            </a:r>
+          </a:p>
+          <a:p>
+            <a:pPr lvl="1"/>
+            <a:r>
+              <a:rPr lang="en-US" dirty="0">
+                <a:solidFill>
+                  <a:schemeClr val="accent2"/>
+                </a:solidFill>
+              </a:rPr>
+              <a:t>UCA0BR0 = 104; </a:t>
+            </a:r>
+            <a:r>
+              <a:rPr lang="en-US" dirty="0" smtClean="0">
+                <a:solidFill>
+                  <a:schemeClr val="accent2"/>
+                </a:solidFill>
+              </a:rPr>
+              <a:t>              </a:t>
+            </a:r>
+            <a:r>
+              <a:rPr lang="en-US" dirty="0" smtClean="0">
+                <a:solidFill>
+                  <a:srgbClr val="00B050"/>
+                </a:solidFill>
+              </a:rPr>
+              <a:t>// </a:t>
+            </a:r>
+            <a:r>
+              <a:rPr lang="en-US" dirty="0">
+                <a:solidFill>
+                  <a:srgbClr val="00B050"/>
+                </a:solidFill>
+              </a:rPr>
+              <a:t>p </a:t>
+            </a:r>
+            <a:r>
+              <a:rPr lang="en-US" dirty="0" smtClean="0">
+                <a:solidFill>
+                  <a:srgbClr val="00B050"/>
+                </a:solidFill>
+              </a:rPr>
+              <a:t>424 </a:t>
+            </a:r>
+            <a:r>
+              <a:rPr lang="en-US" dirty="0">
+                <a:solidFill>
+                  <a:srgbClr val="00B050"/>
+                </a:solidFill>
+              </a:rPr>
+              <a:t>1MHz@</a:t>
+            </a:r>
+            <a:r>
+              <a:rPr lang="en-US" dirty="0" smtClean="0">
+                <a:solidFill>
+                  <a:srgbClr val="00B050"/>
+                </a:solidFill>
+              </a:rPr>
+              <a:t>9600</a:t>
+            </a:r>
+            <a:endParaRPr lang="en-US" dirty="0">
+              <a:solidFill>
+                <a:srgbClr val="00B050"/>
+              </a:solidFill>
+            </a:endParaRPr>
+          </a:p>
+          <a:p>
+            <a:pPr lvl="1"/>
+            <a:r>
+              <a:rPr lang="en-US" dirty="0" smtClean="0">
+                <a:solidFill>
+                  <a:schemeClr val="accent2"/>
+                </a:solidFill>
+              </a:rPr>
+              <a:t>UCA0BR1 </a:t>
+            </a:r>
+            <a:r>
+              <a:rPr lang="en-US" dirty="0">
+                <a:solidFill>
+                  <a:schemeClr val="accent2"/>
+                </a:solidFill>
+              </a:rPr>
+              <a:t>= 0;   </a:t>
+            </a:r>
+            <a:r>
+              <a:rPr lang="en-US" dirty="0" smtClean="0">
+                <a:solidFill>
+                  <a:schemeClr val="accent2"/>
+                </a:solidFill>
+              </a:rPr>
+              <a:t>                </a:t>
+            </a:r>
+            <a:r>
+              <a:rPr lang="en-US" dirty="0" smtClean="0">
+                <a:solidFill>
+                  <a:srgbClr val="00B050"/>
+                </a:solidFill>
+              </a:rPr>
+              <a:t>// </a:t>
+            </a:r>
+            <a:r>
+              <a:rPr lang="en-US" dirty="0">
+                <a:solidFill>
+                  <a:srgbClr val="00B050"/>
+                </a:solidFill>
+              </a:rPr>
+              <a:t>p </a:t>
+            </a:r>
+            <a:r>
+              <a:rPr lang="en-US" dirty="0" smtClean="0">
+                <a:solidFill>
+                  <a:srgbClr val="00B050"/>
+                </a:solidFill>
+              </a:rPr>
+              <a:t>424 1MHz@9600</a:t>
+            </a:r>
+            <a:endParaRPr lang="en-US" dirty="0">
+              <a:solidFill>
+                <a:srgbClr val="00B050"/>
+              </a:solidFill>
+            </a:endParaRPr>
+          </a:p>
+          <a:p>
+            <a:pPr lvl="1"/>
+            <a:r>
+              <a:rPr lang="en-US" dirty="0" smtClean="0">
+                <a:solidFill>
+                  <a:schemeClr val="accent2"/>
+                </a:solidFill>
+              </a:rPr>
+              <a:t>UCA0MCTL </a:t>
+            </a:r>
+            <a:r>
+              <a:rPr lang="en-US" dirty="0">
+                <a:solidFill>
+                  <a:schemeClr val="accent2"/>
+                </a:solidFill>
+              </a:rPr>
+              <a:t>= </a:t>
+            </a:r>
+            <a:r>
+              <a:rPr lang="en-US" dirty="0" smtClean="0">
+                <a:solidFill>
+                  <a:schemeClr val="accent2"/>
+                </a:solidFill>
+              </a:rPr>
+              <a:t>UCBRS0;      </a:t>
+            </a:r>
+            <a:r>
+              <a:rPr lang="en-US" dirty="0" smtClean="0">
+                <a:solidFill>
+                  <a:srgbClr val="00B050"/>
+                </a:solidFill>
+              </a:rPr>
+              <a:t>// </a:t>
+            </a:r>
+            <a:r>
+              <a:rPr lang="en-US" dirty="0" err="1" smtClean="0">
+                <a:solidFill>
+                  <a:srgbClr val="00B050"/>
+                </a:solidFill>
+              </a:rPr>
+              <a:t>UCBRSx</a:t>
+            </a:r>
+            <a:r>
+              <a:rPr lang="en-US" dirty="0" smtClean="0">
+                <a:solidFill>
+                  <a:srgbClr val="00B050"/>
+                </a:solidFill>
+              </a:rPr>
+              <a:t>=1</a:t>
+            </a:r>
+            <a:endParaRPr lang="en-US" dirty="0">
+              <a:solidFill>
+                <a:srgbClr val="00B050"/>
+              </a:solidFill>
+            </a:endParaRPr>
+          </a:p>
+        </p:txBody>
+      </p:sp>
+      <p:sp>
+        <p:nvSpPr>
+          <p:cNvPr id="3" name="Title 2"/>
+          <p:cNvSpPr>
+            <a:spLocks noGrp="1"/>
+          </p:cNvSpPr>
+          <p:nvPr>
+            <p:ph type="title"/>
+          </p:nvPr>
+        </p:nvSpPr>
+        <p:spPr/>
+        <p:txBody>
+          <a:bodyPr/>
+          <a:lstStyle/>
+          <a:p>
+            <a:r>
+              <a:rPr lang="en-US" dirty="0" smtClean="0"/>
+              <a:t>UART Setup</a:t>
+            </a:r>
+            <a:endParaRPr lang="en-US" dirty="0"/>
+          </a:p>
+        </p:txBody>
+      </p:sp>
+    </p:spTree>
+    <p:extLst>
+      <p:ext uri="{BB962C8B-B14F-4D97-AF65-F5344CB8AC3E}">
+        <p14:creationId xmlns:p14="http://schemas.microsoft.com/office/powerpoint/2010/main" val="2724052741"/>
+      </p:ext>
+    </p:extLst>
+  </p:cSld>
+  <p:clrMapOvr>
+    <a:masterClrMapping/>
+  </p:clrMapOvr>
+  <p:transition spd="med"/>
+  <p:timing>
+    <p:tnLst>
+      <p:par>
+        <p:cTn id="1" dur="indefinite" restart="never" nodeType="tmRoot"/>
+      </p:par>
+    </p:tnLst>
+  </p:timing>
+</p:sld>
+</file>
+
+<file path=ppt/slides/slide38.xml><?xml version="1.0" encoding="utf-8"?>
+<p:sld xmlns:a="http://schemas.openxmlformats.org/drawingml/2006/main" xmlns:r="http://schemas.openxmlformats.org/officeDocument/2006/relationships" xmlns:p="http://schemas.openxmlformats.org/presentationml/2006/main">
+  <p:cSld>
+    <p:spTree>
+      <p:nvGrpSpPr>
+        <p:cNvPr id="1" name=""/>
+        <p:cNvGrpSpPr/>
+        <p:nvPr/>
+      </p:nvGrpSpPr>
+      <p:grpSpPr>
+        <a:xfrm>
+          <a:off x="0" y="0"/>
+          <a:ext cx="0" cy="0"/>
+          <a:chOff x="0" y="0"/>
+          <a:chExt cx="0" cy="0"/>
+        </a:xfrm>
+      </p:grpSpPr>
+      <p:sp>
+        <p:nvSpPr>
+          <p:cNvPr id="2" name="Subtitle 1"/>
+          <p:cNvSpPr>
+            <a:spLocks noGrp="1"/>
+          </p:cNvSpPr>
+          <p:nvPr>
+            <p:ph type="subTitle" idx="1"/>
+          </p:nvPr>
+        </p:nvSpPr>
+        <p:spPr/>
+        <p:txBody>
+          <a:bodyPr>
+            <a:normAutofit fontScale="92500" lnSpcReduction="10000"/>
+          </a:bodyPr>
+          <a:lstStyle/>
+          <a:p>
+            <a:r>
+              <a:rPr lang="en-US" dirty="0" smtClean="0"/>
+              <a:t>Simple put character function:</a:t>
+            </a:r>
+          </a:p>
+          <a:p>
+            <a:pPr marL="0" indent="0">
+              <a:buNone/>
+            </a:pPr>
+            <a:endParaRPr lang="en-US" dirty="0" smtClean="0"/>
+          </a:p>
+          <a:p>
+            <a:pPr marL="0" indent="0">
+              <a:buNone/>
+            </a:pPr>
+            <a:r>
+              <a:rPr lang="en-US" sz="2000" dirty="0" smtClean="0">
+                <a:solidFill>
+                  <a:srgbClr val="00B050"/>
+                </a:solidFill>
+              </a:rPr>
+              <a:t>// wait for TX to be ready for sending</a:t>
+            </a:r>
+          </a:p>
+          <a:p>
+            <a:pPr marL="0" indent="0">
+              <a:buNone/>
+            </a:pPr>
+            <a:r>
+              <a:rPr lang="en-US" sz="2000" dirty="0" smtClean="0"/>
+              <a:t>void </a:t>
+            </a:r>
+            <a:r>
+              <a:rPr lang="en-US" sz="2000" dirty="0" err="1"/>
+              <a:t>uart_putc</a:t>
+            </a:r>
+            <a:r>
+              <a:rPr lang="en-US" sz="2000" dirty="0"/>
+              <a:t>(</a:t>
+            </a:r>
+            <a:r>
+              <a:rPr lang="en-US" sz="2000" dirty="0" err="1"/>
+              <a:t>const</a:t>
+            </a:r>
+            <a:r>
+              <a:rPr lang="en-US" sz="2000" dirty="0"/>
+              <a:t> </a:t>
+            </a:r>
+            <a:r>
+              <a:rPr lang="en-US" sz="2000" dirty="0" smtClean="0"/>
+              <a:t>int8_t </a:t>
+            </a:r>
+            <a:r>
+              <a:rPr lang="en-US" sz="2000" dirty="0"/>
+              <a:t>c){</a:t>
+            </a:r>
+          </a:p>
+          <a:p>
+            <a:pPr marL="0" indent="0">
+              <a:buNone/>
+            </a:pPr>
+            <a:r>
+              <a:rPr lang="en-US" sz="2000" dirty="0"/>
+              <a:t>    while (!(IFG2 &amp; UCA0TXIFG));  </a:t>
+            </a:r>
+            <a:r>
+              <a:rPr lang="en-US" sz="2000" dirty="0">
+                <a:solidFill>
+                  <a:srgbClr val="00B050"/>
+                </a:solidFill>
+              </a:rPr>
+              <a:t>// USCI_A0 TX buffer ready?</a:t>
+            </a:r>
+          </a:p>
+          <a:p>
+            <a:pPr marL="0" indent="0">
+              <a:buNone/>
+            </a:pPr>
+            <a:r>
+              <a:rPr lang="en-US" sz="2000" dirty="0"/>
+              <a:t>    UCA0TXBUF </a:t>
+            </a:r>
+            <a:r>
+              <a:rPr lang="en-US" sz="2000" dirty="0" smtClean="0"/>
+              <a:t>= </a:t>
+            </a:r>
+            <a:r>
+              <a:rPr lang="en-US" sz="2000" dirty="0"/>
+              <a:t>c;         </a:t>
+            </a:r>
+            <a:r>
+              <a:rPr lang="en-US" sz="2000" dirty="0" smtClean="0"/>
+              <a:t>   </a:t>
+            </a:r>
+            <a:r>
+              <a:rPr lang="en-US" sz="2000" dirty="0" smtClean="0">
+                <a:solidFill>
+                  <a:srgbClr val="00B050"/>
+                </a:solidFill>
+              </a:rPr>
+              <a:t>// </a:t>
+            </a:r>
+            <a:r>
+              <a:rPr lang="en-US" sz="2000" dirty="0">
+                <a:solidFill>
+                  <a:srgbClr val="00B050"/>
+                </a:solidFill>
+              </a:rPr>
+              <a:t>TX</a:t>
+            </a:r>
+          </a:p>
+          <a:p>
+            <a:pPr marL="0" indent="0">
+              <a:buNone/>
+            </a:pPr>
+            <a:r>
+              <a:rPr lang="en-US" sz="2000" dirty="0" smtClean="0"/>
+              <a:t>}</a:t>
+            </a:r>
+          </a:p>
+          <a:p>
+            <a:pPr marL="0" indent="0">
+              <a:buNone/>
+            </a:pPr>
+            <a:endParaRPr lang="en-US" dirty="0" smtClean="0"/>
+          </a:p>
+          <a:p>
+            <a:r>
+              <a:rPr lang="en-US" dirty="0" smtClean="0"/>
+              <a:t>Now, you could easily expand this into transmitting strings or (char* or int8_t*) or char[]</a:t>
+            </a:r>
+          </a:p>
+          <a:p>
+            <a:r>
+              <a:rPr lang="en-US" dirty="0" smtClean="0"/>
+              <a:t>You can declare char arrays like this:</a:t>
+            </a:r>
+          </a:p>
+          <a:p>
+            <a:pPr lvl="1"/>
+            <a:r>
+              <a:rPr lang="en-US" dirty="0" smtClean="0"/>
+              <a:t>char </a:t>
+            </a:r>
+            <a:r>
+              <a:rPr lang="en-US" dirty="0" err="1" smtClean="0"/>
+              <a:t>my_str</a:t>
+            </a:r>
+            <a:r>
+              <a:rPr lang="en-US" dirty="0" smtClean="0"/>
+              <a:t>[] = “hello”;  </a:t>
+            </a:r>
+            <a:r>
+              <a:rPr lang="en-US" dirty="0" smtClean="0">
+                <a:solidFill>
+                  <a:srgbClr val="00B050"/>
+                </a:solidFill>
+              </a:rPr>
+              <a:t>// compiler will allocate the array size</a:t>
+            </a:r>
+          </a:p>
+          <a:p>
+            <a:pPr lvl="1"/>
+            <a:r>
+              <a:rPr lang="en-US" dirty="0" smtClean="0"/>
+              <a:t>Now C will create an array of: [‘</a:t>
+            </a:r>
+            <a:r>
+              <a:rPr lang="en-US" dirty="0" err="1" smtClean="0"/>
+              <a:t>h’,’e’,’l’,’l’,’o</a:t>
+            </a:r>
+            <a:r>
+              <a:rPr lang="en-US" dirty="0" smtClean="0"/>
+              <a:t>’,’\x00’]</a:t>
+            </a:r>
+          </a:p>
+          <a:p>
+            <a:pPr lvl="2"/>
+            <a:r>
+              <a:rPr lang="en-US" dirty="0" smtClean="0"/>
+              <a:t>’\</a:t>
+            </a:r>
+            <a:r>
+              <a:rPr lang="en-US" dirty="0"/>
+              <a:t>x00</a:t>
+            </a:r>
+            <a:r>
+              <a:rPr lang="en-US" dirty="0" smtClean="0"/>
+              <a:t>’ is the same as 0 … it is just a string terminator and you can look for it in a for loop!</a:t>
+            </a:r>
+            <a:endParaRPr lang="en-US" dirty="0"/>
+          </a:p>
+        </p:txBody>
+      </p:sp>
+      <p:sp>
+        <p:nvSpPr>
+          <p:cNvPr id="3" name="Title 2"/>
+          <p:cNvSpPr>
+            <a:spLocks noGrp="1"/>
+          </p:cNvSpPr>
+          <p:nvPr>
+            <p:ph type="title"/>
+          </p:nvPr>
+        </p:nvSpPr>
+        <p:spPr/>
+        <p:txBody>
+          <a:bodyPr/>
+          <a:lstStyle/>
+          <a:p>
+            <a:r>
+              <a:rPr lang="en-US" dirty="0" smtClean="0"/>
+              <a:t>TX</a:t>
+            </a:r>
+            <a:endParaRPr lang="en-US" dirty="0"/>
+          </a:p>
+        </p:txBody>
+      </p:sp>
+    </p:spTree>
+    <p:extLst>
+      <p:ext uri="{BB962C8B-B14F-4D97-AF65-F5344CB8AC3E}">
+        <p14:creationId xmlns:p14="http://schemas.microsoft.com/office/powerpoint/2010/main" val="913739182"/>
+      </p:ext>
+    </p:extLst>
+  </p:cSld>
+  <p:clrMapOvr>
+    <a:masterClrMapping/>
+  </p:clrMapOvr>
+  <p:transition spd="med"/>
+</p:sld>
+</file>
+
+<file path=ppt/slides/slide39.xml><?xml version="1.0" encoding="utf-8"?>
+<p:sld xmlns:a="http://schemas.openxmlformats.org/drawingml/2006/main" xmlns:r="http://schemas.openxmlformats.org/officeDocument/2006/relationships" xmlns:p="http://schemas.openxmlformats.org/presentationml/2006/main">
+  <p:cSld>
+    <p:spTree>
+      <p:nvGrpSpPr>
+        <p:cNvPr id="1" name=""/>
+        <p:cNvGrpSpPr/>
+        <p:nvPr/>
+      </p:nvGrpSpPr>
+      <p:grpSpPr>
+        <a:xfrm>
+          <a:off x="0" y="0"/>
+          <a:ext cx="0" cy="0"/>
+          <a:chOff x="0" y="0"/>
+          <a:chExt cx="0" cy="0"/>
+        </a:xfrm>
+      </p:grpSpPr>
+      <p:sp>
+        <p:nvSpPr>
+          <p:cNvPr id="2" name="Subtitle 1"/>
+          <p:cNvSpPr>
+            <a:spLocks noGrp="1"/>
+          </p:cNvSpPr>
+          <p:nvPr>
+            <p:ph type="subTitle" idx="1"/>
+          </p:nvPr>
+        </p:nvSpPr>
+        <p:spPr/>
+        <p:txBody>
+          <a:bodyPr>
+            <a:normAutofit fontScale="92500" lnSpcReduction="20000"/>
+          </a:bodyPr>
+          <a:lstStyle/>
+          <a:p>
+            <a:r>
+              <a:rPr lang="en-US" dirty="0" smtClean="0"/>
+              <a:t>Simple get character (8 bits)</a:t>
+            </a:r>
+          </a:p>
+          <a:p>
+            <a:r>
+              <a:rPr lang="en-US" dirty="0" smtClean="0"/>
+              <a:t>We won’t be using this for Lab 4</a:t>
+            </a:r>
+          </a:p>
+          <a:p>
+            <a:pPr marL="0" indent="0">
+              <a:buNone/>
+            </a:pPr>
+            <a:endParaRPr lang="en-US" dirty="0" smtClean="0"/>
+          </a:p>
+          <a:p>
+            <a:pPr marL="0" indent="0">
+              <a:buNone/>
+            </a:pPr>
+            <a:r>
+              <a:rPr lang="en-US" dirty="0" smtClean="0"/>
+              <a:t>int8_t </a:t>
+            </a:r>
+            <a:r>
+              <a:rPr lang="en-US" dirty="0" err="1"/>
+              <a:t>getchar</a:t>
+            </a:r>
+            <a:r>
+              <a:rPr lang="en-US" dirty="0"/>
+              <a:t>(void) {</a:t>
+            </a:r>
+          </a:p>
+          <a:p>
+            <a:pPr marL="0" indent="0">
+              <a:buNone/>
+            </a:pPr>
+            <a:r>
+              <a:rPr lang="en-US" dirty="0"/>
+              <a:t>    while(!(IFG2 &amp; UCA0RXIFG</a:t>
+            </a:r>
+            <a:r>
+              <a:rPr lang="en-US" dirty="0" smtClean="0"/>
+              <a:t>));  </a:t>
+            </a:r>
+            <a:r>
+              <a:rPr lang="en-US" dirty="0" smtClean="0">
+                <a:solidFill>
+                  <a:srgbClr val="00B050"/>
+                </a:solidFill>
+              </a:rPr>
+              <a:t>// anything to get?</a:t>
+            </a:r>
+            <a:endParaRPr lang="en-US" dirty="0">
+              <a:solidFill>
+                <a:srgbClr val="00B050"/>
+              </a:solidFill>
+            </a:endParaRPr>
+          </a:p>
+          <a:p>
+            <a:pPr marL="0" indent="0">
+              <a:buNone/>
+            </a:pPr>
+            <a:r>
+              <a:rPr lang="en-US" dirty="0"/>
+              <a:t>    IFG2 &amp;= ~UCA0RXIFG</a:t>
+            </a:r>
+            <a:r>
+              <a:rPr lang="en-US" dirty="0" smtClean="0"/>
+              <a:t>;            </a:t>
+            </a:r>
+            <a:r>
+              <a:rPr lang="en-US" dirty="0" smtClean="0">
+                <a:solidFill>
+                  <a:srgbClr val="00B050"/>
+                </a:solidFill>
+              </a:rPr>
+              <a:t>// clear the flag</a:t>
+            </a:r>
+            <a:endParaRPr lang="en-US" dirty="0"/>
+          </a:p>
+          <a:p>
+            <a:pPr marL="0" indent="0">
+              <a:buNone/>
+            </a:pPr>
+            <a:r>
+              <a:rPr lang="en-US" dirty="0"/>
+              <a:t>    return UCA0RXBUF</a:t>
+            </a:r>
+            <a:r>
+              <a:rPr lang="en-US" dirty="0" smtClean="0"/>
+              <a:t>;               </a:t>
+            </a:r>
+            <a:r>
+              <a:rPr lang="en-US" dirty="0" smtClean="0">
+                <a:solidFill>
+                  <a:srgbClr val="00B050"/>
+                </a:solidFill>
+              </a:rPr>
+              <a:t>// get the data</a:t>
+            </a:r>
+            <a:endParaRPr lang="en-US" dirty="0"/>
+          </a:p>
+          <a:p>
+            <a:pPr marL="0" indent="0">
+              <a:buNone/>
+            </a:pPr>
+            <a:r>
+              <a:rPr lang="en-US" dirty="0" smtClean="0"/>
+              <a:t>}</a:t>
+            </a:r>
+          </a:p>
+          <a:p>
+            <a:pPr marL="0" indent="0">
+              <a:buNone/>
+            </a:pPr>
+            <a:endParaRPr lang="en-US" dirty="0"/>
+          </a:p>
+          <a:p>
+            <a:r>
+              <a:rPr lang="en-US" dirty="0" smtClean="0"/>
+              <a:t>Again, you can expand this out into grabbing a string of characters, a bunch of bytes until you get a certain stop sequence, or even a fixed number of bytes</a:t>
+            </a:r>
+          </a:p>
+          <a:p>
+            <a:r>
+              <a:rPr lang="en-US" dirty="0" smtClean="0"/>
+              <a:t>It is common in serial communications to define data packet formats uses them when you are doing TX/RX</a:t>
+            </a:r>
+            <a:endParaRPr lang="en-US" dirty="0"/>
+          </a:p>
+        </p:txBody>
+      </p:sp>
+      <p:sp>
+        <p:nvSpPr>
+          <p:cNvPr id="3" name="Title 2"/>
+          <p:cNvSpPr>
+            <a:spLocks noGrp="1"/>
+          </p:cNvSpPr>
+          <p:nvPr>
+            <p:ph type="title"/>
+          </p:nvPr>
+        </p:nvSpPr>
+        <p:spPr/>
+        <p:txBody>
+          <a:bodyPr/>
+          <a:lstStyle/>
+          <a:p>
+            <a:r>
+              <a:rPr lang="en-US" dirty="0" smtClean="0"/>
+              <a:t>RX</a:t>
+            </a:r>
+            <a:endParaRPr lang="en-US" dirty="0"/>
+          </a:p>
+        </p:txBody>
+      </p:sp>
+    </p:spTree>
+    <p:extLst>
+      <p:ext uri="{BB962C8B-B14F-4D97-AF65-F5344CB8AC3E}">
+        <p14:creationId xmlns:p14="http://schemas.microsoft.com/office/powerpoint/2010/main" val="2453677990"/>
+      </p:ext>
+    </p:extLst>
+  </p:cSld>
+  <p:clrMapOvr>
+    <a:masterClrMapping/>
+  </p:clrMapOvr>
+  <p:transition spd="med"/>
+</p:sld>
+</file>
+
+<file path=ppt/slides/slide4.xml><?xml version="1.0" encoding="utf-8"?>
+<p:sld xmlns:a="http://schemas.openxmlformats.org/drawingml/2006/main" xmlns:r="http://schemas.openxmlformats.org/officeDocument/2006/relationships" xmlns:p="http://schemas.openxmlformats.org/presentationml/2006/main">
+  <p:cSld>
+    <p:spTree>
+      <p:nvGrpSpPr>
+        <p:cNvPr id="1" name=""/>
+        <p:cNvGrpSpPr/>
+        <p:nvPr/>
+      </p:nvGrpSpPr>
+      <p:grpSpPr>
+        <a:xfrm>
+          <a:off x="0" y="0"/>
+          <a:ext cx="0" cy="0"/>
+          <a:chOff x="0" y="0"/>
+          <a:chExt cx="0" cy="0"/>
+        </a:xfrm>
+      </p:grpSpPr>
+      <p:sp>
+        <p:nvSpPr>
+          <p:cNvPr id="2" name="Title 1"/>
+          <p:cNvSpPr>
+            <a:spLocks noGrp="1"/>
+          </p:cNvSpPr>
+          <p:nvPr>
+            <p:ph type="title"/>
+          </p:nvPr>
+        </p:nvSpPr>
+        <p:spPr/>
+        <p:txBody>
+          <a:bodyPr/>
+          <a:lstStyle/>
+          <a:p>
+            <a:r>
+              <a:rPr lang="en-US" dirty="0" smtClean="0"/>
+              <a:t>Serial Communication</a:t>
+            </a:r>
+            <a:endParaRPr lang="en-US" dirty="0"/>
+          </a:p>
+        </p:txBody>
+      </p:sp>
+      <p:sp>
+        <p:nvSpPr>
+          <p:cNvPr id="3" name="Content Placeholder 2"/>
+          <p:cNvSpPr>
+            <a:spLocks noGrp="1"/>
+          </p:cNvSpPr>
+          <p:nvPr>
+            <p:ph idx="1"/>
+          </p:nvPr>
+        </p:nvSpPr>
+        <p:spPr>
+          <a:xfrm>
+            <a:off x="639737" y="1852352"/>
+            <a:ext cx="7772400" cy="4724400"/>
+          </a:xfrm>
+        </p:spPr>
+        <p:txBody>
+          <a:bodyPr>
+            <a:normAutofit lnSpcReduction="10000"/>
+          </a:bodyPr>
+          <a:lstStyle/>
+          <a:p>
+            <a:r>
+              <a:rPr lang="en-US" sz="2400" dirty="0" smtClean="0"/>
+              <a:t>Parallel versus Serial?</a:t>
+            </a:r>
+          </a:p>
+          <a:p>
+            <a:endParaRPr lang="en-US" sz="2400" dirty="0" smtClean="0"/>
+          </a:p>
+          <a:p>
+            <a:endParaRPr lang="en-US" sz="2400" dirty="0"/>
+          </a:p>
+          <a:p>
+            <a:endParaRPr lang="en-US" sz="2400" dirty="0" smtClean="0"/>
+          </a:p>
+          <a:p>
+            <a:r>
+              <a:rPr lang="en-US" sz="2400" dirty="0" smtClean="0"/>
+              <a:t>Serial Advantages?</a:t>
+            </a:r>
+          </a:p>
+          <a:p>
+            <a:pPr lvl="1"/>
+            <a:r>
+              <a:rPr lang="en-US" sz="2000" dirty="0" smtClean="0">
+                <a:solidFill>
+                  <a:schemeClr val="accent2"/>
+                </a:solidFill>
+              </a:rPr>
+              <a:t>Simple interface – less hardware, less pins, less cost</a:t>
+            </a:r>
+          </a:p>
+          <a:p>
+            <a:pPr lvl="1"/>
+            <a:r>
+              <a:rPr lang="en-US" sz="2000" dirty="0" smtClean="0">
+                <a:solidFill>
+                  <a:schemeClr val="accent2"/>
+                </a:solidFill>
+              </a:rPr>
+              <a:t>Faster clock speed per wire (no “cross-talk”)</a:t>
+            </a:r>
+          </a:p>
+          <a:p>
+            <a:pPr lvl="1"/>
+            <a:r>
+              <a:rPr lang="en-US" sz="2000" dirty="0" smtClean="0">
+                <a:solidFill>
+                  <a:schemeClr val="accent2"/>
+                </a:solidFill>
+              </a:rPr>
+              <a:t>Longer Distance (no “cross-talk”)</a:t>
+            </a:r>
+            <a:endParaRPr lang="en-US" sz="2400" dirty="0">
+              <a:solidFill>
+                <a:schemeClr val="accent2"/>
+              </a:solidFill>
+            </a:endParaRPr>
+          </a:p>
+          <a:p>
+            <a:r>
+              <a:rPr lang="en-US" sz="2400" dirty="0"/>
+              <a:t>Serial </a:t>
+            </a:r>
+            <a:r>
+              <a:rPr lang="en-US" sz="2400" dirty="0" smtClean="0"/>
+              <a:t>Disadvantages?</a:t>
+            </a:r>
+          </a:p>
+          <a:p>
+            <a:pPr lvl="1"/>
+            <a:r>
+              <a:rPr lang="en-US" sz="2000" dirty="0" smtClean="0">
+                <a:solidFill>
+                  <a:schemeClr val="accent2"/>
+                </a:solidFill>
+              </a:rPr>
+              <a:t>Slower</a:t>
+            </a:r>
+          </a:p>
+          <a:p>
+            <a:pPr lvl="1"/>
+            <a:r>
+              <a:rPr lang="en-US" sz="2000" dirty="0" smtClean="0">
+                <a:solidFill>
+                  <a:schemeClr val="accent2"/>
+                </a:solidFill>
+              </a:rPr>
+              <a:t>Overhead </a:t>
+            </a:r>
+          </a:p>
+          <a:p>
+            <a:pPr lvl="1"/>
+            <a:r>
+              <a:rPr lang="en-US" sz="2000" dirty="0" smtClean="0">
+                <a:solidFill>
+                  <a:schemeClr val="accent2"/>
+                </a:solidFill>
+              </a:rPr>
+              <a:t>On-chip hardware to encode/decode serial signal</a:t>
+            </a:r>
+            <a:endParaRPr lang="en-US" sz="2000" dirty="0">
+              <a:solidFill>
+                <a:schemeClr val="accent2"/>
+              </a:solidFill>
+            </a:endParaRPr>
+          </a:p>
+          <a:p>
+            <a:endParaRPr lang="en-US" sz="2400" dirty="0" smtClean="0">
+              <a:solidFill>
+                <a:schemeClr val="accent2"/>
+              </a:solidFill>
+            </a:endParaRPr>
+          </a:p>
+          <a:p>
+            <a:pPr marL="0" indent="0">
+              <a:buNone/>
+            </a:pPr>
+            <a:endParaRPr lang="en-US" sz="1400" dirty="0">
+              <a:solidFill>
+                <a:schemeClr val="accent2"/>
+              </a:solidFill>
+              <a:latin typeface="Courier New" pitchFamily="49" charset="0"/>
+              <a:cs typeface="Courier New" pitchFamily="49" charset="0"/>
+            </a:endParaRPr>
+          </a:p>
+          <a:p>
+            <a:pPr marL="0" indent="0">
+              <a:buNone/>
+            </a:pPr>
+            <a:endParaRPr lang="en-US" sz="1400" dirty="0"/>
+          </a:p>
+        </p:txBody>
+      </p:sp>
+      <p:grpSp>
+        <p:nvGrpSpPr>
+          <p:cNvPr id="24" name="Group 23"/>
+          <p:cNvGrpSpPr/>
+          <p:nvPr/>
+        </p:nvGrpSpPr>
+        <p:grpSpPr>
+          <a:xfrm>
+            <a:off x="2557549" y="2608260"/>
+            <a:ext cx="3732822" cy="768744"/>
+            <a:chOff x="1390901" y="2639791"/>
+            <a:chExt cx="3732822" cy="768744"/>
+          </a:xfrm>
+        </p:grpSpPr>
+        <p:sp>
+          <p:nvSpPr>
+            <p:cNvPr id="25" name="Rectangle 24"/>
+            <p:cNvSpPr/>
+            <p:nvPr/>
+          </p:nvSpPr>
+          <p:spPr bwMode="auto">
+            <a:xfrm>
+              <a:off x="1390901" y="2639791"/>
+              <a:ext cx="555047" cy="768744"/>
+            </a:xfrm>
+            <a:prstGeom prst="rect">
+              <a:avLst/>
+            </a:prstGeom>
+            <a:noFill/>
+            <a:ln w="9525" cap="flat" cmpd="sng" algn="ctr">
+              <a:solidFill>
+                <a:schemeClr val="accent2"/>
+              </a:solidFill>
+              <a:prstDash val="solid"/>
+              <a:round/>
+              <a:headEnd type="none" w="med" len="med"/>
+              <a:tailEnd type="none" w="med" len="med"/>
+            </a:ln>
+            <a:effectLst/>
+          </p:spPr>
+          <p:txBody>
+            <a:bodyPr vert="horz" wrap="square" lIns="91440" tIns="45720" rIns="91440" bIns="45720" numCol="1" rtlCol="0" anchor="t" anchorCtr="0" compatLnSpc="1">
+              <a:prstTxWarp prst="textNoShape">
+                <a:avLst/>
+              </a:prstTxWarp>
+              <a:spAutoFit/>
+            </a:bodyPr>
+            <a:lstStyle/>
+            <a:p>
+              <a:pPr marL="0" marR="0" indent="0" algn="l" defTabSz="914400" rtl="0" eaLnBrk="1" fontAlgn="base" latinLnBrk="0" hangingPunct="1">
+                <a:lnSpc>
+                  <a:spcPct val="100000"/>
+                </a:lnSpc>
+                <a:spcBef>
+                  <a:spcPct val="50000"/>
+                </a:spcBef>
+                <a:spcAft>
+                  <a:spcPct val="0"/>
+                </a:spcAft>
+                <a:buClrTx/>
+                <a:buSzTx/>
+                <a:buFontTx/>
+                <a:buNone/>
+                <a:tabLst/>
+              </a:pPr>
+              <a:endParaRPr kumimoji="0" lang="en-US" sz="2400" b="0" i="0" u="none" strike="noStrike" cap="none" normalizeH="0" baseline="0" smtClean="0">
+                <a:ln>
+                  <a:noFill/>
+                </a:ln>
+                <a:solidFill>
+                  <a:schemeClr val="tx1"/>
+                </a:solidFill>
+                <a:effectLst/>
+                <a:latin typeface="Times New Roman" pitchFamily="18" charset="0"/>
+                <a:sym typeface="Wingdings" pitchFamily="2" charset="2"/>
+              </a:endParaRPr>
+            </a:p>
+          </p:txBody>
+        </p:sp>
+        <p:sp>
+          <p:nvSpPr>
+            <p:cNvPr id="26" name="Rectangle 25"/>
+            <p:cNvSpPr/>
+            <p:nvPr/>
+          </p:nvSpPr>
+          <p:spPr bwMode="auto">
+            <a:xfrm>
+              <a:off x="2522249" y="2639791"/>
+              <a:ext cx="555047" cy="768744"/>
+            </a:xfrm>
+            <a:prstGeom prst="rect">
+              <a:avLst/>
+            </a:prstGeom>
+            <a:noFill/>
+            <a:ln w="9525" cap="flat" cmpd="sng" algn="ctr">
+              <a:solidFill>
+                <a:schemeClr val="accent2"/>
+              </a:solidFill>
+              <a:prstDash val="solid"/>
+              <a:round/>
+              <a:headEnd type="none" w="med" len="med"/>
+              <a:tailEnd type="none" w="med" len="med"/>
+            </a:ln>
+            <a:effectLst/>
+          </p:spPr>
+          <p:txBody>
+            <a:bodyPr vert="horz" wrap="square" lIns="91440" tIns="45720" rIns="91440" bIns="45720" numCol="1" rtlCol="0" anchor="t" anchorCtr="0" compatLnSpc="1">
+              <a:prstTxWarp prst="textNoShape">
+                <a:avLst/>
+              </a:prstTxWarp>
+              <a:spAutoFit/>
+            </a:bodyPr>
+            <a:lstStyle/>
+            <a:p>
+              <a:pPr marL="0" marR="0" indent="0" algn="l" defTabSz="914400" rtl="0" eaLnBrk="1" fontAlgn="base" latinLnBrk="0" hangingPunct="1">
+                <a:lnSpc>
+                  <a:spcPct val="100000"/>
+                </a:lnSpc>
+                <a:spcBef>
+                  <a:spcPct val="50000"/>
+                </a:spcBef>
+                <a:spcAft>
+                  <a:spcPct val="0"/>
+                </a:spcAft>
+                <a:buClrTx/>
+                <a:buSzTx/>
+                <a:buFontTx/>
+                <a:buNone/>
+                <a:tabLst/>
+              </a:pPr>
+              <a:endParaRPr kumimoji="0" lang="en-US" sz="2400" b="0" i="0" u="none" strike="noStrike" cap="none" normalizeH="0" baseline="0" smtClean="0">
+                <a:ln>
+                  <a:noFill/>
+                </a:ln>
+                <a:solidFill>
+                  <a:schemeClr val="tx1"/>
+                </a:solidFill>
+                <a:effectLst/>
+                <a:latin typeface="Times New Roman" pitchFamily="18" charset="0"/>
+                <a:sym typeface="Wingdings" pitchFamily="2" charset="2"/>
+              </a:endParaRPr>
+            </a:p>
+          </p:txBody>
+        </p:sp>
+        <p:cxnSp>
+          <p:nvCxnSpPr>
+            <p:cNvPr id="27" name="Straight Connector 26"/>
+            <p:cNvCxnSpPr/>
+            <p:nvPr/>
+          </p:nvCxnSpPr>
+          <p:spPr bwMode="auto">
+            <a:xfrm>
+              <a:off x="1945948" y="2744988"/>
+              <a:ext cx="576301" cy="0"/>
+            </a:xfrm>
+            <a:prstGeom prst="line">
+              <a:avLst/>
+            </a:prstGeom>
+            <a:noFill/>
+            <a:ln w="6350" cap="flat" cmpd="sng" algn="ctr">
+              <a:solidFill>
+                <a:schemeClr val="accent2"/>
+              </a:solidFill>
+              <a:prstDash val="solid"/>
+              <a:round/>
+              <a:headEnd type="none" w="med" len="med"/>
+              <a:tailEnd type="none" w="med" len="med"/>
+            </a:ln>
+            <a:effectLst/>
+          </p:spPr>
+        </p:cxnSp>
+        <p:cxnSp>
+          <p:nvCxnSpPr>
+            <p:cNvPr id="28" name="Straight Connector 27"/>
+            <p:cNvCxnSpPr/>
+            <p:nvPr/>
+          </p:nvCxnSpPr>
+          <p:spPr bwMode="auto">
+            <a:xfrm>
+              <a:off x="1940324" y="2824559"/>
+              <a:ext cx="576301" cy="0"/>
+            </a:xfrm>
+            <a:prstGeom prst="line">
+              <a:avLst/>
+            </a:prstGeom>
+            <a:noFill/>
+            <a:ln w="6350" cap="flat" cmpd="sng" algn="ctr">
+              <a:solidFill>
+                <a:schemeClr val="accent2"/>
+              </a:solidFill>
+              <a:prstDash val="solid"/>
+              <a:round/>
+              <a:headEnd type="none" w="med" len="med"/>
+              <a:tailEnd type="none" w="med" len="med"/>
+            </a:ln>
+            <a:effectLst/>
+          </p:spPr>
+        </p:cxnSp>
+        <p:cxnSp>
+          <p:nvCxnSpPr>
+            <p:cNvPr id="29" name="Straight Connector 28"/>
+            <p:cNvCxnSpPr/>
+            <p:nvPr/>
+          </p:nvCxnSpPr>
+          <p:spPr bwMode="auto">
+            <a:xfrm>
+              <a:off x="1945947" y="2897388"/>
+              <a:ext cx="576301" cy="0"/>
+            </a:xfrm>
+            <a:prstGeom prst="line">
+              <a:avLst/>
+            </a:prstGeom>
+            <a:noFill/>
+            <a:ln w="6350" cap="flat" cmpd="sng" algn="ctr">
+              <a:solidFill>
+                <a:schemeClr val="accent2"/>
+              </a:solidFill>
+              <a:prstDash val="solid"/>
+              <a:round/>
+              <a:headEnd type="none" w="med" len="med"/>
+              <a:tailEnd type="none" w="med" len="med"/>
+            </a:ln>
+            <a:effectLst/>
+          </p:spPr>
+        </p:cxnSp>
+        <p:cxnSp>
+          <p:nvCxnSpPr>
+            <p:cNvPr id="30" name="Straight Connector 29"/>
+            <p:cNvCxnSpPr/>
+            <p:nvPr/>
+          </p:nvCxnSpPr>
+          <p:spPr bwMode="auto">
+            <a:xfrm>
+              <a:off x="1940323" y="2986400"/>
+              <a:ext cx="576301" cy="0"/>
+            </a:xfrm>
+            <a:prstGeom prst="line">
+              <a:avLst/>
+            </a:prstGeom>
+            <a:noFill/>
+            <a:ln w="6350" cap="flat" cmpd="sng" algn="ctr">
+              <a:solidFill>
+                <a:schemeClr val="accent2"/>
+              </a:solidFill>
+              <a:prstDash val="solid"/>
+              <a:round/>
+              <a:headEnd type="none" w="med" len="med"/>
+              <a:tailEnd type="none" w="med" len="med"/>
+            </a:ln>
+            <a:effectLst/>
+          </p:spPr>
+        </p:cxnSp>
+        <p:cxnSp>
+          <p:nvCxnSpPr>
+            <p:cNvPr id="31" name="Straight Connector 30"/>
+            <p:cNvCxnSpPr/>
+            <p:nvPr/>
+          </p:nvCxnSpPr>
+          <p:spPr bwMode="auto">
+            <a:xfrm>
+              <a:off x="1945947" y="3075412"/>
+              <a:ext cx="576301" cy="0"/>
+            </a:xfrm>
+            <a:prstGeom prst="line">
+              <a:avLst/>
+            </a:prstGeom>
+            <a:noFill/>
+            <a:ln w="6350" cap="flat" cmpd="sng" algn="ctr">
+              <a:solidFill>
+                <a:schemeClr val="accent2"/>
+              </a:solidFill>
+              <a:prstDash val="solid"/>
+              <a:round/>
+              <a:headEnd type="none" w="med" len="med"/>
+              <a:tailEnd type="none" w="med" len="med"/>
+            </a:ln>
+            <a:effectLst/>
+          </p:spPr>
+        </p:cxnSp>
+        <p:cxnSp>
+          <p:nvCxnSpPr>
+            <p:cNvPr id="32" name="Straight Connector 31"/>
+            <p:cNvCxnSpPr/>
+            <p:nvPr/>
+          </p:nvCxnSpPr>
+          <p:spPr bwMode="auto">
+            <a:xfrm>
+              <a:off x="1940323" y="3154983"/>
+              <a:ext cx="576301" cy="0"/>
+            </a:xfrm>
+            <a:prstGeom prst="line">
+              <a:avLst/>
+            </a:prstGeom>
+            <a:noFill/>
+            <a:ln w="6350" cap="flat" cmpd="sng" algn="ctr">
+              <a:solidFill>
+                <a:schemeClr val="accent2"/>
+              </a:solidFill>
+              <a:prstDash val="solid"/>
+              <a:round/>
+              <a:headEnd type="none" w="med" len="med"/>
+              <a:tailEnd type="none" w="med" len="med"/>
+            </a:ln>
+            <a:effectLst/>
+          </p:spPr>
+        </p:cxnSp>
+        <p:cxnSp>
+          <p:nvCxnSpPr>
+            <p:cNvPr id="33" name="Straight Connector 32"/>
+            <p:cNvCxnSpPr/>
+            <p:nvPr/>
+          </p:nvCxnSpPr>
+          <p:spPr bwMode="auto">
+            <a:xfrm>
+              <a:off x="1945946" y="3227812"/>
+              <a:ext cx="576301" cy="0"/>
+            </a:xfrm>
+            <a:prstGeom prst="line">
+              <a:avLst/>
+            </a:prstGeom>
+            <a:noFill/>
+            <a:ln w="6350" cap="flat" cmpd="sng" algn="ctr">
+              <a:solidFill>
+                <a:schemeClr val="accent2"/>
+              </a:solidFill>
+              <a:prstDash val="solid"/>
+              <a:round/>
+              <a:headEnd type="none" w="med" len="med"/>
+              <a:tailEnd type="none" w="med" len="med"/>
+            </a:ln>
+            <a:effectLst/>
+          </p:spPr>
+        </p:cxnSp>
+        <p:cxnSp>
+          <p:nvCxnSpPr>
+            <p:cNvPr id="34" name="Straight Connector 33"/>
+            <p:cNvCxnSpPr/>
+            <p:nvPr/>
+          </p:nvCxnSpPr>
+          <p:spPr bwMode="auto">
+            <a:xfrm>
+              <a:off x="1940322" y="3316824"/>
+              <a:ext cx="576301" cy="0"/>
+            </a:xfrm>
+            <a:prstGeom prst="line">
+              <a:avLst/>
+            </a:prstGeom>
+            <a:noFill/>
+            <a:ln w="6350" cap="flat" cmpd="sng" algn="ctr">
+              <a:solidFill>
+                <a:schemeClr val="accent2"/>
+              </a:solidFill>
+              <a:prstDash val="solid"/>
+              <a:round/>
+              <a:headEnd type="none" w="med" len="med"/>
+              <a:tailEnd type="none" w="med" len="med"/>
+            </a:ln>
+            <a:effectLst/>
+          </p:spPr>
+        </p:cxnSp>
+        <p:sp>
+          <p:nvSpPr>
+            <p:cNvPr id="35" name="Rectangle 34"/>
+            <p:cNvSpPr/>
+            <p:nvPr/>
+          </p:nvSpPr>
+          <p:spPr bwMode="auto">
+            <a:xfrm>
+              <a:off x="3437328" y="2639791"/>
+              <a:ext cx="555047" cy="768744"/>
+            </a:xfrm>
+            <a:prstGeom prst="rect">
+              <a:avLst/>
+            </a:prstGeom>
+            <a:noFill/>
+            <a:ln w="9525" cap="flat" cmpd="sng" algn="ctr">
+              <a:solidFill>
+                <a:schemeClr val="accent2"/>
+              </a:solidFill>
+              <a:prstDash val="solid"/>
+              <a:round/>
+              <a:headEnd type="none" w="med" len="med"/>
+              <a:tailEnd type="none" w="med" len="med"/>
+            </a:ln>
+            <a:effectLst/>
+          </p:spPr>
+          <p:txBody>
+            <a:bodyPr vert="horz" wrap="square" lIns="91440" tIns="45720" rIns="91440" bIns="45720" numCol="1" rtlCol="0" anchor="t" anchorCtr="0" compatLnSpc="1">
+              <a:prstTxWarp prst="textNoShape">
+                <a:avLst/>
+              </a:prstTxWarp>
+              <a:spAutoFit/>
+            </a:bodyPr>
+            <a:lstStyle/>
+            <a:p>
+              <a:pPr marL="0" marR="0" indent="0" algn="l" defTabSz="914400" rtl="0" eaLnBrk="1" fontAlgn="base" latinLnBrk="0" hangingPunct="1">
+                <a:lnSpc>
+                  <a:spcPct val="100000"/>
+                </a:lnSpc>
+                <a:spcBef>
+                  <a:spcPct val="50000"/>
+                </a:spcBef>
+                <a:spcAft>
+                  <a:spcPct val="0"/>
+                </a:spcAft>
+                <a:buClrTx/>
+                <a:buSzTx/>
+                <a:buFontTx/>
+                <a:buNone/>
+                <a:tabLst/>
+              </a:pPr>
+              <a:endParaRPr kumimoji="0" lang="en-US" sz="2400" b="0" i="0" u="none" strike="noStrike" cap="none" normalizeH="0" baseline="0" smtClean="0">
+                <a:ln>
+                  <a:noFill/>
+                </a:ln>
+                <a:solidFill>
+                  <a:schemeClr val="tx1"/>
+                </a:solidFill>
+                <a:effectLst/>
+                <a:latin typeface="Times New Roman" pitchFamily="18" charset="0"/>
+                <a:sym typeface="Wingdings" pitchFamily="2" charset="2"/>
+              </a:endParaRPr>
+            </a:p>
+          </p:txBody>
+        </p:sp>
+        <p:sp>
+          <p:nvSpPr>
+            <p:cNvPr id="36" name="Rectangle 35"/>
+            <p:cNvSpPr/>
+            <p:nvPr/>
+          </p:nvSpPr>
+          <p:spPr bwMode="auto">
+            <a:xfrm>
+              <a:off x="4568676" y="2639791"/>
+              <a:ext cx="555047" cy="768744"/>
+            </a:xfrm>
+            <a:prstGeom prst="rect">
+              <a:avLst/>
+            </a:prstGeom>
+            <a:noFill/>
+            <a:ln w="9525" cap="flat" cmpd="sng" algn="ctr">
+              <a:solidFill>
+                <a:schemeClr val="accent2"/>
+              </a:solidFill>
+              <a:prstDash val="solid"/>
+              <a:round/>
+              <a:headEnd type="none" w="med" len="med"/>
+              <a:tailEnd type="none" w="med" len="med"/>
+            </a:ln>
+            <a:effectLst/>
+          </p:spPr>
+          <p:txBody>
+            <a:bodyPr vert="horz" wrap="square" lIns="91440" tIns="45720" rIns="91440" bIns="45720" numCol="1" rtlCol="0" anchor="t" anchorCtr="0" compatLnSpc="1">
+              <a:prstTxWarp prst="textNoShape">
+                <a:avLst/>
+              </a:prstTxWarp>
+              <a:spAutoFit/>
+            </a:bodyPr>
+            <a:lstStyle/>
+            <a:p>
+              <a:pPr marL="0" marR="0" indent="0" algn="l" defTabSz="914400" rtl="0" eaLnBrk="1" fontAlgn="base" latinLnBrk="0" hangingPunct="1">
+                <a:lnSpc>
+                  <a:spcPct val="100000"/>
+                </a:lnSpc>
+                <a:spcBef>
+                  <a:spcPct val="50000"/>
+                </a:spcBef>
+                <a:spcAft>
+                  <a:spcPct val="0"/>
+                </a:spcAft>
+                <a:buClrTx/>
+                <a:buSzTx/>
+                <a:buFontTx/>
+                <a:buNone/>
+                <a:tabLst/>
+              </a:pPr>
+              <a:endParaRPr kumimoji="0" lang="en-US" sz="2400" b="0" i="0" u="none" strike="noStrike" cap="none" normalizeH="0" baseline="0" smtClean="0">
+                <a:ln>
+                  <a:noFill/>
+                </a:ln>
+                <a:solidFill>
+                  <a:schemeClr val="tx1"/>
+                </a:solidFill>
+                <a:effectLst/>
+                <a:latin typeface="Times New Roman" pitchFamily="18" charset="0"/>
+                <a:sym typeface="Wingdings" pitchFamily="2" charset="2"/>
+              </a:endParaRPr>
+            </a:p>
+          </p:txBody>
+        </p:sp>
+        <p:cxnSp>
+          <p:nvCxnSpPr>
+            <p:cNvPr id="37" name="Straight Connector 36"/>
+            <p:cNvCxnSpPr/>
+            <p:nvPr/>
+          </p:nvCxnSpPr>
+          <p:spPr bwMode="auto">
+            <a:xfrm>
+              <a:off x="3986750" y="2986400"/>
+              <a:ext cx="576301" cy="0"/>
+            </a:xfrm>
+            <a:prstGeom prst="line">
+              <a:avLst/>
+            </a:prstGeom>
+            <a:noFill/>
+            <a:ln w="6350" cap="flat" cmpd="sng" algn="ctr">
+              <a:solidFill>
+                <a:schemeClr val="accent2"/>
+              </a:solidFill>
+              <a:prstDash val="solid"/>
+              <a:round/>
+              <a:headEnd type="none" w="med" len="med"/>
+              <a:tailEnd type="none" w="med" len="med"/>
+            </a:ln>
+            <a:effectLst/>
+          </p:spPr>
+        </p:cxnSp>
+      </p:grpSp>
+    </p:spTree>
+    <p:extLst>
+      <p:ext uri="{BB962C8B-B14F-4D97-AF65-F5344CB8AC3E}">
+        <p14:creationId xmlns:p14="http://schemas.microsoft.com/office/powerpoint/2010/main" val="3512374341"/>
+      </p:ext>
+    </p:extLst>
+  </p:cSld>
+  <p:clrMapOvr>
+    <a:masterClrMapping/>
+  </p:clrMapOvr>
+  <p:timing>
+    <p:tnLst>
+      <p:par>
+        <p:cTn id="1" dur="indefinite" restart="never" nodeType="tmRoot"/>
+      </p:par>
+    </p:tnLst>
+  </p:timing>
+</p:sld>
+</file>
+
+<file path=ppt/slides/slide40.xml><?xml version="1.0" encoding="utf-8"?>
+<p:sld xmlns:a="http://schemas.openxmlformats.org/drawingml/2006/main" xmlns:r="http://schemas.openxmlformats.org/officeDocument/2006/relationships" xmlns:p="http://schemas.openxmlformats.org/presentationml/2006/main">
+  <p:cSld>
+    <p:spTree>
+      <p:nvGrpSpPr>
+        <p:cNvPr id="1" name=""/>
+        <p:cNvGrpSpPr/>
+        <p:nvPr/>
+      </p:nvGrpSpPr>
+      <p:grpSpPr>
+        <a:xfrm>
+          <a:off x="0" y="0"/>
+          <a:ext cx="0" cy="0"/>
+          <a:chOff x="0" y="0"/>
+          <a:chExt cx="0" cy="0"/>
+        </a:xfrm>
+      </p:grpSpPr>
+      <p:sp>
+        <p:nvSpPr>
           <p:cNvPr id="6" name="Title 5"/>
           <p:cNvSpPr>
             <a:spLocks noGrp="1"/>
@@ -19296,7 +21654,7 @@
 </p:sld>
 </file>
 
-<file path=ppt/slides/slide38.xml><?xml version="1.0" encoding="utf-8"?>
+<file path=ppt/slides/slide41.xml><?xml version="1.0" encoding="utf-8"?>
 <p:sld xmlns:a="http://schemas.openxmlformats.org/drawingml/2006/main" xmlns:r="http://schemas.openxmlformats.org/officeDocument/2006/relationships" xmlns:p="http://schemas.openxmlformats.org/presentationml/2006/main">
   <p:cSld>
     <p:spTree>
@@ -19471,10 +21829,17 @@
   <p:clrMapOvr>
     <a:masterClrMapping/>
   </p:clrMapOvr>
+  <p:timing>
+    <p:tnLst>
+      <p:par>
+        <p:cTn id="1" dur="indefinite" restart="never" nodeType="tmRoot"/>
+      </p:par>
+    </p:tnLst>
+  </p:timing>
 </p:sld>
 </file>
 
-<file path=ppt/slides/slide39.xml><?xml version="1.0" encoding="utf-8"?>
+<file path=ppt/slides/slide42.xml><?xml version="1.0" encoding="utf-8"?>
 <p:sld xmlns:a="http://schemas.openxmlformats.org/drawingml/2006/main" xmlns:r="http://schemas.openxmlformats.org/officeDocument/2006/relationships" xmlns:p="http://schemas.openxmlformats.org/presentationml/2006/main">
   <p:cSld>
     <p:spTree>
@@ -19641,7 +22006,7 @@
 </p:sld>
 </file>
 
-<file path=ppt/slides/slide4.xml><?xml version="1.0" encoding="utf-8"?>
+<file path=ppt/slides/slide43.xml><?xml version="1.0" encoding="utf-8"?>
 <p:sld xmlns:a="http://schemas.openxmlformats.org/drawingml/2006/main" xmlns:r="http://schemas.openxmlformats.org/officeDocument/2006/relationships" xmlns:p="http://schemas.openxmlformats.org/presentationml/2006/main">
   <p:cSld>
     <p:spTree>
@@ -19675,7 +22040,7 @@
           <a:p>
             <a:r>
               <a:rPr lang="en-US" dirty="0" smtClean="0"/>
-              <a:t>Serial Communication</a:t>
+              <a:t>Initialize the I2C Subsystem</a:t>
             </a:r>
             <a:endParaRPr lang="en-US" dirty="0"/>
           </a:p>
@@ -19691,928 +22056,260 @@
             <p:ph idx="1"/>
           </p:nvPr>
         </p:nvSpPr>
-        <p:spPr>
-          <a:xfrm>
-            <a:off x="639737" y="1852352"/>
-            <a:ext cx="7772400" cy="4724400"/>
-          </a:xfrm>
-        </p:spPr>
+        <p:spPr/>
         <p:txBody>
           <a:bodyPr>
-            <a:normAutofit lnSpcReduction="10000"/>
+            <a:normAutofit fontScale="85000" lnSpcReduction="20000"/>
           </a:bodyPr>
           <a:lstStyle/>
           <a:p>
-            <a:r>
-              <a:rPr lang="en-US" sz="2400" dirty="0" smtClean="0"/>
-              <a:t>Parallel versus Serial?</a:t>
-            </a:r>
-          </a:p>
-          <a:p>
-            <a:endParaRPr lang="en-US" sz="2400" dirty="0" smtClean="0"/>
-          </a:p>
-          <a:p>
-            <a:endParaRPr lang="en-US" sz="2400" dirty="0"/>
-          </a:p>
-          <a:p>
-            <a:endParaRPr lang="en-US" sz="2400" dirty="0" smtClean="0"/>
-          </a:p>
-          <a:p>
-            <a:r>
-              <a:rPr lang="en-US" sz="2400" dirty="0" smtClean="0"/>
-              <a:t>Serial Advantages?</a:t>
-            </a:r>
-          </a:p>
-          <a:p>
-            <a:pPr lvl="1"/>
-            <a:r>
-              <a:rPr lang="en-US" sz="2000" dirty="0" smtClean="0">
-                <a:solidFill>
-                  <a:schemeClr val="accent2"/>
-                </a:solidFill>
-              </a:rPr>
-              <a:t>Simple interface – less hardware, less pins, less cost</a:t>
-            </a:r>
-          </a:p>
-          <a:p>
-            <a:pPr lvl="1"/>
-            <a:r>
-              <a:rPr lang="en-US" sz="2000" dirty="0" smtClean="0">
-                <a:solidFill>
-                  <a:schemeClr val="accent2"/>
-                </a:solidFill>
-              </a:rPr>
-              <a:t>Faster clock speed per wire (no “cross-talk”)</a:t>
-            </a:r>
-          </a:p>
-          <a:p>
-            <a:pPr lvl="1"/>
-            <a:r>
-              <a:rPr lang="en-US" sz="2000" dirty="0" smtClean="0">
-                <a:solidFill>
-                  <a:schemeClr val="accent2"/>
-                </a:solidFill>
-              </a:rPr>
-              <a:t>Longer Distance (no “cross-talk”)</a:t>
-            </a:r>
-            <a:endParaRPr lang="en-US" sz="2400" dirty="0">
-              <a:solidFill>
-                <a:schemeClr val="accent2"/>
-              </a:solidFill>
-            </a:endParaRPr>
-          </a:p>
-          <a:p>
-            <a:r>
-              <a:rPr lang="en-US" sz="2400" dirty="0"/>
-              <a:t>Serial </a:t>
-            </a:r>
-            <a:r>
-              <a:rPr lang="en-US" sz="2400" dirty="0" smtClean="0"/>
-              <a:t>Disadvantages?</a:t>
-            </a:r>
-          </a:p>
-          <a:p>
-            <a:pPr lvl="1"/>
-            <a:r>
-              <a:rPr lang="en-US" sz="2000" dirty="0" smtClean="0">
-                <a:solidFill>
-                  <a:schemeClr val="accent2"/>
-                </a:solidFill>
-              </a:rPr>
-              <a:t>Slower</a:t>
-            </a:r>
-          </a:p>
-          <a:p>
-            <a:pPr lvl="1"/>
-            <a:r>
-              <a:rPr lang="en-US" sz="2000" dirty="0" smtClean="0">
-                <a:solidFill>
-                  <a:schemeClr val="accent2"/>
-                </a:solidFill>
-              </a:rPr>
-              <a:t>Overhead </a:t>
-            </a:r>
-          </a:p>
-          <a:p>
-            <a:pPr lvl="1"/>
-            <a:r>
-              <a:rPr lang="en-US" sz="2000" dirty="0" smtClean="0">
-                <a:solidFill>
-                  <a:schemeClr val="accent2"/>
-                </a:solidFill>
-              </a:rPr>
-              <a:t>On-chip hardware to encode/decode serial signal</a:t>
-            </a:r>
-            <a:endParaRPr lang="en-US" sz="2000" dirty="0">
-              <a:solidFill>
-                <a:schemeClr val="accent2"/>
-              </a:solidFill>
-            </a:endParaRPr>
-          </a:p>
-          <a:p>
-            <a:endParaRPr lang="en-US" sz="2400" dirty="0" smtClean="0">
-              <a:solidFill>
-                <a:schemeClr val="accent2"/>
-              </a:solidFill>
-            </a:endParaRPr>
+            <a:endParaRPr lang="en-US" dirty="0" smtClean="0"/>
           </a:p>
           <a:p>
             <a:pPr marL="0" indent="0">
               <a:buNone/>
             </a:pPr>
-            <a:endParaRPr lang="en-US" sz="1400" dirty="0">
-              <a:solidFill>
-                <a:schemeClr val="accent2"/>
-              </a:solidFill>
-              <a:latin typeface="Courier New" pitchFamily="49" charset="0"/>
-              <a:cs typeface="Courier New" pitchFamily="49" charset="0"/>
-            </a:endParaRPr>
+            <a:r>
+              <a:rPr lang="en-US" dirty="0" smtClean="0"/>
+              <a:t>void </a:t>
+            </a:r>
+            <a:r>
+              <a:rPr lang="en-US" sz="2300" dirty="0"/>
+              <a:t>i2c_init(void</a:t>
+            </a:r>
+            <a:r>
+              <a:rPr lang="en-US" sz="2300" dirty="0" smtClean="0"/>
+              <a:t>){</a:t>
+            </a:r>
           </a:p>
           <a:p>
             <a:pPr marL="0" indent="0">
               <a:buNone/>
             </a:pPr>
-            <a:endParaRPr lang="en-US" sz="1400" dirty="0"/>
+            <a:r>
+              <a:rPr lang="en-US" sz="2300" dirty="0"/>
+              <a:t> </a:t>
+            </a:r>
+            <a:r>
+              <a:rPr lang="en-US" sz="2300" dirty="0" smtClean="0"/>
+              <a:t>   UCB0CTL1 </a:t>
+            </a:r>
+            <a:r>
+              <a:rPr lang="en-US" sz="2300" dirty="0"/>
+              <a:t>= UCSWRST</a:t>
+            </a:r>
+            <a:r>
+              <a:rPr lang="en-US" sz="2300" dirty="0" smtClean="0"/>
+              <a:t>;  </a:t>
+            </a:r>
+            <a:r>
+              <a:rPr lang="en-US" sz="2300" dirty="0" smtClean="0">
+                <a:solidFill>
+                  <a:srgbClr val="00B050"/>
+                </a:solidFill>
+              </a:rPr>
+              <a:t>// hold in reset while configuring</a:t>
+            </a:r>
+          </a:p>
+          <a:p>
+            <a:pPr marL="0" indent="0">
+              <a:buNone/>
+            </a:pPr>
+            <a:r>
+              <a:rPr lang="en-US" sz="2300" dirty="0"/>
+              <a:t> </a:t>
+            </a:r>
+            <a:r>
+              <a:rPr lang="en-US" sz="2300" dirty="0" smtClean="0"/>
+              <a:t>   </a:t>
+            </a:r>
+            <a:r>
+              <a:rPr lang="en-US" sz="2300" dirty="0"/>
+              <a:t>UCB0CTL0 = UCMST | UCMODE_3 | UCSYNC</a:t>
+            </a:r>
+            <a:r>
+              <a:rPr lang="en-US" sz="2300" dirty="0" smtClean="0"/>
+              <a:t>;  </a:t>
+            </a:r>
+            <a:r>
+              <a:rPr lang="en-US" sz="2300" dirty="0" smtClean="0">
+                <a:solidFill>
+                  <a:srgbClr val="00B050"/>
+                </a:solidFill>
+              </a:rPr>
+              <a:t>// set to master</a:t>
+            </a:r>
+            <a:endParaRPr lang="en-US" sz="2300" dirty="0">
+              <a:solidFill>
+                <a:srgbClr val="00B050"/>
+              </a:solidFill>
+            </a:endParaRPr>
+          </a:p>
+          <a:p>
+            <a:pPr marL="0" indent="0">
+              <a:buNone/>
+            </a:pPr>
+            <a:endParaRPr lang="en-US" sz="2300" dirty="0"/>
+          </a:p>
+          <a:p>
+            <a:pPr marL="0" indent="0">
+              <a:buNone/>
+            </a:pPr>
+            <a:r>
+              <a:rPr lang="en-US" sz="2300" dirty="0"/>
+              <a:t>    </a:t>
+            </a:r>
+            <a:r>
+              <a:rPr lang="en-US" sz="2300" dirty="0">
+                <a:solidFill>
+                  <a:srgbClr val="00B050"/>
+                </a:solidFill>
+              </a:rPr>
+              <a:t>/**</a:t>
+            </a:r>
+          </a:p>
+          <a:p>
+            <a:pPr marL="0" indent="0">
+              <a:buNone/>
+            </a:pPr>
+            <a:r>
+              <a:rPr lang="en-US" sz="2300" dirty="0">
+                <a:solidFill>
+                  <a:srgbClr val="00B050"/>
+                </a:solidFill>
+              </a:rPr>
+              <a:t>     * </a:t>
+            </a:r>
+            <a:r>
+              <a:rPr lang="en-US" sz="2300" dirty="0" smtClean="0">
+                <a:solidFill>
+                  <a:srgbClr val="00B050"/>
+                </a:solidFill>
+              </a:rPr>
+              <a:t>Set to 100kHz </a:t>
+            </a:r>
+            <a:r>
+              <a:rPr lang="en-US" sz="2300" dirty="0">
+                <a:solidFill>
+                  <a:srgbClr val="00B050"/>
+                </a:solidFill>
+              </a:rPr>
+              <a:t>when sourcing from SMCLK</a:t>
+            </a:r>
+          </a:p>
+          <a:p>
+            <a:pPr marL="0" indent="0">
+              <a:buNone/>
+            </a:pPr>
+            <a:r>
+              <a:rPr lang="en-US" sz="2300" dirty="0">
+                <a:solidFill>
+                  <a:srgbClr val="00B050"/>
+                </a:solidFill>
+              </a:rPr>
+              <a:t>     * where SMCLK = 1MHz</a:t>
+            </a:r>
+          </a:p>
+          <a:p>
+            <a:pPr marL="0" indent="0">
+              <a:buNone/>
+            </a:pPr>
+            <a:r>
+              <a:rPr lang="en-US" sz="2300" dirty="0">
+                <a:solidFill>
+                  <a:srgbClr val="00B050"/>
+                </a:solidFill>
+              </a:rPr>
+              <a:t>     */</a:t>
+            </a:r>
+          </a:p>
+          <a:p>
+            <a:pPr marL="0" indent="0">
+              <a:buNone/>
+            </a:pPr>
+            <a:r>
+              <a:rPr lang="en-US" sz="2300" dirty="0"/>
+              <a:t>    UCB0BR0 = 10;</a:t>
+            </a:r>
+          </a:p>
+          <a:p>
+            <a:pPr marL="0" indent="0">
+              <a:buNone/>
+            </a:pPr>
+            <a:r>
+              <a:rPr lang="en-US" sz="2300" dirty="0"/>
+              <a:t>    UCB0BR1 = 0;</a:t>
+            </a:r>
+          </a:p>
+          <a:p>
+            <a:pPr marL="0" indent="0">
+              <a:buNone/>
+            </a:pPr>
+            <a:r>
+              <a:rPr lang="en-US" sz="2300" dirty="0" smtClean="0"/>
+              <a:t>    </a:t>
+            </a:r>
+          </a:p>
+          <a:p>
+            <a:pPr marL="0" indent="0">
+              <a:buNone/>
+            </a:pPr>
+            <a:r>
+              <a:rPr lang="en-US" sz="2300" dirty="0"/>
+              <a:t> </a:t>
+            </a:r>
+            <a:r>
+              <a:rPr lang="en-US" sz="2300" dirty="0" smtClean="0"/>
+              <a:t>   UCB0CTL1 |= </a:t>
+            </a:r>
+            <a:r>
+              <a:rPr lang="en-US" sz="2300" dirty="0"/>
+              <a:t>UCSSEL_2</a:t>
+            </a:r>
+            <a:r>
+              <a:rPr lang="en-US" sz="2300" dirty="0" smtClean="0"/>
+              <a:t>;  // set clock to SMCLK</a:t>
+            </a:r>
+          </a:p>
+          <a:p>
+            <a:pPr marL="0" indent="0">
+              <a:buNone/>
+            </a:pPr>
+            <a:r>
+              <a:rPr lang="en-US" sz="2300" dirty="0"/>
+              <a:t> </a:t>
+            </a:r>
+            <a:r>
+              <a:rPr lang="en-US" sz="2300" dirty="0" smtClean="0"/>
+              <a:t>   UCB0CTL1 &amp;= ~UCSWRST;  // take out of reset</a:t>
+            </a:r>
+          </a:p>
+          <a:p>
+            <a:pPr marL="0" indent="0">
+              <a:buNone/>
+            </a:pPr>
+            <a:r>
+              <a:rPr lang="en-US" sz="2300" dirty="0" smtClean="0"/>
+              <a:t>}</a:t>
+            </a:r>
+            <a:endParaRPr lang="en-US" sz="2300" dirty="0"/>
           </a:p>
         </p:txBody>
       </p:sp>
-      <p:grpSp>
-        <p:nvGrpSpPr>
-          <p:cNvPr id="4" name="Group 3"/>
-          <p:cNvGrpSpPr/>
-          <p:nvPr/>
-        </p:nvGrpSpPr>
-        <p:grpSpPr>
-          <a:xfrm>
-            <a:off x="1414550" y="2529433"/>
-            <a:ext cx="6195802" cy="768744"/>
-            <a:chOff x="1406667" y="1843633"/>
-            <a:chExt cx="6195802" cy="768744"/>
-          </a:xfrm>
-        </p:grpSpPr>
-        <p:sp>
-          <p:nvSpPr>
-            <p:cNvPr id="5" name="Rectangle 4"/>
-            <p:cNvSpPr/>
-            <p:nvPr/>
-          </p:nvSpPr>
-          <p:spPr bwMode="auto">
-            <a:xfrm>
-              <a:off x="1406667" y="1843633"/>
-              <a:ext cx="598810" cy="768744"/>
-            </a:xfrm>
-            <a:prstGeom prst="rect">
-              <a:avLst/>
-            </a:prstGeom>
-            <a:noFill/>
-            <a:ln w="9525" cap="flat" cmpd="sng" algn="ctr">
-              <a:solidFill>
-                <a:schemeClr val="accent2"/>
-              </a:solidFill>
-              <a:prstDash val="solid"/>
-              <a:round/>
-              <a:headEnd type="none" w="med" len="med"/>
-              <a:tailEnd type="none" w="med" len="med"/>
-            </a:ln>
-            <a:effectLst/>
-          </p:spPr>
-          <p:txBody>
-            <a:bodyPr vert="horz" wrap="square" lIns="91440" tIns="45720" rIns="91440" bIns="45720" numCol="1" rtlCol="0" anchor="t" anchorCtr="0" compatLnSpc="1">
-              <a:prstTxWarp prst="textNoShape">
-                <a:avLst/>
-              </a:prstTxWarp>
-              <a:spAutoFit/>
-            </a:bodyPr>
-            <a:lstStyle/>
-            <a:p>
-              <a:pPr marL="0" marR="0" indent="0" algn="l" defTabSz="914400" rtl="0" eaLnBrk="1" fontAlgn="base" latinLnBrk="0" hangingPunct="1">
-                <a:lnSpc>
-                  <a:spcPct val="100000"/>
-                </a:lnSpc>
-                <a:spcBef>
-                  <a:spcPct val="50000"/>
-                </a:spcBef>
-                <a:spcAft>
-                  <a:spcPct val="0"/>
-                </a:spcAft>
-                <a:buClrTx/>
-                <a:buSzTx/>
-                <a:buFontTx/>
-                <a:buNone/>
-                <a:tabLst/>
-              </a:pPr>
-              <a:endParaRPr kumimoji="0" lang="en-US" sz="2400" b="0" i="0" u="none" strike="noStrike" cap="none" normalizeH="0" baseline="0" smtClean="0">
-                <a:ln>
-                  <a:noFill/>
-                </a:ln>
-                <a:solidFill>
-                  <a:schemeClr val="tx1"/>
-                </a:solidFill>
-                <a:effectLst/>
-                <a:latin typeface="Times New Roman" pitchFamily="18" charset="0"/>
-                <a:sym typeface="Wingdings" pitchFamily="2" charset="2"/>
-              </a:endParaRPr>
-            </a:p>
-          </p:txBody>
-        </p:sp>
-        <p:sp>
-          <p:nvSpPr>
-            <p:cNvPr id="6" name="Rectangle 5"/>
-            <p:cNvSpPr/>
-            <p:nvPr/>
-          </p:nvSpPr>
-          <p:spPr bwMode="auto">
-            <a:xfrm>
-              <a:off x="2627216" y="1843633"/>
-              <a:ext cx="598810" cy="768744"/>
-            </a:xfrm>
-            <a:prstGeom prst="rect">
-              <a:avLst/>
-            </a:prstGeom>
-            <a:noFill/>
-            <a:ln w="9525" cap="flat" cmpd="sng" algn="ctr">
-              <a:solidFill>
-                <a:schemeClr val="accent2"/>
-              </a:solidFill>
-              <a:prstDash val="solid"/>
-              <a:round/>
-              <a:headEnd type="none" w="med" len="med"/>
-              <a:tailEnd type="none" w="med" len="med"/>
-            </a:ln>
-            <a:effectLst/>
-          </p:spPr>
-          <p:txBody>
-            <a:bodyPr vert="horz" wrap="square" lIns="91440" tIns="45720" rIns="91440" bIns="45720" numCol="1" rtlCol="0" anchor="t" anchorCtr="0" compatLnSpc="1">
-              <a:prstTxWarp prst="textNoShape">
-                <a:avLst/>
-              </a:prstTxWarp>
-              <a:spAutoFit/>
-            </a:bodyPr>
-            <a:lstStyle/>
-            <a:p>
-              <a:pPr marL="0" marR="0" indent="0" algn="l" defTabSz="914400" rtl="0" eaLnBrk="1" fontAlgn="base" latinLnBrk="0" hangingPunct="1">
-                <a:lnSpc>
-                  <a:spcPct val="100000"/>
-                </a:lnSpc>
-                <a:spcBef>
-                  <a:spcPct val="50000"/>
-                </a:spcBef>
-                <a:spcAft>
-                  <a:spcPct val="0"/>
-                </a:spcAft>
-                <a:buClrTx/>
-                <a:buSzTx/>
-                <a:buFontTx/>
-                <a:buNone/>
-                <a:tabLst/>
-              </a:pPr>
-              <a:endParaRPr kumimoji="0" lang="en-US" sz="2400" b="0" i="0" u="none" strike="noStrike" cap="none" normalizeH="0" baseline="0" smtClean="0">
-                <a:ln>
-                  <a:noFill/>
-                </a:ln>
-                <a:solidFill>
-                  <a:schemeClr val="tx1"/>
-                </a:solidFill>
-                <a:effectLst/>
-                <a:latin typeface="Times New Roman" pitchFamily="18" charset="0"/>
-                <a:sym typeface="Wingdings" pitchFamily="2" charset="2"/>
-              </a:endParaRPr>
-            </a:p>
-          </p:txBody>
-        </p:sp>
-        <p:cxnSp>
-          <p:nvCxnSpPr>
-            <p:cNvPr id="7" name="Straight Connector 6"/>
-            <p:cNvCxnSpPr/>
-            <p:nvPr/>
-          </p:nvCxnSpPr>
-          <p:spPr bwMode="auto">
-            <a:xfrm>
-              <a:off x="2005477" y="1948830"/>
-              <a:ext cx="621739" cy="0"/>
-            </a:xfrm>
-            <a:prstGeom prst="line">
-              <a:avLst/>
-            </a:prstGeom>
-            <a:noFill/>
-            <a:ln w="6350" cap="flat" cmpd="sng" algn="ctr">
-              <a:solidFill>
-                <a:schemeClr val="accent2"/>
-              </a:solidFill>
-              <a:prstDash val="solid"/>
-              <a:round/>
-              <a:headEnd type="none" w="med" len="med"/>
-              <a:tailEnd type="none" w="med" len="med"/>
-            </a:ln>
-            <a:effectLst/>
-          </p:spPr>
-        </p:cxnSp>
-        <p:cxnSp>
-          <p:nvCxnSpPr>
-            <p:cNvPr id="8" name="Straight Connector 7"/>
-            <p:cNvCxnSpPr/>
-            <p:nvPr/>
-          </p:nvCxnSpPr>
-          <p:spPr bwMode="auto">
-            <a:xfrm>
-              <a:off x="1999409" y="2028401"/>
-              <a:ext cx="621739" cy="0"/>
-            </a:xfrm>
-            <a:prstGeom prst="line">
-              <a:avLst/>
-            </a:prstGeom>
-            <a:noFill/>
-            <a:ln w="6350" cap="flat" cmpd="sng" algn="ctr">
-              <a:solidFill>
-                <a:schemeClr val="accent2"/>
-              </a:solidFill>
-              <a:prstDash val="solid"/>
-              <a:round/>
-              <a:headEnd type="none" w="med" len="med"/>
-              <a:tailEnd type="none" w="med" len="med"/>
-            </a:ln>
-            <a:effectLst/>
-          </p:spPr>
-        </p:cxnSp>
-        <p:cxnSp>
-          <p:nvCxnSpPr>
-            <p:cNvPr id="9" name="Straight Connector 8"/>
-            <p:cNvCxnSpPr/>
-            <p:nvPr/>
-          </p:nvCxnSpPr>
-          <p:spPr bwMode="auto">
-            <a:xfrm>
-              <a:off x="2005476" y="2101230"/>
-              <a:ext cx="621739" cy="0"/>
-            </a:xfrm>
-            <a:prstGeom prst="line">
-              <a:avLst/>
-            </a:prstGeom>
-            <a:noFill/>
-            <a:ln w="6350" cap="flat" cmpd="sng" algn="ctr">
-              <a:solidFill>
-                <a:schemeClr val="accent2"/>
-              </a:solidFill>
-              <a:prstDash val="solid"/>
-              <a:round/>
-              <a:headEnd type="none" w="med" len="med"/>
-              <a:tailEnd type="none" w="med" len="med"/>
-            </a:ln>
-            <a:effectLst/>
-          </p:spPr>
-        </p:cxnSp>
-        <p:cxnSp>
-          <p:nvCxnSpPr>
-            <p:cNvPr id="10" name="Straight Connector 9"/>
-            <p:cNvCxnSpPr/>
-            <p:nvPr/>
-          </p:nvCxnSpPr>
-          <p:spPr bwMode="auto">
-            <a:xfrm>
-              <a:off x="1999408" y="2190242"/>
-              <a:ext cx="621739" cy="0"/>
-            </a:xfrm>
-            <a:prstGeom prst="line">
-              <a:avLst/>
-            </a:prstGeom>
-            <a:noFill/>
-            <a:ln w="6350" cap="flat" cmpd="sng" algn="ctr">
-              <a:solidFill>
-                <a:schemeClr val="accent2"/>
-              </a:solidFill>
-              <a:prstDash val="solid"/>
-              <a:round/>
-              <a:headEnd type="none" w="med" len="med"/>
-              <a:tailEnd type="none" w="med" len="med"/>
-            </a:ln>
-            <a:effectLst/>
-          </p:spPr>
-        </p:cxnSp>
-        <p:cxnSp>
-          <p:nvCxnSpPr>
-            <p:cNvPr id="11" name="Straight Connector 10"/>
-            <p:cNvCxnSpPr/>
-            <p:nvPr/>
-          </p:nvCxnSpPr>
-          <p:spPr bwMode="auto">
-            <a:xfrm>
-              <a:off x="2005476" y="2279254"/>
-              <a:ext cx="621739" cy="0"/>
-            </a:xfrm>
-            <a:prstGeom prst="line">
-              <a:avLst/>
-            </a:prstGeom>
-            <a:noFill/>
-            <a:ln w="6350" cap="flat" cmpd="sng" algn="ctr">
-              <a:solidFill>
-                <a:schemeClr val="accent2"/>
-              </a:solidFill>
-              <a:prstDash val="solid"/>
-              <a:round/>
-              <a:headEnd type="none" w="med" len="med"/>
-              <a:tailEnd type="none" w="med" len="med"/>
-            </a:ln>
-            <a:effectLst/>
-          </p:spPr>
-        </p:cxnSp>
-        <p:cxnSp>
-          <p:nvCxnSpPr>
-            <p:cNvPr id="12" name="Straight Connector 11"/>
-            <p:cNvCxnSpPr/>
-            <p:nvPr/>
-          </p:nvCxnSpPr>
-          <p:spPr bwMode="auto">
-            <a:xfrm>
-              <a:off x="1999408" y="2358825"/>
-              <a:ext cx="621739" cy="0"/>
-            </a:xfrm>
-            <a:prstGeom prst="line">
-              <a:avLst/>
-            </a:prstGeom>
-            <a:noFill/>
-            <a:ln w="6350" cap="flat" cmpd="sng" algn="ctr">
-              <a:solidFill>
-                <a:schemeClr val="accent2"/>
-              </a:solidFill>
-              <a:prstDash val="solid"/>
-              <a:round/>
-              <a:headEnd type="none" w="med" len="med"/>
-              <a:tailEnd type="none" w="med" len="med"/>
-            </a:ln>
-            <a:effectLst/>
-          </p:spPr>
-        </p:cxnSp>
-        <p:cxnSp>
-          <p:nvCxnSpPr>
-            <p:cNvPr id="13" name="Straight Connector 12"/>
-            <p:cNvCxnSpPr/>
-            <p:nvPr/>
-          </p:nvCxnSpPr>
-          <p:spPr bwMode="auto">
-            <a:xfrm>
-              <a:off x="2005475" y="2431654"/>
-              <a:ext cx="621739" cy="0"/>
-            </a:xfrm>
-            <a:prstGeom prst="line">
-              <a:avLst/>
-            </a:prstGeom>
-            <a:noFill/>
-            <a:ln w="6350" cap="flat" cmpd="sng" algn="ctr">
-              <a:solidFill>
-                <a:schemeClr val="accent2"/>
-              </a:solidFill>
-              <a:prstDash val="solid"/>
-              <a:round/>
-              <a:headEnd type="none" w="med" len="med"/>
-              <a:tailEnd type="none" w="med" len="med"/>
-            </a:ln>
-            <a:effectLst/>
-          </p:spPr>
-        </p:cxnSp>
-        <p:cxnSp>
-          <p:nvCxnSpPr>
-            <p:cNvPr id="14" name="Straight Connector 13"/>
-            <p:cNvCxnSpPr/>
-            <p:nvPr/>
-          </p:nvCxnSpPr>
-          <p:spPr bwMode="auto">
-            <a:xfrm>
-              <a:off x="1999407" y="2520666"/>
-              <a:ext cx="621739" cy="0"/>
-            </a:xfrm>
-            <a:prstGeom prst="line">
-              <a:avLst/>
-            </a:prstGeom>
-            <a:noFill/>
-            <a:ln w="6350" cap="flat" cmpd="sng" algn="ctr">
-              <a:solidFill>
-                <a:schemeClr val="accent2"/>
-              </a:solidFill>
-              <a:prstDash val="solid"/>
-              <a:round/>
-              <a:headEnd type="none" w="med" len="med"/>
-              <a:tailEnd type="none" w="med" len="med"/>
-            </a:ln>
-            <a:effectLst/>
-          </p:spPr>
-        </p:cxnSp>
-        <p:sp>
-          <p:nvSpPr>
-            <p:cNvPr id="15" name="Rectangle 14"/>
-            <p:cNvSpPr/>
-            <p:nvPr/>
-          </p:nvSpPr>
-          <p:spPr bwMode="auto">
-            <a:xfrm>
-              <a:off x="3614444" y="1843633"/>
-              <a:ext cx="598810" cy="768744"/>
-            </a:xfrm>
-            <a:prstGeom prst="rect">
-              <a:avLst/>
-            </a:prstGeom>
-            <a:noFill/>
-            <a:ln w="9525" cap="flat" cmpd="sng" algn="ctr">
-              <a:solidFill>
-                <a:schemeClr val="accent2"/>
-              </a:solidFill>
-              <a:prstDash val="solid"/>
-              <a:round/>
-              <a:headEnd type="none" w="med" len="med"/>
-              <a:tailEnd type="none" w="med" len="med"/>
-            </a:ln>
-            <a:effectLst/>
-          </p:spPr>
-          <p:txBody>
-            <a:bodyPr vert="horz" wrap="square" lIns="91440" tIns="45720" rIns="91440" bIns="45720" numCol="1" rtlCol="0" anchor="t" anchorCtr="0" compatLnSpc="1">
-              <a:prstTxWarp prst="textNoShape">
-                <a:avLst/>
-              </a:prstTxWarp>
-              <a:spAutoFit/>
-            </a:bodyPr>
-            <a:lstStyle/>
-            <a:p>
-              <a:pPr marL="0" marR="0" indent="0" algn="l" defTabSz="914400" rtl="0" eaLnBrk="1" fontAlgn="base" latinLnBrk="0" hangingPunct="1">
-                <a:lnSpc>
-                  <a:spcPct val="100000"/>
-                </a:lnSpc>
-                <a:spcBef>
-                  <a:spcPct val="50000"/>
-                </a:spcBef>
-                <a:spcAft>
-                  <a:spcPct val="0"/>
-                </a:spcAft>
-                <a:buClrTx/>
-                <a:buSzTx/>
-                <a:buFontTx/>
-                <a:buNone/>
-                <a:tabLst/>
-              </a:pPr>
-              <a:endParaRPr kumimoji="0" lang="en-US" sz="2400" b="0" i="0" u="none" strike="noStrike" cap="none" normalizeH="0" baseline="0" smtClean="0">
-                <a:ln>
-                  <a:noFill/>
-                </a:ln>
-                <a:solidFill>
-                  <a:schemeClr val="tx1"/>
-                </a:solidFill>
-                <a:effectLst/>
-                <a:latin typeface="Times New Roman" pitchFamily="18" charset="0"/>
-                <a:sym typeface="Wingdings" pitchFamily="2" charset="2"/>
-              </a:endParaRPr>
-            </a:p>
-          </p:txBody>
-        </p:sp>
-        <p:sp>
-          <p:nvSpPr>
-            <p:cNvPr id="16" name="Rectangle 15"/>
-            <p:cNvSpPr/>
-            <p:nvPr/>
-          </p:nvSpPr>
-          <p:spPr bwMode="auto">
-            <a:xfrm>
-              <a:off x="4834993" y="1843633"/>
-              <a:ext cx="598810" cy="768744"/>
-            </a:xfrm>
-            <a:prstGeom prst="rect">
-              <a:avLst/>
-            </a:prstGeom>
-            <a:noFill/>
-            <a:ln w="9525" cap="flat" cmpd="sng" algn="ctr">
-              <a:solidFill>
-                <a:schemeClr val="accent2"/>
-              </a:solidFill>
-              <a:prstDash val="solid"/>
-              <a:round/>
-              <a:headEnd type="none" w="med" len="med"/>
-              <a:tailEnd type="none" w="med" len="med"/>
-            </a:ln>
-            <a:effectLst/>
-          </p:spPr>
-          <p:txBody>
-            <a:bodyPr vert="horz" wrap="square" lIns="91440" tIns="45720" rIns="91440" bIns="45720" numCol="1" rtlCol="0" anchor="t" anchorCtr="0" compatLnSpc="1">
-              <a:prstTxWarp prst="textNoShape">
-                <a:avLst/>
-              </a:prstTxWarp>
-              <a:spAutoFit/>
-            </a:bodyPr>
-            <a:lstStyle/>
-            <a:p>
-              <a:pPr marL="0" marR="0" indent="0" algn="l" defTabSz="914400" rtl="0" eaLnBrk="1" fontAlgn="base" latinLnBrk="0" hangingPunct="1">
-                <a:lnSpc>
-                  <a:spcPct val="100000"/>
-                </a:lnSpc>
-                <a:spcBef>
-                  <a:spcPct val="50000"/>
-                </a:spcBef>
-                <a:spcAft>
-                  <a:spcPct val="0"/>
-                </a:spcAft>
-                <a:buClrTx/>
-                <a:buSzTx/>
-                <a:buFontTx/>
-                <a:buNone/>
-                <a:tabLst/>
-              </a:pPr>
-              <a:endParaRPr kumimoji="0" lang="en-US" sz="2400" b="0" i="0" u="none" strike="noStrike" cap="none" normalizeH="0" baseline="0" smtClean="0">
-                <a:ln>
-                  <a:noFill/>
-                </a:ln>
-                <a:solidFill>
-                  <a:schemeClr val="tx1"/>
-                </a:solidFill>
-                <a:effectLst/>
-                <a:latin typeface="Times New Roman" pitchFamily="18" charset="0"/>
-                <a:sym typeface="Wingdings" pitchFamily="2" charset="2"/>
-              </a:endParaRPr>
-            </a:p>
-          </p:txBody>
-        </p:sp>
-        <p:cxnSp>
-          <p:nvCxnSpPr>
-            <p:cNvPr id="17" name="Straight Connector 16"/>
-            <p:cNvCxnSpPr/>
-            <p:nvPr/>
-          </p:nvCxnSpPr>
-          <p:spPr bwMode="auto">
-            <a:xfrm>
-              <a:off x="4207185" y="2190242"/>
-              <a:ext cx="621739" cy="0"/>
-            </a:xfrm>
-            <a:prstGeom prst="line">
-              <a:avLst/>
-            </a:prstGeom>
-            <a:noFill/>
-            <a:ln w="6350" cap="flat" cmpd="sng" algn="ctr">
-              <a:solidFill>
-                <a:schemeClr val="accent2"/>
-              </a:solidFill>
-              <a:prstDash val="solid"/>
-              <a:round/>
-              <a:headEnd type="none" w="med" len="med"/>
-              <a:tailEnd type="none" w="med" len="med"/>
-            </a:ln>
-            <a:effectLst/>
-          </p:spPr>
-        </p:cxnSp>
-        <p:sp>
-          <p:nvSpPr>
-            <p:cNvPr id="18" name="Rectangle 17"/>
-            <p:cNvSpPr/>
-            <p:nvPr/>
-          </p:nvSpPr>
-          <p:spPr bwMode="auto">
-            <a:xfrm>
-              <a:off x="5783110" y="1843633"/>
-              <a:ext cx="598810" cy="768744"/>
-            </a:xfrm>
-            <a:prstGeom prst="rect">
-              <a:avLst/>
-            </a:prstGeom>
-            <a:noFill/>
-            <a:ln w="9525" cap="flat" cmpd="sng" algn="ctr">
-              <a:solidFill>
-                <a:schemeClr val="accent2"/>
-              </a:solidFill>
-              <a:prstDash val="solid"/>
-              <a:round/>
-              <a:headEnd type="none" w="med" len="med"/>
-              <a:tailEnd type="none" w="med" len="med"/>
-            </a:ln>
-            <a:effectLst/>
-          </p:spPr>
-          <p:txBody>
-            <a:bodyPr vert="horz" wrap="square" lIns="91440" tIns="45720" rIns="91440" bIns="45720" numCol="1" rtlCol="0" anchor="t" anchorCtr="0" compatLnSpc="1">
-              <a:prstTxWarp prst="textNoShape">
-                <a:avLst/>
-              </a:prstTxWarp>
-              <a:spAutoFit/>
-            </a:bodyPr>
-            <a:lstStyle/>
-            <a:p>
-              <a:pPr marL="0" marR="0" indent="0" algn="l" defTabSz="914400" rtl="0" eaLnBrk="1" fontAlgn="base" latinLnBrk="0" hangingPunct="1">
-                <a:lnSpc>
-                  <a:spcPct val="100000"/>
-                </a:lnSpc>
-                <a:spcBef>
-                  <a:spcPct val="50000"/>
-                </a:spcBef>
-                <a:spcAft>
-                  <a:spcPct val="0"/>
-                </a:spcAft>
-                <a:buClrTx/>
-                <a:buSzTx/>
-                <a:buFontTx/>
-                <a:buNone/>
-                <a:tabLst/>
-              </a:pPr>
-              <a:endParaRPr kumimoji="0" lang="en-US" sz="2400" b="0" i="0" u="none" strike="noStrike" cap="none" normalizeH="0" baseline="0" smtClean="0">
-                <a:ln>
-                  <a:noFill/>
-                </a:ln>
-                <a:solidFill>
-                  <a:schemeClr val="tx1"/>
-                </a:solidFill>
-                <a:effectLst/>
-                <a:latin typeface="Times New Roman" pitchFamily="18" charset="0"/>
-                <a:sym typeface="Wingdings" pitchFamily="2" charset="2"/>
-              </a:endParaRPr>
-            </a:p>
-          </p:txBody>
-        </p:sp>
-        <p:sp>
-          <p:nvSpPr>
-            <p:cNvPr id="19" name="Rectangle 18"/>
-            <p:cNvSpPr/>
-            <p:nvPr/>
-          </p:nvSpPr>
-          <p:spPr bwMode="auto">
-            <a:xfrm>
-              <a:off x="7003659" y="1843633"/>
-              <a:ext cx="598810" cy="768744"/>
-            </a:xfrm>
-            <a:prstGeom prst="rect">
-              <a:avLst/>
-            </a:prstGeom>
-            <a:noFill/>
-            <a:ln w="9525" cap="flat" cmpd="sng" algn="ctr">
-              <a:solidFill>
-                <a:schemeClr val="accent2"/>
-              </a:solidFill>
-              <a:prstDash val="solid"/>
-              <a:round/>
-              <a:headEnd type="none" w="med" len="med"/>
-              <a:tailEnd type="none" w="med" len="med"/>
-            </a:ln>
-            <a:effectLst/>
-          </p:spPr>
-          <p:txBody>
-            <a:bodyPr vert="horz" wrap="square" lIns="91440" tIns="45720" rIns="91440" bIns="45720" numCol="1" rtlCol="0" anchor="t" anchorCtr="0" compatLnSpc="1">
-              <a:prstTxWarp prst="textNoShape">
-                <a:avLst/>
-              </a:prstTxWarp>
-              <a:spAutoFit/>
-            </a:bodyPr>
-            <a:lstStyle/>
-            <a:p>
-              <a:pPr marL="0" marR="0" indent="0" algn="l" defTabSz="914400" rtl="0" eaLnBrk="1" fontAlgn="base" latinLnBrk="0" hangingPunct="1">
-                <a:lnSpc>
-                  <a:spcPct val="100000"/>
-                </a:lnSpc>
-                <a:spcBef>
-                  <a:spcPct val="50000"/>
-                </a:spcBef>
-                <a:spcAft>
-                  <a:spcPct val="0"/>
-                </a:spcAft>
-                <a:buClrTx/>
-                <a:buSzTx/>
-                <a:buFontTx/>
-                <a:buNone/>
-                <a:tabLst/>
-              </a:pPr>
-              <a:endParaRPr kumimoji="0" lang="en-US" sz="2400" b="0" i="0" u="none" strike="noStrike" cap="none" normalizeH="0" baseline="0" smtClean="0">
-                <a:ln>
-                  <a:noFill/>
-                </a:ln>
-                <a:solidFill>
-                  <a:schemeClr val="tx1"/>
-                </a:solidFill>
-                <a:effectLst/>
-                <a:latin typeface="Times New Roman" pitchFamily="18" charset="0"/>
-                <a:sym typeface="Wingdings" pitchFamily="2" charset="2"/>
-              </a:endParaRPr>
-            </a:p>
-          </p:txBody>
-        </p:sp>
-        <p:cxnSp>
-          <p:nvCxnSpPr>
-            <p:cNvPr id="20" name="Straight Connector 19"/>
-            <p:cNvCxnSpPr/>
-            <p:nvPr/>
-          </p:nvCxnSpPr>
-          <p:spPr bwMode="auto">
-            <a:xfrm>
-              <a:off x="6381920" y="1948830"/>
-              <a:ext cx="621739" cy="0"/>
-            </a:xfrm>
-            <a:prstGeom prst="line">
-              <a:avLst/>
-            </a:prstGeom>
-            <a:noFill/>
-            <a:ln w="6350" cap="flat" cmpd="sng" algn="ctr">
-              <a:solidFill>
-                <a:schemeClr val="accent2"/>
-              </a:solidFill>
-              <a:prstDash val="solid"/>
-              <a:round/>
-              <a:headEnd type="none" w="med" len="med"/>
-              <a:tailEnd type="triangle" w="med" len="med"/>
-            </a:ln>
-            <a:effectLst/>
-          </p:spPr>
-        </p:cxnSp>
-        <p:cxnSp>
-          <p:nvCxnSpPr>
-            <p:cNvPr id="21" name="Straight Connector 20"/>
-            <p:cNvCxnSpPr/>
-            <p:nvPr/>
-          </p:nvCxnSpPr>
-          <p:spPr bwMode="auto">
-            <a:xfrm>
-              <a:off x="6381919" y="2101230"/>
-              <a:ext cx="621739" cy="0"/>
-            </a:xfrm>
-            <a:prstGeom prst="line">
-              <a:avLst/>
-            </a:prstGeom>
-            <a:noFill/>
-            <a:ln w="6350" cap="flat" cmpd="sng" algn="ctr">
-              <a:solidFill>
-                <a:schemeClr val="accent2"/>
-              </a:solidFill>
-              <a:prstDash val="solid"/>
-              <a:round/>
-              <a:headEnd type="none" w="med" len="med"/>
-              <a:tailEnd type="triangle" w="med" len="med"/>
-            </a:ln>
-            <a:effectLst/>
-          </p:spPr>
-        </p:cxnSp>
-        <p:cxnSp>
-          <p:nvCxnSpPr>
-            <p:cNvPr id="22" name="Straight Connector 21"/>
-            <p:cNvCxnSpPr/>
-            <p:nvPr/>
-          </p:nvCxnSpPr>
-          <p:spPr bwMode="auto">
-            <a:xfrm>
-              <a:off x="6381919" y="2279254"/>
-              <a:ext cx="621739" cy="0"/>
-            </a:xfrm>
-            <a:prstGeom prst="line">
-              <a:avLst/>
-            </a:prstGeom>
-            <a:noFill/>
-            <a:ln w="6350" cap="flat" cmpd="sng" algn="ctr">
-              <a:solidFill>
-                <a:schemeClr val="accent2"/>
-              </a:solidFill>
-              <a:prstDash val="solid"/>
-              <a:round/>
-              <a:headEnd type="triangle" w="med" len="med"/>
-              <a:tailEnd type="none" w="med" len="med"/>
-            </a:ln>
-            <a:effectLst/>
-          </p:spPr>
-        </p:cxnSp>
-        <p:cxnSp>
-          <p:nvCxnSpPr>
-            <p:cNvPr id="23" name="Straight Connector 22"/>
-            <p:cNvCxnSpPr/>
-            <p:nvPr/>
-          </p:nvCxnSpPr>
-          <p:spPr bwMode="auto">
-            <a:xfrm>
-              <a:off x="6381918" y="2431654"/>
-              <a:ext cx="621739" cy="0"/>
-            </a:xfrm>
-            <a:prstGeom prst="line">
-              <a:avLst/>
-            </a:prstGeom>
-            <a:noFill/>
-            <a:ln w="6350" cap="flat" cmpd="sng" algn="ctr">
-              <a:solidFill>
-                <a:schemeClr val="accent2"/>
-              </a:solidFill>
-              <a:prstDash val="solid"/>
-              <a:round/>
-              <a:headEnd type="none" w="med" len="med"/>
-              <a:tailEnd type="triangle" w="med" len="med"/>
-            </a:ln>
-            <a:effectLst/>
-          </p:spPr>
-        </p:cxnSp>
-      </p:grpSp>
     </p:spTree>
     <p:extLst>
       <p:ext uri="{BB962C8B-B14F-4D97-AF65-F5344CB8AC3E}">
-        <p14:creationId xmlns:p14="http://schemas.microsoft.com/office/powerpoint/2010/main" val="3512374341"/>
+        <p14:creationId xmlns:p14="http://schemas.microsoft.com/office/powerpoint/2010/main" val="3487764468"/>
       </p:ext>
     </p:extLst>
   </p:cSld>
   <p:clrMapOvr>
     <a:masterClrMapping/>
   </p:clrMapOvr>
-  <p:timing>
-    <p:tnLst>
-      <p:par>
-        <p:cTn id="1" dur="indefinite" restart="never" nodeType="tmRoot"/>
-      </p:par>
-    </p:tnLst>
-  </p:timing>
 </p:sld>
 </file>
 
-<file path=ppt/slides/slide40.xml><?xml version="1.0" encoding="utf-8"?>
+<file path=ppt/slides/slide44.xml><?xml version="1.0" encoding="utf-8"?>
 <p:sld xmlns:a="http://schemas.openxmlformats.org/drawingml/2006/main" xmlns:r="http://schemas.openxmlformats.org/officeDocument/2006/relationships" xmlns:p="http://schemas.openxmlformats.org/presentationml/2006/main">
   <p:cSld>
     <p:spTree>
@@ -20646,7 +22343,7 @@
           <a:p>
             <a:r>
               <a:rPr lang="en-US" dirty="0" smtClean="0"/>
-              <a:t>ICE: UART Serial LCD</a:t>
+              <a:t>TX/RX</a:t>
             </a:r>
             <a:endParaRPr lang="en-US" dirty="0"/>
           </a:p>
@@ -20662,236 +22359,449 @@
             <p:ph idx="1"/>
           </p:nvPr>
         </p:nvSpPr>
-        <p:spPr>
-          <a:xfrm>
-            <a:off x="365760" y="1531088"/>
-            <a:ext cx="8412480" cy="4869711"/>
-          </a:xfrm>
-        </p:spPr>
+        <p:spPr/>
         <p:txBody>
-          <a:bodyPr/>
-          <a:lstStyle/>
-          <a:p>
-            <a:r>
-              <a:rPr lang="en-US" dirty="0" smtClean="0"/>
-              <a:t>Use the code examples in this lesson to:</a:t>
-            </a:r>
-          </a:p>
-          <a:p>
-            <a:pPr lvl="1"/>
-            <a:r>
-              <a:rPr lang="en-US" dirty="0" smtClean="0"/>
-              <a:t>Setup your MSP430 for serial </a:t>
-            </a:r>
-            <a:r>
-              <a:rPr lang="en-US" dirty="0" err="1" smtClean="0"/>
-              <a:t>comm</a:t>
-            </a:r>
-            <a:endParaRPr lang="en-US" dirty="0" smtClean="0"/>
-          </a:p>
-          <a:p>
-            <a:pPr lvl="2"/>
-            <a:r>
-              <a:rPr lang="en-US" dirty="0" smtClean="0"/>
-              <a:t>9600 bps</a:t>
-            </a:r>
-          </a:p>
-          <a:p>
-            <a:pPr lvl="1"/>
-            <a:r>
-              <a:rPr lang="en-US" dirty="0" smtClean="0"/>
-              <a:t>Have the LCD display “Hello World!”</a:t>
-            </a:r>
-            <a:endParaRPr lang="en-US" dirty="0"/>
-          </a:p>
-        </p:txBody>
-      </p:sp>
-      <p:pic>
-        <p:nvPicPr>
-          <p:cNvPr id="4" name="Picture 3"/>
-          <p:cNvPicPr>
-            <a:picLocks noChangeAspect="1"/>
-          </p:cNvPicPr>
-          <p:nvPr/>
-        </p:nvPicPr>
-        <p:blipFill rotWithShape="1">
-          <a:blip r:embed="rId2"/>
-          <a:srcRect t="12606" b="16976"/>
-          <a:stretch/>
-        </p:blipFill>
-        <p:spPr>
-          <a:xfrm>
-            <a:off x="6046735" y="1928516"/>
-            <a:ext cx="2822945" cy="1987879"/>
-          </a:xfrm>
-          <a:prstGeom prst="rect">
-            <a:avLst/>
-          </a:prstGeom>
-        </p:spPr>
-      </p:pic>
-      <p:sp>
-        <p:nvSpPr>
-          <p:cNvPr id="5" name="Rounded Rectangle 4"/>
-          <p:cNvSpPr/>
-          <p:nvPr/>
-        </p:nvSpPr>
-        <p:spPr bwMode="auto">
-          <a:xfrm>
-            <a:off x="930349" y="4247707"/>
-            <a:ext cx="3455582" cy="414670"/>
-          </a:xfrm>
-          <a:prstGeom prst="roundRect">
-            <a:avLst/>
-          </a:prstGeom>
-          <a:solidFill>
-            <a:srgbClr val="0C2D83"/>
-          </a:solidFill>
-          <a:ln w="12700" cap="flat" cmpd="sng" algn="ctr">
-            <a:solidFill>
-              <a:schemeClr val="tx1"/>
-            </a:solidFill>
-            <a:prstDash val="solid"/>
-            <a:round/>
-            <a:headEnd type="none" w="med" len="med"/>
-            <a:tailEnd type="none" w="med" len="med"/>
-          </a:ln>
-          <a:effectLst/>
-        </p:spPr>
-        <p:txBody>
-          <a:bodyPr vert="horz" wrap="square" lIns="91440" tIns="45720" rIns="91440" bIns="45720" numCol="1" rtlCol="0" anchor="t" anchorCtr="0" compatLnSpc="1">
-            <a:prstTxWarp prst="textNoShape">
-              <a:avLst/>
-            </a:prstTxWarp>
+          <a:bodyPr>
+            <a:normAutofit fontScale="55000" lnSpcReduction="20000"/>
           </a:bodyPr>
           <a:lstStyle/>
           <a:p>
-            <a:pPr marL="0" marR="0" indent="0" algn="ctr" defTabSz="914400" rtl="0" eaLnBrk="0" fontAlgn="base" latinLnBrk="0" hangingPunct="0">
-              <a:lnSpc>
-                <a:spcPct val="100000"/>
-              </a:lnSpc>
-              <a:spcBef>
-                <a:spcPct val="0"/>
-              </a:spcBef>
-              <a:spcAft>
-                <a:spcPct val="0"/>
-              </a:spcAft>
-              <a:buClrTx/>
-              <a:buSzTx/>
-              <a:buFontTx/>
+            <a:r>
+              <a:rPr lang="en-US" b="0" dirty="0" smtClean="0"/>
+              <a:t>The transmitting data</a:t>
+            </a:r>
+          </a:p>
+          <a:p>
+            <a:pPr marL="0" indent="0">
               <a:buNone/>
-              <a:tabLst/>
             </a:pPr>
-            <a:r>
-              <a:rPr kumimoji="0" lang="en-US" sz="1600" b="0" i="0" u="none" strike="noStrike" cap="none" normalizeH="0" baseline="0" dirty="0" smtClean="0">
-                <a:ln>
-                  <a:noFill/>
-                </a:ln>
-                <a:solidFill>
-                  <a:schemeClr val="bg1"/>
-                </a:solidFill>
-                <a:effectLst/>
-                <a:latin typeface="Arial" charset="0"/>
-              </a:rPr>
-              <a:t>Picture of setup</a:t>
-            </a:r>
-          </a:p>
-        </p:txBody>
-      </p:sp>
-      <p:sp>
-        <p:nvSpPr>
-          <p:cNvPr id="6" name="Rectangle 5"/>
-          <p:cNvSpPr/>
-          <p:nvPr/>
-        </p:nvSpPr>
-        <p:spPr bwMode="auto">
-          <a:xfrm>
-            <a:off x="2078133" y="5555512"/>
-            <a:ext cx="5380074" cy="701749"/>
-          </a:xfrm>
-          <a:prstGeom prst="rect">
-            <a:avLst/>
-          </a:prstGeom>
-          <a:solidFill>
-            <a:srgbClr val="0C2D83"/>
-          </a:solidFill>
-          <a:ln w="12700" cap="flat" cmpd="sng" algn="ctr">
-            <a:solidFill>
-              <a:schemeClr val="tx1"/>
-            </a:solidFill>
-            <a:prstDash val="solid"/>
-            <a:round/>
-            <a:headEnd type="none" w="med" len="med"/>
-            <a:tailEnd type="none" w="med" len="med"/>
-          </a:ln>
-          <a:effectLst/>
-        </p:spPr>
-        <p:txBody>
-          <a:bodyPr vert="horz" wrap="square" lIns="91440" tIns="45720" rIns="91440" bIns="45720" numCol="1" rtlCol="0" anchor="ctr" anchorCtr="0" compatLnSpc="1">
-            <a:prstTxWarp prst="textNoShape">
-              <a:avLst/>
-            </a:prstTxWarp>
-          </a:bodyPr>
-          <a:lstStyle/>
-          <a:p>
-            <a:pPr marL="0" marR="0" indent="0" algn="ctr" defTabSz="914400" rtl="0" eaLnBrk="0" fontAlgn="base" latinLnBrk="0" hangingPunct="0">
-              <a:lnSpc>
-                <a:spcPct val="100000"/>
-              </a:lnSpc>
-              <a:spcBef>
-                <a:spcPct val="0"/>
-              </a:spcBef>
-              <a:spcAft>
-                <a:spcPct val="0"/>
-              </a:spcAft>
-              <a:buClrTx/>
-              <a:buSzTx/>
-              <a:buFontTx/>
+            <a:endParaRPr lang="en-US" b="0" dirty="0" smtClean="0"/>
+          </a:p>
+          <a:p>
+            <a:pPr marL="0" indent="0">
               <a:buNone/>
-              <a:tabLst/>
             </a:pPr>
             <a:r>
-              <a:rPr lang="en-US" sz="1600" dirty="0" smtClean="0">
-                <a:solidFill>
-                  <a:schemeClr val="bg1"/>
-                </a:solidFill>
-                <a:latin typeface="Arial" charset="0"/>
-              </a:rPr>
-              <a:t>Getting this working will help you in Lab 4</a:t>
-            </a:r>
-            <a:endParaRPr kumimoji="0" lang="en-US" sz="1600" b="0" i="0" u="none" strike="noStrike" cap="none" normalizeH="0" baseline="0" dirty="0" smtClean="0">
-              <a:ln>
-                <a:noFill/>
-              </a:ln>
+              <a:rPr lang="en-US" b="0" dirty="0" err="1"/>
+              <a:t>int</a:t>
+            </a:r>
+            <a:r>
+              <a:rPr lang="en-US" b="0" dirty="0"/>
+              <a:t> </a:t>
+            </a:r>
+            <a:r>
+              <a:rPr lang="en-US" b="0" dirty="0" smtClean="0"/>
+              <a:t>i2c_transfer(uint8_t </a:t>
+            </a:r>
+            <a:r>
+              <a:rPr lang="en-US" b="0" dirty="0" err="1" smtClean="0"/>
+              <a:t>addr</a:t>
+            </a:r>
+            <a:r>
+              <a:rPr lang="en-US" b="0" dirty="0" smtClean="0"/>
+              <a:t>, uint8_t </a:t>
+            </a:r>
+            <a:r>
+              <a:rPr lang="en-US" b="0" dirty="0"/>
+              <a:t>*</a:t>
+            </a:r>
+            <a:r>
+              <a:rPr lang="en-US" b="0" dirty="0" err="1"/>
+              <a:t>buf</a:t>
+            </a:r>
+            <a:r>
+              <a:rPr lang="en-US" b="0" dirty="0"/>
+              <a:t>, </a:t>
+            </a:r>
+            <a:r>
+              <a:rPr lang="en-US" b="0" dirty="0" err="1"/>
+              <a:t>size_t</a:t>
+            </a:r>
+            <a:r>
+              <a:rPr lang="en-US" b="0" dirty="0"/>
+              <a:t> </a:t>
+            </a:r>
+            <a:r>
+              <a:rPr lang="en-US" b="0" dirty="0" err="1"/>
+              <a:t>nbytes</a:t>
+            </a:r>
+            <a:r>
+              <a:rPr lang="en-US" b="0" dirty="0" smtClean="0"/>
+              <a:t>){</a:t>
+            </a:r>
+          </a:p>
+          <a:p>
+            <a:pPr marL="0" indent="0">
+              <a:buNone/>
+            </a:pPr>
+            <a:r>
+              <a:rPr lang="en-US" b="0" dirty="0" smtClean="0"/>
+              <a:t>  UCB0I2CSA = </a:t>
+            </a:r>
+            <a:r>
+              <a:rPr lang="en-US" b="0" dirty="0" err="1" smtClean="0"/>
+              <a:t>addr</a:t>
+            </a:r>
+            <a:r>
+              <a:rPr lang="en-US" b="0" dirty="0" smtClean="0"/>
+              <a:t>;  </a:t>
+            </a:r>
+            <a:r>
+              <a:rPr lang="en-US" b="0" dirty="0" smtClean="0">
+                <a:solidFill>
+                  <a:srgbClr val="00B050"/>
+                </a:solidFill>
+              </a:rPr>
+              <a:t>// set slave address</a:t>
+            </a:r>
+          </a:p>
+          <a:p>
+            <a:pPr marL="0" indent="0">
+              <a:buNone/>
+            </a:pPr>
+            <a:r>
+              <a:rPr lang="en-US" b="0" dirty="0"/>
+              <a:t> </a:t>
+            </a:r>
+            <a:r>
+              <a:rPr lang="en-US" b="0" dirty="0" smtClean="0"/>
+              <a:t> UCB0CTL1 </a:t>
+            </a:r>
+            <a:r>
+              <a:rPr lang="en-US" b="0" dirty="0"/>
+              <a:t>|= UCTR | UCTXSTT</a:t>
+            </a:r>
+            <a:r>
+              <a:rPr lang="en-US" b="0" dirty="0" smtClean="0"/>
+              <a:t>;  </a:t>
+            </a:r>
+            <a:r>
+              <a:rPr lang="en-US" b="0" dirty="0" smtClean="0">
+                <a:solidFill>
+                  <a:srgbClr val="00B050"/>
+                </a:solidFill>
+              </a:rPr>
+              <a:t>// set start condition</a:t>
+            </a:r>
+          </a:p>
+          <a:p>
+            <a:pPr marL="0" indent="0">
+              <a:buNone/>
+            </a:pPr>
+            <a:r>
+              <a:rPr lang="en-US" b="0" dirty="0" smtClean="0"/>
+              <a:t>  </a:t>
+            </a:r>
+          </a:p>
+          <a:p>
+            <a:pPr marL="0" indent="0">
+              <a:buNone/>
+            </a:pPr>
+            <a:r>
+              <a:rPr lang="en-US" b="0" dirty="0"/>
+              <a:t> </a:t>
+            </a:r>
+            <a:r>
+              <a:rPr lang="en-US" b="0" dirty="0" smtClean="0"/>
+              <a:t> while </a:t>
+            </a:r>
+            <a:r>
+              <a:rPr lang="en-US" b="0" dirty="0"/>
+              <a:t>((UCB0CTL1 &amp; UCTXSTT) &amp;&amp; ((IFG2 &amp; UCB0TXIFG) == 0</a:t>
+            </a:r>
+            <a:r>
+              <a:rPr lang="en-US" b="0" dirty="0" smtClean="0"/>
+              <a:t>));</a:t>
+            </a:r>
+          </a:p>
+          <a:p>
+            <a:pPr marL="0" indent="0">
+              <a:buNone/>
+            </a:pPr>
+            <a:r>
+              <a:rPr lang="en-US" b="0" dirty="0" smtClean="0"/>
+              <a:t>  </a:t>
+            </a:r>
+          </a:p>
+          <a:p>
+            <a:pPr marL="0" indent="0">
+              <a:buNone/>
+            </a:pPr>
+            <a:r>
+              <a:rPr lang="en-US" b="0" dirty="0"/>
+              <a:t> </a:t>
+            </a:r>
+            <a:r>
+              <a:rPr lang="en-US" b="0" dirty="0" smtClean="0"/>
+              <a:t> err </a:t>
+            </a:r>
+            <a:r>
+              <a:rPr lang="en-US" b="0" dirty="0"/>
+              <a:t>= _</a:t>
+            </a:r>
+            <a:r>
+              <a:rPr lang="en-US" b="0" dirty="0" err="1"/>
+              <a:t>check_ack</a:t>
+            </a:r>
+            <a:r>
+              <a:rPr lang="en-US" b="0" dirty="0"/>
+              <a:t>(dev</a:t>
+            </a:r>
+            <a:r>
+              <a:rPr lang="en-US" b="0" dirty="0" smtClean="0"/>
+              <a:t>);  </a:t>
+            </a:r>
+            <a:r>
+              <a:rPr lang="en-US" b="0" dirty="0" smtClean="0">
+                <a:solidFill>
+                  <a:srgbClr val="00B050"/>
+                </a:solidFill>
+              </a:rPr>
+              <a:t>// check for ACK … defined elsewhere</a:t>
+            </a:r>
+          </a:p>
+          <a:p>
+            <a:pPr marL="0" indent="0">
+              <a:buNone/>
+            </a:pPr>
+            <a:r>
+              <a:rPr lang="en-US" b="0" dirty="0" smtClean="0"/>
+              <a:t>  </a:t>
+            </a:r>
+          </a:p>
+          <a:p>
+            <a:pPr marL="0" indent="0">
+              <a:buNone/>
+            </a:pPr>
+            <a:r>
+              <a:rPr lang="en-US" b="0" dirty="0"/>
+              <a:t> </a:t>
+            </a:r>
+            <a:r>
+              <a:rPr lang="en-US" b="0" dirty="0" smtClean="0"/>
+              <a:t> while (</a:t>
+            </a:r>
+            <a:r>
+              <a:rPr lang="en-US" b="0" dirty="0"/>
+              <a:t>(err == 0) &amp;&amp; (</a:t>
+            </a:r>
+            <a:r>
+              <a:rPr lang="en-US" b="0" dirty="0" err="1"/>
+              <a:t>nbytes</a:t>
+            </a:r>
+            <a:r>
+              <a:rPr lang="en-US" b="0" dirty="0"/>
+              <a:t> &gt; 0)</a:t>
+            </a:r>
+            <a:r>
+              <a:rPr lang="en-US" b="0" dirty="0" smtClean="0"/>
+              <a:t>) </a:t>
+            </a:r>
+            <a:r>
+              <a:rPr lang="en-US" b="0" dirty="0"/>
+              <a:t>{</a:t>
+            </a:r>
+          </a:p>
+          <a:p>
+            <a:pPr marL="0" indent="0">
+              <a:buNone/>
+            </a:pPr>
+            <a:r>
+              <a:rPr lang="en-US" b="0" dirty="0"/>
+              <a:t>        UCB0TXBUF = *</a:t>
+            </a:r>
+            <a:r>
+              <a:rPr lang="en-US" b="0" dirty="0" err="1"/>
+              <a:t>buf</a:t>
+            </a:r>
+            <a:r>
+              <a:rPr lang="en-US" b="0" dirty="0"/>
+              <a:t>;</a:t>
+            </a:r>
+          </a:p>
+          <a:p>
+            <a:pPr marL="0" indent="0">
+              <a:buNone/>
+            </a:pPr>
+            <a:r>
+              <a:rPr lang="en-US" b="0" dirty="0"/>
+              <a:t>        while ((IFG2 &amp; UCB0TXIFG) == 0) {</a:t>
+            </a:r>
+          </a:p>
+          <a:p>
+            <a:pPr marL="0" indent="0">
+              <a:buNone/>
+            </a:pPr>
+            <a:r>
+              <a:rPr lang="en-US" b="0" dirty="0"/>
+              <a:t>            err = _</a:t>
+            </a:r>
+            <a:r>
+              <a:rPr lang="en-US" b="0" dirty="0" err="1"/>
+              <a:t>check_ack</a:t>
+            </a:r>
+            <a:r>
+              <a:rPr lang="en-US" b="0" dirty="0"/>
+              <a:t>(dev</a:t>
+            </a:r>
+            <a:r>
+              <a:rPr lang="en-US" b="0" dirty="0" smtClean="0"/>
+              <a:t>);  </a:t>
+            </a:r>
+            <a:endParaRPr lang="en-US" b="0" dirty="0"/>
+          </a:p>
+          <a:p>
+            <a:pPr marL="0" indent="0">
+              <a:buNone/>
+            </a:pPr>
+            <a:r>
+              <a:rPr lang="en-US" b="0" dirty="0"/>
+              <a:t>            if (err &lt; 0</a:t>
+            </a:r>
+            <a:r>
+              <a:rPr lang="en-US" b="0" dirty="0" smtClean="0"/>
+              <a:t>) break;</a:t>
+            </a:r>
+            <a:endParaRPr lang="en-US" b="0" dirty="0"/>
+          </a:p>
+          <a:p>
+            <a:pPr marL="0" indent="0">
+              <a:buNone/>
+            </a:pPr>
+            <a:r>
+              <a:rPr lang="en-US" b="0" dirty="0"/>
+              <a:t>        </a:t>
+            </a:r>
+            <a:r>
+              <a:rPr lang="en-US" b="0" dirty="0" smtClean="0"/>
+              <a:t>}</a:t>
+            </a:r>
+            <a:endParaRPr lang="en-US" b="0" dirty="0"/>
+          </a:p>
+          <a:p>
+            <a:pPr marL="0" indent="0">
+              <a:buNone/>
+            </a:pPr>
+            <a:r>
+              <a:rPr lang="en-US" b="0" dirty="0"/>
+              <a:t>        </a:t>
+            </a:r>
+            <a:r>
+              <a:rPr lang="en-US" b="0" dirty="0" err="1"/>
+              <a:t>buf</a:t>
+            </a:r>
+            <a:r>
+              <a:rPr lang="en-US" b="0" dirty="0" smtClean="0"/>
+              <a:t>++;  </a:t>
+            </a:r>
+            <a:r>
+              <a:rPr lang="en-US" b="0" dirty="0" smtClean="0">
+                <a:solidFill>
+                  <a:srgbClr val="00B050"/>
+                </a:solidFill>
+              </a:rPr>
+              <a:t>// grab next byte</a:t>
+            </a:r>
+            <a:endParaRPr lang="en-US" b="0" dirty="0">
               <a:solidFill>
-                <a:schemeClr val="bg1"/>
+                <a:srgbClr val="00B050"/>
               </a:solidFill>
-              <a:effectLst/>
-              <a:latin typeface="Arial" charset="0"/>
             </a:endParaRPr>
+          </a:p>
+          <a:p>
+            <a:pPr marL="0" indent="0">
+              <a:buNone/>
+            </a:pPr>
+            <a:r>
+              <a:rPr lang="en-US" b="0" dirty="0"/>
+              <a:t>        </a:t>
+            </a:r>
+            <a:r>
+              <a:rPr lang="en-US" b="0" dirty="0" err="1"/>
+              <a:t>nbytes</a:t>
+            </a:r>
+            <a:r>
+              <a:rPr lang="en-US" b="0" dirty="0"/>
+              <a:t>-</a:t>
+            </a:r>
+            <a:r>
+              <a:rPr lang="en-US" b="0" dirty="0" smtClean="0"/>
+              <a:t>-;</a:t>
+            </a:r>
+            <a:endParaRPr lang="en-US" b="0" dirty="0"/>
+          </a:p>
+          <a:p>
+            <a:pPr marL="0" indent="0">
+              <a:buNone/>
+            </a:pPr>
+            <a:r>
+              <a:rPr lang="en-US" b="0" dirty="0"/>
+              <a:t>    </a:t>
+            </a:r>
+            <a:r>
+              <a:rPr lang="en-US" b="0" dirty="0" smtClean="0"/>
+              <a:t>}</a:t>
+            </a:r>
+          </a:p>
+          <a:p>
+            <a:pPr marL="0" indent="0">
+              <a:buNone/>
+            </a:pPr>
+            <a:r>
+              <a:rPr lang="en-US" b="0" dirty="0"/>
+              <a:t> </a:t>
+            </a:r>
+            <a:r>
+              <a:rPr lang="en-US" b="0" dirty="0" smtClean="0"/>
+              <a:t> return err;  </a:t>
+            </a:r>
+            <a:r>
+              <a:rPr lang="en-US" b="0" dirty="0" smtClean="0">
+                <a:solidFill>
+                  <a:srgbClr val="00B050"/>
+                </a:solidFill>
+              </a:rPr>
+              <a:t>// 0: good, -1: error occurred</a:t>
+            </a:r>
+          </a:p>
+          <a:p>
+            <a:pPr marL="0" indent="0">
+              <a:buNone/>
+            </a:pPr>
+            <a:r>
+              <a:rPr lang="en-US" b="0" dirty="0" smtClean="0"/>
+              <a:t>}</a:t>
+            </a:r>
+          </a:p>
+          <a:p>
+            <a:pPr marL="0" indent="0">
+              <a:buNone/>
+            </a:pPr>
+            <a:endParaRPr lang="en-US" b="0" dirty="0" smtClean="0"/>
+          </a:p>
+          <a:p>
+            <a:r>
+              <a:rPr lang="en-US" b="0" dirty="0" smtClean="0"/>
+              <a:t>RX will be similar but not the same</a:t>
+            </a:r>
+            <a:endParaRPr lang="en-US" dirty="0"/>
           </a:p>
         </p:txBody>
       </p:sp>
     </p:spTree>
     <p:extLst>
       <p:ext uri="{BB962C8B-B14F-4D97-AF65-F5344CB8AC3E}">
-        <p14:creationId xmlns:p14="http://schemas.microsoft.com/office/powerpoint/2010/main" val="646429180"/>
+        <p14:creationId xmlns:p14="http://schemas.microsoft.com/office/powerpoint/2010/main" val="1611239695"/>
       </p:ext>
     </p:extLst>
   </p:cSld>
   <p:clrMapOvr>
     <a:masterClrMapping/>
   </p:clrMapOvr>
-  <p:timing>
-    <p:tnLst>
-      <p:par>
-        <p:cTn id="1" dur="indefinite" restart="never" nodeType="tmRoot"/>
-      </p:par>
-    </p:tnLst>
-  </p:timing>
 </p:sld>
 </file>
 
-<file path=ppt/slides/slide41.xml><?xml version="1.0" encoding="utf-8"?>
+<file path=ppt/slides/slide45.xml><?xml version="1.0" encoding="utf-8"?>
 <p:sld xmlns:a="http://schemas.openxmlformats.org/drawingml/2006/main" xmlns:r="http://schemas.openxmlformats.org/officeDocument/2006/relationships" xmlns:p="http://schemas.openxmlformats.org/presentationml/2006/main">
   <p:cSld>
     <p:spTree>
@@ -20925,7 +22835,399 @@
           <a:p>
             <a:r>
               <a:rPr lang="en-US" dirty="0" smtClean="0"/>
-              <a:t>Serial LCD</a:t>
+              <a:t>ICE: UART Serial LCD</a:t>
+            </a:r>
+            <a:endParaRPr lang="en-US" dirty="0"/>
+          </a:p>
+        </p:txBody>
+      </p:sp>
+      <p:sp>
+        <p:nvSpPr>
+          <p:cNvPr id="3" name="Content Placeholder 2"/>
+          <p:cNvSpPr>
+            <a:spLocks noGrp="1"/>
+          </p:cNvSpPr>
+          <p:nvPr>
+            <p:ph idx="1"/>
+          </p:nvPr>
+        </p:nvSpPr>
+        <p:spPr>
+          <a:xfrm>
+            <a:off x="365760" y="1531088"/>
+            <a:ext cx="8412480" cy="4869711"/>
+          </a:xfrm>
+        </p:spPr>
+        <p:txBody>
+          <a:bodyPr/>
+          <a:lstStyle/>
+          <a:p>
+            <a:r>
+              <a:rPr lang="en-US" dirty="0" smtClean="0"/>
+              <a:t>Use the code examples in this lesson to:</a:t>
+            </a:r>
+          </a:p>
+          <a:p>
+            <a:pPr lvl="1"/>
+            <a:r>
+              <a:rPr lang="en-US" dirty="0" smtClean="0"/>
+              <a:t>Setup your MSP430 for serial </a:t>
+            </a:r>
+            <a:r>
+              <a:rPr lang="en-US" dirty="0" err="1" smtClean="0"/>
+              <a:t>comm</a:t>
+            </a:r>
+            <a:endParaRPr lang="en-US" dirty="0" smtClean="0"/>
+          </a:p>
+          <a:p>
+            <a:pPr lvl="2"/>
+            <a:r>
+              <a:rPr lang="en-US" dirty="0" smtClean="0"/>
+              <a:t>9600 </a:t>
+            </a:r>
+            <a:r>
+              <a:rPr lang="en-US" dirty="0" smtClean="0"/>
+              <a:t>bps 8N1</a:t>
+            </a:r>
+            <a:endParaRPr lang="en-US" dirty="0" smtClean="0"/>
+          </a:p>
+          <a:p>
+            <a:pPr lvl="1"/>
+            <a:r>
+              <a:rPr lang="en-US" dirty="0" smtClean="0"/>
+              <a:t>Have the LCD display “</a:t>
+            </a:r>
+            <a:r>
+              <a:rPr lang="en-US" dirty="0" smtClean="0"/>
+              <a:t>Hello” repeatedly</a:t>
+            </a:r>
+          </a:p>
+          <a:p>
+            <a:pPr lvl="1"/>
+            <a:r>
+              <a:rPr lang="en-US" dirty="0" smtClean="0"/>
+              <a:t>When you fill up the LCD clear it</a:t>
+            </a:r>
+          </a:p>
+          <a:p>
+            <a:pPr lvl="1"/>
+            <a:r>
+              <a:rPr lang="en-US" dirty="0" smtClean="0"/>
+              <a:t>Take a look at the LCD datasheet</a:t>
+            </a:r>
+          </a:p>
+          <a:p>
+            <a:pPr lvl="2"/>
+            <a:r>
+              <a:rPr lang="en-US" dirty="0" smtClean="0"/>
+              <a:t>Clear the screen</a:t>
+            </a:r>
+          </a:p>
+          <a:p>
+            <a:pPr lvl="1"/>
+            <a:r>
+              <a:rPr lang="en-US" dirty="0" smtClean="0"/>
+              <a:t>Debuggin</a:t>
+            </a:r>
+            <a:r>
+              <a:rPr lang="en-US" dirty="0" smtClean="0"/>
+              <a:t>g, might be useful to blink an led or two … up to you</a:t>
+            </a:r>
+            <a:endParaRPr lang="en-US" dirty="0"/>
+          </a:p>
+        </p:txBody>
+      </p:sp>
+      <p:pic>
+        <p:nvPicPr>
+          <p:cNvPr id="4" name="Picture 3"/>
+          <p:cNvPicPr>
+            <a:picLocks noChangeAspect="1"/>
+          </p:cNvPicPr>
+          <p:nvPr/>
+        </p:nvPicPr>
+        <p:blipFill rotWithShape="1">
+          <a:blip r:embed="rId2"/>
+          <a:srcRect t="12606" b="16976"/>
+          <a:stretch/>
+        </p:blipFill>
+        <p:spPr>
+          <a:xfrm>
+            <a:off x="6046735" y="1928516"/>
+            <a:ext cx="2822945" cy="1987879"/>
+          </a:xfrm>
+          <a:prstGeom prst="rect">
+            <a:avLst/>
+          </a:prstGeom>
+        </p:spPr>
+      </p:pic>
+      <p:sp>
+        <p:nvSpPr>
+          <p:cNvPr id="6" name="Rectangle 5"/>
+          <p:cNvSpPr/>
+          <p:nvPr/>
+        </p:nvSpPr>
+        <p:spPr bwMode="auto">
+          <a:xfrm>
+            <a:off x="1828800" y="5161374"/>
+            <a:ext cx="5380074" cy="701749"/>
+          </a:xfrm>
+          <a:prstGeom prst="rect">
+            <a:avLst/>
+          </a:prstGeom>
+          <a:solidFill>
+            <a:srgbClr val="0C2D83"/>
+          </a:solidFill>
+          <a:ln w="12700" cap="flat" cmpd="sng" algn="ctr">
+            <a:solidFill>
+              <a:schemeClr val="tx1"/>
+            </a:solidFill>
+            <a:prstDash val="solid"/>
+            <a:round/>
+            <a:headEnd type="none" w="med" len="med"/>
+            <a:tailEnd type="none" w="med" len="med"/>
+          </a:ln>
+          <a:effectLst/>
+        </p:spPr>
+        <p:txBody>
+          <a:bodyPr vert="horz" wrap="square" lIns="91440" tIns="45720" rIns="91440" bIns="45720" numCol="1" rtlCol="0" anchor="ctr" anchorCtr="0" compatLnSpc="1">
+            <a:prstTxWarp prst="textNoShape">
+              <a:avLst/>
+            </a:prstTxWarp>
+          </a:bodyPr>
+          <a:lstStyle/>
+          <a:p>
+            <a:pPr marL="0" marR="0" indent="0" algn="ctr" defTabSz="914400" rtl="0" eaLnBrk="0" fontAlgn="base" latinLnBrk="0" hangingPunct="0">
+              <a:lnSpc>
+                <a:spcPct val="100000"/>
+              </a:lnSpc>
+              <a:spcBef>
+                <a:spcPct val="0"/>
+              </a:spcBef>
+              <a:spcAft>
+                <a:spcPct val="0"/>
+              </a:spcAft>
+              <a:buClrTx/>
+              <a:buSzTx/>
+              <a:buFontTx/>
+              <a:buNone/>
+              <a:tabLst/>
+            </a:pPr>
+            <a:r>
+              <a:rPr lang="en-US" sz="1600" dirty="0" smtClean="0">
+                <a:solidFill>
+                  <a:schemeClr val="bg1"/>
+                </a:solidFill>
+                <a:latin typeface="Arial" charset="0"/>
+              </a:rPr>
+              <a:t>Getting this working will help you in Lab 4</a:t>
+            </a:r>
+            <a:endParaRPr kumimoji="0" lang="en-US" sz="1600" b="0" i="0" u="none" strike="noStrike" cap="none" normalizeH="0" baseline="0" dirty="0" smtClean="0">
+              <a:ln>
+                <a:noFill/>
+              </a:ln>
+              <a:solidFill>
+                <a:schemeClr val="bg1"/>
+              </a:solidFill>
+              <a:effectLst/>
+              <a:latin typeface="Arial" charset="0"/>
+            </a:endParaRPr>
+          </a:p>
+        </p:txBody>
+      </p:sp>
+    </p:spTree>
+    <p:extLst>
+      <p:ext uri="{BB962C8B-B14F-4D97-AF65-F5344CB8AC3E}">
+        <p14:creationId xmlns:p14="http://schemas.microsoft.com/office/powerpoint/2010/main" val="646429180"/>
+      </p:ext>
+    </p:extLst>
+  </p:cSld>
+  <p:clrMapOvr>
+    <a:masterClrMapping/>
+  </p:clrMapOvr>
+  <p:timing>
+    <p:tnLst>
+      <p:par>
+        <p:cTn id="1" dur="indefinite" restart="never" nodeType="tmRoot"/>
+      </p:par>
+    </p:tnLst>
+  </p:timing>
+</p:sld>
+</file>
+
+<file path=ppt/slides/slide46.xml><?xml version="1.0" encoding="utf-8"?>
+<p:sld xmlns:a="http://schemas.openxmlformats.org/drawingml/2006/main" xmlns:r="http://schemas.openxmlformats.org/officeDocument/2006/relationships" xmlns:p="http://schemas.openxmlformats.org/presentationml/2006/main">
+  <p:cSld>
+    <p:spTree>
+      <p:nvGrpSpPr>
+        <p:cNvPr id="1" name=""/>
+        <p:cNvGrpSpPr/>
+        <p:nvPr/>
+      </p:nvGrpSpPr>
+      <p:grpSpPr>
+        <a:xfrm>
+          <a:off x="0" y="0"/>
+          <a:ext cx="0" cy="0"/>
+          <a:chOff x="0" y="0"/>
+          <a:chExt cx="0" cy="0"/>
+        </a:xfrm>
+      </p:grpSpPr>
+      <p:sp>
+        <p:nvSpPr>
+          <p:cNvPr id="2" name="Title 1"/>
+          <p:cNvSpPr>
+            <a:spLocks noGrp="1"/>
+          </p:cNvSpPr>
+          <p:nvPr>
+            <p:ph type="title"/>
+          </p:nvPr>
+        </p:nvSpPr>
+        <p:spPr/>
+        <p:txBody>
+          <a:bodyPr/>
+          <a:lstStyle/>
+          <a:p>
+            <a:endParaRPr lang="en-US"/>
+          </a:p>
+        </p:txBody>
+      </p:sp>
+      <p:sp>
+        <p:nvSpPr>
+          <p:cNvPr id="3" name="Content Placeholder 2"/>
+          <p:cNvSpPr>
+            <a:spLocks noGrp="1"/>
+          </p:cNvSpPr>
+          <p:nvPr>
+            <p:ph idx="1"/>
+          </p:nvPr>
+        </p:nvSpPr>
+        <p:spPr/>
+        <p:txBody>
+          <a:bodyPr/>
+          <a:lstStyle/>
+          <a:p>
+            <a:endParaRPr lang="en-US"/>
+          </a:p>
+        </p:txBody>
+      </p:sp>
+      <p:sp>
+        <p:nvSpPr>
+          <p:cNvPr id="4" name="Rounded Rectangle 3"/>
+          <p:cNvSpPr/>
+          <p:nvPr/>
+        </p:nvSpPr>
+        <p:spPr bwMode="auto">
+          <a:xfrm>
+            <a:off x="2956218" y="4889914"/>
+            <a:ext cx="3455582" cy="414670"/>
+          </a:xfrm>
+          <a:prstGeom prst="roundRect">
+            <a:avLst/>
+          </a:prstGeom>
+          <a:solidFill>
+            <a:srgbClr val="0C2D83"/>
+          </a:solidFill>
+          <a:ln w="12700" cap="flat" cmpd="sng" algn="ctr">
+            <a:solidFill>
+              <a:schemeClr val="tx1"/>
+            </a:solidFill>
+            <a:prstDash val="solid"/>
+            <a:round/>
+            <a:headEnd type="none" w="med" len="med"/>
+            <a:tailEnd type="none" w="med" len="med"/>
+          </a:ln>
+          <a:effectLst/>
+        </p:spPr>
+        <p:txBody>
+          <a:bodyPr vert="horz" wrap="square" lIns="91440" tIns="45720" rIns="91440" bIns="45720" numCol="1" rtlCol="0" anchor="t" anchorCtr="0" compatLnSpc="1">
+            <a:prstTxWarp prst="textNoShape">
+              <a:avLst/>
+            </a:prstTxWarp>
+          </a:bodyPr>
+          <a:lstStyle/>
+          <a:p>
+            <a:pPr marL="0" marR="0" indent="0" algn="ctr" defTabSz="914400" rtl="0" eaLnBrk="0" fontAlgn="base" latinLnBrk="0" hangingPunct="0">
+              <a:lnSpc>
+                <a:spcPct val="100000"/>
+              </a:lnSpc>
+              <a:spcBef>
+                <a:spcPct val="0"/>
+              </a:spcBef>
+              <a:spcAft>
+                <a:spcPct val="0"/>
+              </a:spcAft>
+              <a:buClrTx/>
+              <a:buSzTx/>
+              <a:buFontTx/>
+              <a:buNone/>
+              <a:tabLst/>
+            </a:pPr>
+            <a:r>
+              <a:rPr kumimoji="0" lang="en-US" sz="1600" b="0" i="0" u="none" strike="noStrike" cap="none" normalizeH="0" baseline="0" dirty="0" smtClean="0">
+                <a:ln>
+                  <a:noFill/>
+                </a:ln>
+                <a:solidFill>
+                  <a:schemeClr val="bg1"/>
+                </a:solidFill>
+                <a:effectLst/>
+                <a:latin typeface="Arial" charset="0"/>
+              </a:rPr>
+              <a:t>Picture of setup</a:t>
+            </a:r>
+          </a:p>
+        </p:txBody>
+      </p:sp>
+    </p:spTree>
+    <p:extLst>
+      <p:ext uri="{BB962C8B-B14F-4D97-AF65-F5344CB8AC3E}">
+        <p14:creationId xmlns:p14="http://schemas.microsoft.com/office/powerpoint/2010/main" val="3254715279"/>
+      </p:ext>
+    </p:extLst>
+  </p:cSld>
+  <p:clrMapOvr>
+    <a:masterClrMapping/>
+  </p:clrMapOvr>
+</p:sld>
+</file>
+
+<file path=ppt/slides/slide47.xml><?xml version="1.0" encoding="utf-8"?>
+<p:sld xmlns:a="http://schemas.openxmlformats.org/drawingml/2006/main" xmlns:r="http://schemas.openxmlformats.org/officeDocument/2006/relationships" xmlns:p="http://schemas.openxmlformats.org/presentationml/2006/main">
+  <p:cSld>
+    <p:spTree>
+      <p:nvGrpSpPr>
+        <p:cNvPr id="1" name=""/>
+        <p:cNvGrpSpPr/>
+        <p:nvPr/>
+      </p:nvGrpSpPr>
+      <p:grpSpPr>
+        <a:xfrm>
+          <a:off x="0" y="0"/>
+          <a:ext cx="0" cy="0"/>
+          <a:chOff x="0" y="0"/>
+          <a:chExt cx="0" cy="0"/>
+        </a:xfrm>
+      </p:grpSpPr>
+      <p:sp>
+        <p:nvSpPr>
+          <p:cNvPr id="2" name="Title 1"/>
+          <p:cNvSpPr>
+            <a:spLocks noGrp="1"/>
+          </p:cNvSpPr>
+          <p:nvPr>
+            <p:ph type="title"/>
+          </p:nvPr>
+        </p:nvSpPr>
+        <p:spPr/>
+        <p:txBody>
+          <a:bodyPr/>
+          <a:lstStyle/>
+          <a:p>
+            <a:r>
+              <a:rPr lang="en-US" dirty="0" smtClean="0"/>
+              <a:t>Serial </a:t>
+            </a:r>
+            <a:r>
+              <a:rPr lang="en-US" dirty="0" smtClean="0"/>
+              <a:t>LCD Commands</a:t>
             </a:r>
             <a:endParaRPr lang="en-US" dirty="0"/>
           </a:p>
@@ -20947,14 +23249,43 @@
         </p:blipFill>
         <p:spPr>
           <a:xfrm>
-            <a:off x="2422992" y="1525771"/>
-            <a:ext cx="4292406" cy="4821865"/>
+            <a:off x="2787987" y="2366486"/>
+            <a:ext cx="3580567" cy="4022222"/>
           </a:xfrm>
           <a:prstGeom prst="rect">
             <a:avLst/>
           </a:prstGeom>
         </p:spPr>
       </p:pic>
+      <p:sp>
+        <p:nvSpPr>
+          <p:cNvPr id="3" name="TextBox 2"/>
+          <p:cNvSpPr txBox="1"/>
+          <p:nvPr/>
+        </p:nvSpPr>
+        <p:spPr>
+          <a:xfrm>
+            <a:off x="1613386" y="1439237"/>
+            <a:ext cx="5929771" cy="830997"/>
+          </a:xfrm>
+          <a:prstGeom prst="rect">
+            <a:avLst/>
+          </a:prstGeom>
+          <a:noFill/>
+        </p:spPr>
+        <p:txBody>
+          <a:bodyPr wrap="square" rtlCol="0">
+            <a:spAutoFit/>
+          </a:bodyPr>
+          <a:lstStyle/>
+          <a:p>
+            <a:r>
+              <a:rPr lang="en-US" dirty="0" smtClean="0"/>
+              <a:t>Suggest you read the LCD datasheet, here is the command summary</a:t>
+            </a:r>
+          </a:p>
+        </p:txBody>
+      </p:sp>
     </p:spTree>
     <p:extLst>
       <p:ext uri="{BB962C8B-B14F-4D97-AF65-F5344CB8AC3E}">
@@ -20975,7 +23306,7 @@
 </p:sld>
 </file>
 
-<file path=ppt/slides/slide42.xml><?xml version="1.0" encoding="utf-8"?>
+<file path=ppt/slides/slide48.xml><?xml version="1.0" encoding="utf-8"?>
 <p:sld xmlns:a="http://schemas.openxmlformats.org/drawingml/2006/main" xmlns:r="http://schemas.openxmlformats.org/officeDocument/2006/relationships" xmlns:p="http://schemas.openxmlformats.org/presentationml/2006/main">
   <p:cSld>
     <p:spTree>
@@ -21172,6 +23503,13 @@
   <p:clrMapOvr>
     <a:masterClrMapping/>
   </p:clrMapOvr>
+  <p:timing>
+    <p:tnLst>
+      <p:par>
+        <p:cTn id="1" dur="indefinite" restart="never" nodeType="tmRoot"/>
+      </p:par>
+    </p:tnLst>
+  </p:timing>
 </p:sld>
 </file>
 
@@ -21325,6 +23663,13 @@
   <p:clrMapOvr>
     <a:masterClrMapping/>
   </p:clrMapOvr>
+  <p:timing>
+    <p:tnLst>
+      <p:par>
+        <p:cTn id="1" dur="indefinite" restart="never" nodeType="tmRoot"/>
+      </p:par>
+    </p:tnLst>
+  </p:timing>
 </p:sld>
 </file>
 
@@ -21646,6 +23991,13 @@
   <p:clrMapOvr>
     <a:masterClrMapping/>
   </p:clrMapOvr>
+  <p:timing>
+    <p:tnLst>
+      <p:par>
+        <p:cTn id="1" dur="indefinite" restart="never" nodeType="tmRoot"/>
+      </p:par>
+    </p:tnLst>
+  </p:timing>
 </p:sld>
 </file>
 
